--- a/report/流水线datapath.pptx
+++ b/report/流水线datapath.pptx
@@ -11607,7 +11607,7 @@
         </p:nvGrpSpPr>
         <p:grpSpPr>
           <a:xfrm>
-            <a:off x="10059929" y="16524296"/>
+            <a:off x="9852420" y="16566556"/>
             <a:ext cx="5275570" cy="3485034"/>
             <a:chOff x="-2633448" y="1797786"/>
             <a:chExt cx="4417906" cy="2918462"/>
@@ -12563,7 +12563,7 @@
             <p:spPr>
               <a:xfrm>
                 <a:off x="1175903" y="2139702"/>
-                <a:ext cx="611707" cy="246221"/>
+                <a:ext cx="739272" cy="206192"/>
               </a:xfrm>
               <a:prstGeom prst="rect">
                 <a:avLst/>
@@ -12578,8 +12578,8 @@
               <a:p>
                 <a:pPr algn="ctr"/>
                 <a:r>
-                  <a:rPr lang="en-US" altLang="zh-CN" sz="1000" dirty="0" smtClean="0"/>
-                  <a:t>stall</a:t>
+                  <a:rPr lang="en-US" altLang="zh-CN" sz="1000" dirty="0" err="1"/>
+                  <a:t>ForwardPC</a:t>
                 </a:r>
                 <a:endParaRPr lang="zh-CN" altLang="en-US" sz="1000" dirty="0"/>
               </a:p>
@@ -12685,8 +12685,8 @@
             </p:nvSpPr>
             <p:spPr>
               <a:xfrm>
-                <a:off x="652912" y="3357999"/>
-                <a:ext cx="659536" cy="246221"/>
+                <a:off x="366758" y="3357999"/>
+                <a:ext cx="945689" cy="206192"/>
               </a:xfrm>
               <a:prstGeom prst="rect">
                 <a:avLst/>
@@ -12701,8 +12701,8 @@
               <a:p>
                 <a:pPr algn="r"/>
                 <a:r>
-                  <a:rPr lang="en-US" altLang="zh-CN" sz="1000" dirty="0" smtClean="0"/>
-                  <a:t>PC</a:t>
+                  <a:rPr lang="en-US" altLang="zh-CN" sz="1000" dirty="0"/>
+                  <a:t>{1’b0, MEM_PC}</a:t>
                 </a:r>
                 <a:endParaRPr lang="zh-CN" altLang="en-US" sz="1000" dirty="0"/>
               </a:p>
@@ -12843,8 +12843,8 @@
             </p:nvSpPr>
             <p:spPr>
               <a:xfrm>
-                <a:off x="1512021" y="2720510"/>
-                <a:ext cx="741770" cy="400110"/>
+                <a:off x="1463512" y="2727104"/>
+                <a:ext cx="741770" cy="206192"/>
               </a:xfrm>
               <a:prstGeom prst="rect">
                 <a:avLst/>
@@ -12859,8 +12859,8 @@
               <a:p>
                 <a:pPr algn="ctr"/>
                 <a:r>
-                  <a:rPr lang="en-US" altLang="zh-CN" sz="1000" dirty="0" err="1" smtClean="0"/>
-                  <a:t>ForwardPC</a:t>
+                  <a:rPr lang="en-US" altLang="zh-CN" sz="1000" dirty="0" smtClean="0"/>
+                  <a:t>stall</a:t>
                 </a:r>
                 <a:endParaRPr lang="zh-CN" altLang="en-US" sz="1000" dirty="0"/>
               </a:p>
@@ -12937,7 +12937,7 @@
             <p:spPr>
               <a:xfrm>
                 <a:off x="634569" y="3938807"/>
-                <a:ext cx="1013997" cy="246221"/>
+                <a:ext cx="1013997" cy="206192"/>
               </a:xfrm>
               <a:prstGeom prst="rect">
                 <a:avLst/>
@@ -12953,7 +12953,7 @@
                 <a:pPr algn="r"/>
                 <a:r>
                   <a:rPr lang="en-US" altLang="zh-CN" sz="1000" dirty="0" smtClean="0"/>
-                  <a:t>{1’b0, MEM_PC}</a:t>
+                  <a:t>PC</a:t>
                 </a:r>
                 <a:endParaRPr lang="zh-CN" altLang="en-US" sz="1000" dirty="0"/>
               </a:p>
@@ -15272,3458 +15272,6 @@
             </a:p>
           </p:txBody>
         </p:sp>
-      </p:grpSp>
-      <p:grpSp>
-        <p:nvGrpSpPr>
-          <p:cNvPr id="1093" name="组合 1092"/>
-          <p:cNvGrpSpPr/>
-          <p:nvPr/>
-        </p:nvGrpSpPr>
-        <p:grpSpPr>
-          <a:xfrm>
-            <a:off x="24263139" y="15811361"/>
-            <a:ext cx="7422797" cy="3617613"/>
-            <a:chOff x="-5604492" y="2063618"/>
-            <a:chExt cx="6216052" cy="3029488"/>
-          </a:xfrm>
-        </p:grpSpPr>
-        <p:grpSp>
-          <p:nvGrpSpPr>
-            <p:cNvPr id="1404" name="组合 1403"/>
-            <p:cNvGrpSpPr/>
-            <p:nvPr/>
-          </p:nvGrpSpPr>
-          <p:grpSpPr>
-            <a:xfrm>
-              <a:off x="-3265622" y="2063618"/>
-              <a:ext cx="3877182" cy="3029488"/>
-              <a:chOff x="2985066" y="1451915"/>
-              <a:chExt cx="3877182" cy="3029488"/>
-            </a:xfrm>
-          </p:grpSpPr>
-          <p:grpSp>
-            <p:nvGrpSpPr>
-              <p:cNvPr id="1423" name="组合 1422"/>
-              <p:cNvGrpSpPr/>
-              <p:nvPr/>
-            </p:nvGrpSpPr>
-            <p:grpSpPr>
-              <a:xfrm>
-                <a:off x="5461840" y="1713856"/>
-                <a:ext cx="1400408" cy="2254520"/>
-                <a:chOff x="1428764" y="2793440"/>
-                <a:chExt cx="1400408" cy="1306985"/>
-              </a:xfrm>
-            </p:grpSpPr>
-            <p:grpSp>
-              <p:nvGrpSpPr>
-                <p:cNvPr id="1480" name="组合 1479"/>
-                <p:cNvGrpSpPr/>
-                <p:nvPr/>
-              </p:nvGrpSpPr>
-              <p:grpSpPr>
-                <a:xfrm>
-                  <a:off x="1506202" y="2926536"/>
-                  <a:ext cx="576064" cy="969572"/>
-                  <a:chOff x="2987824" y="929968"/>
-                  <a:chExt cx="576064" cy="969572"/>
-                </a:xfrm>
-              </p:grpSpPr>
-              <p:cxnSp>
-                <p:nvCxnSpPr>
-                  <p:cNvPr id="1489" name="直接连接符 1488"/>
-                  <p:cNvCxnSpPr/>
-                  <p:nvPr/>
-                </p:nvCxnSpPr>
-                <p:spPr>
-                  <a:xfrm flipV="1">
-                    <a:off x="2987824" y="1553902"/>
-                    <a:ext cx="576064" cy="345638"/>
-                  </a:xfrm>
-                  <a:prstGeom prst="line">
-                    <a:avLst/>
-                  </a:prstGeom>
-                  <a:ln>
-                    <a:solidFill>
-                      <a:schemeClr val="tx1"/>
-                    </a:solidFill>
-                  </a:ln>
-                </p:spPr>
-                <p:style>
-                  <a:lnRef idx="1">
-                    <a:schemeClr val="accent1"/>
-                  </a:lnRef>
-                  <a:fillRef idx="0">
-                    <a:schemeClr val="accent1"/>
-                  </a:fillRef>
-                  <a:effectRef idx="0">
-                    <a:schemeClr val="accent1"/>
-                  </a:effectRef>
-                  <a:fontRef idx="minor">
-                    <a:schemeClr val="tx1"/>
-                  </a:fontRef>
-                </p:style>
-              </p:cxnSp>
-              <p:cxnSp>
-                <p:nvCxnSpPr>
-                  <p:cNvPr id="1490" name="直接连接符 1489"/>
-                  <p:cNvCxnSpPr/>
-                  <p:nvPr/>
-                </p:nvCxnSpPr>
-                <p:spPr>
-                  <a:xfrm>
-                    <a:off x="3563888" y="1275606"/>
-                    <a:ext cx="0" cy="288032"/>
-                  </a:xfrm>
-                  <a:prstGeom prst="line">
-                    <a:avLst/>
-                  </a:prstGeom>
-                  <a:ln>
-                    <a:solidFill>
-                      <a:schemeClr val="tx1"/>
-                    </a:solidFill>
-                  </a:ln>
-                </p:spPr>
-                <p:style>
-                  <a:lnRef idx="1">
-                    <a:schemeClr val="accent1"/>
-                  </a:lnRef>
-                  <a:fillRef idx="0">
-                    <a:schemeClr val="accent1"/>
-                  </a:fillRef>
-                  <a:effectRef idx="0">
-                    <a:schemeClr val="accent1"/>
-                  </a:effectRef>
-                  <a:fontRef idx="minor">
-                    <a:schemeClr val="tx1"/>
-                  </a:fontRef>
-                </p:style>
-              </p:cxnSp>
-              <p:cxnSp>
-                <p:nvCxnSpPr>
-                  <p:cNvPr id="1491" name="直接连接符 1490"/>
-                  <p:cNvCxnSpPr/>
-                  <p:nvPr/>
-                </p:nvCxnSpPr>
-                <p:spPr>
-                  <a:xfrm>
-                    <a:off x="2987824" y="1254004"/>
-                    <a:ext cx="264950" cy="158971"/>
-                  </a:xfrm>
-                  <a:prstGeom prst="line">
-                    <a:avLst/>
-                  </a:prstGeom>
-                  <a:ln>
-                    <a:solidFill>
-                      <a:schemeClr val="tx1"/>
-                    </a:solidFill>
-                  </a:ln>
-                </p:spPr>
-                <p:style>
-                  <a:lnRef idx="1">
-                    <a:schemeClr val="accent1"/>
-                  </a:lnRef>
-                  <a:fillRef idx="0">
-                    <a:schemeClr val="accent1"/>
-                  </a:fillRef>
-                  <a:effectRef idx="0">
-                    <a:schemeClr val="accent1"/>
-                  </a:effectRef>
-                  <a:fontRef idx="minor">
-                    <a:schemeClr val="tx1"/>
-                  </a:fontRef>
-                </p:style>
-              </p:cxnSp>
-              <p:cxnSp>
-                <p:nvCxnSpPr>
-                  <p:cNvPr id="1492" name="直接连接符 1491"/>
-                  <p:cNvCxnSpPr/>
-                  <p:nvPr/>
-                </p:nvCxnSpPr>
-                <p:spPr>
-                  <a:xfrm flipV="1">
-                    <a:off x="2992972" y="1412975"/>
-                    <a:ext cx="259802" cy="162529"/>
-                  </a:xfrm>
-                  <a:prstGeom prst="line">
-                    <a:avLst/>
-                  </a:prstGeom>
-                  <a:ln>
-                    <a:solidFill>
-                      <a:schemeClr val="tx1"/>
-                    </a:solidFill>
-                  </a:ln>
-                </p:spPr>
-                <p:style>
-                  <a:lnRef idx="1">
-                    <a:schemeClr val="accent1"/>
-                  </a:lnRef>
-                  <a:fillRef idx="0">
-                    <a:schemeClr val="accent1"/>
-                  </a:fillRef>
-                  <a:effectRef idx="0">
-                    <a:schemeClr val="accent1"/>
-                  </a:effectRef>
-                  <a:fontRef idx="minor">
-                    <a:schemeClr val="tx1"/>
-                  </a:fontRef>
-                </p:style>
-              </p:cxnSp>
-              <p:cxnSp>
-                <p:nvCxnSpPr>
-                  <p:cNvPr id="1493" name="直接连接符 1492"/>
-                  <p:cNvCxnSpPr/>
-                  <p:nvPr/>
-                </p:nvCxnSpPr>
-                <p:spPr>
-                  <a:xfrm>
-                    <a:off x="2987824" y="929968"/>
-                    <a:ext cx="0" cy="324036"/>
-                  </a:xfrm>
-                  <a:prstGeom prst="line">
-                    <a:avLst/>
-                  </a:prstGeom>
-                  <a:ln>
-                    <a:solidFill>
-                      <a:schemeClr val="tx1"/>
-                    </a:solidFill>
-                  </a:ln>
-                </p:spPr>
-                <p:style>
-                  <a:lnRef idx="1">
-                    <a:schemeClr val="accent1"/>
-                  </a:lnRef>
-                  <a:fillRef idx="0">
-                    <a:schemeClr val="accent1"/>
-                  </a:fillRef>
-                  <a:effectRef idx="0">
-                    <a:schemeClr val="accent1"/>
-                  </a:effectRef>
-                  <a:fontRef idx="minor">
-                    <a:schemeClr val="tx1"/>
-                  </a:fontRef>
-                </p:style>
-              </p:cxnSp>
-              <p:cxnSp>
-                <p:nvCxnSpPr>
-                  <p:cNvPr id="1494" name="直接连接符 1493"/>
-                  <p:cNvCxnSpPr/>
-                  <p:nvPr/>
-                </p:nvCxnSpPr>
-                <p:spPr>
-                  <a:xfrm>
-                    <a:off x="2992972" y="1575504"/>
-                    <a:ext cx="0" cy="324036"/>
-                  </a:xfrm>
-                  <a:prstGeom prst="line">
-                    <a:avLst/>
-                  </a:prstGeom>
-                  <a:ln>
-                    <a:solidFill>
-                      <a:schemeClr val="tx1"/>
-                    </a:solidFill>
-                  </a:ln>
-                </p:spPr>
-                <p:style>
-                  <a:lnRef idx="1">
-                    <a:schemeClr val="accent1"/>
-                  </a:lnRef>
-                  <a:fillRef idx="0">
-                    <a:schemeClr val="accent1"/>
-                  </a:fillRef>
-                  <a:effectRef idx="0">
-                    <a:schemeClr val="accent1"/>
-                  </a:effectRef>
-                  <a:fontRef idx="minor">
-                    <a:schemeClr val="tx1"/>
-                  </a:fontRef>
-                </p:style>
-              </p:cxnSp>
-              <p:cxnSp>
-                <p:nvCxnSpPr>
-                  <p:cNvPr id="1495" name="直接连接符 1494"/>
-                  <p:cNvCxnSpPr/>
-                  <p:nvPr/>
-                </p:nvCxnSpPr>
-                <p:spPr>
-                  <a:xfrm>
-                    <a:off x="2987824" y="929968"/>
-                    <a:ext cx="576064" cy="345638"/>
-                  </a:xfrm>
-                  <a:prstGeom prst="line">
-                    <a:avLst/>
-                  </a:prstGeom>
-                  <a:ln>
-                    <a:solidFill>
-                      <a:schemeClr val="tx1"/>
-                    </a:solidFill>
-                  </a:ln>
-                </p:spPr>
-                <p:style>
-                  <a:lnRef idx="1">
-                    <a:schemeClr val="accent1"/>
-                  </a:lnRef>
-                  <a:fillRef idx="0">
-                    <a:schemeClr val="accent1"/>
-                  </a:fillRef>
-                  <a:effectRef idx="0">
-                    <a:schemeClr val="accent1"/>
-                  </a:effectRef>
-                  <a:fontRef idx="minor">
-                    <a:schemeClr val="tx1"/>
-                  </a:fontRef>
-                </p:style>
-              </p:cxnSp>
-            </p:grpSp>
-            <p:cxnSp>
-              <p:nvCxnSpPr>
-                <p:cNvPr id="1481" name="直接连接符 1480"/>
-                <p:cNvCxnSpPr/>
-                <p:nvPr/>
-              </p:nvCxnSpPr>
-              <p:spPr>
-                <a:xfrm>
-                  <a:off x="1832247" y="2926536"/>
-                  <a:ext cx="0" cy="204375"/>
-                </a:xfrm>
-                <a:prstGeom prst="line">
-                  <a:avLst/>
-                </a:prstGeom>
-              </p:spPr>
-              <p:style>
-                <a:lnRef idx="1">
-                  <a:schemeClr val="accent1"/>
-                </a:lnRef>
-                <a:fillRef idx="0">
-                  <a:schemeClr val="accent1"/>
-                </a:fillRef>
-                <a:effectRef idx="0">
-                  <a:schemeClr val="accent1"/>
-                </a:effectRef>
-                <a:fontRef idx="minor">
-                  <a:schemeClr val="tx1"/>
-                </a:fontRef>
-              </p:style>
-            </p:cxnSp>
-            <p:sp>
-              <p:nvSpPr>
-                <p:cNvPr id="1482" name="TextBox 1481"/>
-                <p:cNvSpPr txBox="1"/>
-                <p:nvPr/>
-              </p:nvSpPr>
-              <p:spPr>
-                <a:xfrm>
-                  <a:off x="1428764" y="2793440"/>
-                  <a:ext cx="841096" cy="142739"/>
-                </a:xfrm>
-                <a:prstGeom prst="rect">
-                  <a:avLst/>
-                </a:prstGeom>
-                <a:noFill/>
-              </p:spPr>
-              <p:txBody>
-                <a:bodyPr wrap="square" rtlCol="0">
-                  <a:spAutoFit/>
-                </a:bodyPr>
-                <a:lstStyle/>
-                <a:p>
-                  <a:pPr algn="ctr"/>
-                  <a:r>
-                    <a:rPr lang="en-US" altLang="zh-CN" sz="1000" dirty="0" err="1" smtClean="0"/>
-                    <a:t>EX_ALUFun</a:t>
-                  </a:r>
-                  <a:endParaRPr lang="en-US" altLang="zh-CN" sz="1000" dirty="0"/>
-                </a:p>
-              </p:txBody>
-            </p:sp>
-            <p:cxnSp>
-              <p:nvCxnSpPr>
-                <p:cNvPr id="1483" name="直接连接符 1482"/>
-                <p:cNvCxnSpPr/>
-                <p:nvPr/>
-              </p:nvCxnSpPr>
-              <p:spPr>
-                <a:xfrm>
-                  <a:off x="1835696" y="3691733"/>
-                  <a:ext cx="0" cy="204375"/>
-                </a:xfrm>
-                <a:prstGeom prst="line">
-                  <a:avLst/>
-                </a:prstGeom>
-              </p:spPr>
-              <p:style>
-                <a:lnRef idx="1">
-                  <a:schemeClr val="accent1"/>
-                </a:lnRef>
-                <a:fillRef idx="0">
-                  <a:schemeClr val="accent1"/>
-                </a:fillRef>
-                <a:effectRef idx="0">
-                  <a:schemeClr val="accent1"/>
-                </a:effectRef>
-                <a:fontRef idx="minor">
-                  <a:schemeClr val="tx1"/>
-                </a:fontRef>
-              </p:style>
-            </p:cxnSp>
-            <p:sp>
-              <p:nvSpPr>
-                <p:cNvPr id="1484" name="TextBox 1483"/>
-                <p:cNvSpPr txBox="1"/>
-                <p:nvPr/>
-              </p:nvSpPr>
-              <p:spPr>
-                <a:xfrm>
-                  <a:off x="1574896" y="3868474"/>
-                  <a:ext cx="548832" cy="231951"/>
-                </a:xfrm>
-                <a:prstGeom prst="rect">
-                  <a:avLst/>
-                </a:prstGeom>
-                <a:noFill/>
-              </p:spPr>
-              <p:txBody>
-                <a:bodyPr wrap="square" rtlCol="0">
-                  <a:spAutoFit/>
-                </a:bodyPr>
-                <a:lstStyle/>
-                <a:p>
-                  <a:pPr algn="ctr"/>
-                  <a:r>
-                    <a:rPr lang="en-US" altLang="zh-CN" sz="1000" dirty="0" err="1" smtClean="0"/>
-                    <a:t>EX_Sign</a:t>
-                  </a:r>
-                  <a:endParaRPr lang="en-US" altLang="zh-CN" sz="1000" dirty="0"/>
-                </a:p>
-              </p:txBody>
-            </p:sp>
-            <p:cxnSp>
-              <p:nvCxnSpPr>
-                <p:cNvPr id="1485" name="直接连接符 1484"/>
-                <p:cNvCxnSpPr/>
-                <p:nvPr/>
-              </p:nvCxnSpPr>
-              <p:spPr>
-                <a:xfrm flipH="1">
-                  <a:off x="2082266" y="3421328"/>
-                  <a:ext cx="144016" cy="0"/>
-                </a:xfrm>
-                <a:prstGeom prst="line">
-                  <a:avLst/>
-                </a:prstGeom>
-              </p:spPr>
-              <p:style>
-                <a:lnRef idx="1">
-                  <a:schemeClr val="accent1"/>
-                </a:lnRef>
-                <a:fillRef idx="0">
-                  <a:schemeClr val="accent1"/>
-                </a:fillRef>
-                <a:effectRef idx="0">
-                  <a:schemeClr val="accent1"/>
-                </a:effectRef>
-                <a:fontRef idx="minor">
-                  <a:schemeClr val="tx1"/>
-                </a:fontRef>
-              </p:style>
-            </p:cxnSp>
-            <p:sp>
-              <p:nvSpPr>
-                <p:cNvPr id="1486" name="TextBox 1485"/>
-                <p:cNvSpPr txBox="1"/>
-                <p:nvPr/>
-              </p:nvSpPr>
-              <p:spPr>
-                <a:xfrm>
-                  <a:off x="2180208" y="3360723"/>
-                  <a:ext cx="648964" cy="231951"/>
-                </a:xfrm>
-                <a:prstGeom prst="rect">
-                  <a:avLst/>
-                </a:prstGeom>
-                <a:noFill/>
-              </p:spPr>
-              <p:txBody>
-                <a:bodyPr wrap="square" rtlCol="0">
-                  <a:spAutoFit/>
-                </a:bodyPr>
-                <a:lstStyle/>
-                <a:p>
-                  <a:r>
-                    <a:rPr lang="en-US" altLang="zh-CN" sz="1000" dirty="0" err="1" smtClean="0"/>
-                    <a:t>EX_ALUout</a:t>
-                  </a:r>
-                  <a:endParaRPr lang="zh-CN" altLang="en-US" sz="1000" dirty="0"/>
-                </a:p>
-              </p:txBody>
-            </p:sp>
-            <p:sp>
-              <p:nvSpPr>
-                <p:cNvPr id="1487" name="TextBox 1486"/>
-                <p:cNvSpPr txBox="1"/>
-                <p:nvPr/>
-              </p:nvSpPr>
-              <p:spPr>
-                <a:xfrm>
-                  <a:off x="1898079" y="3351804"/>
-                  <a:ext cx="216024" cy="142739"/>
-                </a:xfrm>
-                <a:prstGeom prst="rect">
-                  <a:avLst/>
-                </a:prstGeom>
-                <a:noFill/>
-              </p:spPr>
-              <p:txBody>
-                <a:bodyPr wrap="square" rtlCol="0">
-                  <a:spAutoFit/>
-                </a:bodyPr>
-                <a:lstStyle/>
-                <a:p>
-                  <a:pPr algn="r"/>
-                  <a:r>
-                    <a:rPr lang="en-US" altLang="zh-CN" sz="1000" dirty="0"/>
-                    <a:t>S</a:t>
-                  </a:r>
-                  <a:endParaRPr lang="zh-CN" altLang="en-US" sz="1000" dirty="0"/>
-                </a:p>
-              </p:txBody>
-            </p:sp>
-            <p:sp>
-              <p:nvSpPr>
-                <p:cNvPr id="1488" name="TextBox 1487"/>
-                <p:cNvSpPr txBox="1"/>
-                <p:nvPr/>
-              </p:nvSpPr>
-              <p:spPr>
-                <a:xfrm>
-                  <a:off x="1656951" y="3238027"/>
-                  <a:ext cx="346249" cy="366602"/>
-                </a:xfrm>
-                <a:prstGeom prst="rect">
-                  <a:avLst/>
-                </a:prstGeom>
-                <a:noFill/>
-              </p:spPr>
-              <p:txBody>
-                <a:bodyPr vert="eaVert" wrap="square" rtlCol="0">
-                  <a:spAutoFit/>
-                </a:bodyPr>
-                <a:lstStyle/>
-                <a:p>
-                  <a:pPr algn="ctr"/>
-                  <a:r>
-                    <a:rPr lang="en-US" altLang="zh-CN" sz="1050" b="1" dirty="0">
-                      <a:latin typeface="Consolas" panose="020B0609020204030204" pitchFamily="49" charset="0"/>
-                    </a:rPr>
-                    <a:t>ALU</a:t>
-                  </a:r>
-                  <a:endParaRPr lang="zh-CN" altLang="en-US" sz="1050" b="1" dirty="0">
-                    <a:latin typeface="Consolas" panose="020B0609020204030204" pitchFamily="49" charset="0"/>
-                  </a:endParaRPr>
-                </a:p>
-              </p:txBody>
-            </p:sp>
-          </p:grpSp>
-          <p:grpSp>
-            <p:nvGrpSpPr>
-              <p:cNvPr id="1424" name="组合 1423"/>
-              <p:cNvGrpSpPr/>
-              <p:nvPr/>
-            </p:nvGrpSpPr>
-            <p:grpSpPr>
-              <a:xfrm>
-                <a:off x="3419872" y="1850288"/>
-                <a:ext cx="1783033" cy="886932"/>
-                <a:chOff x="4211960" y="2352318"/>
-                <a:chExt cx="1783033" cy="886932"/>
-              </a:xfrm>
-            </p:grpSpPr>
-            <p:sp>
-              <p:nvSpPr>
-                <p:cNvPr id="1471" name="流程图: 手动操作 2"/>
-                <p:cNvSpPr/>
-                <p:nvPr/>
-              </p:nvSpPr>
-              <p:spPr>
-                <a:xfrm rot="16200000">
-                  <a:off x="5056828" y="2844116"/>
-                  <a:ext cx="595667" cy="194601"/>
-                </a:xfrm>
-                <a:custGeom>
-                  <a:avLst/>
-                  <a:gdLst>
-                    <a:gd name="connsiteX0" fmla="*/ 0 w 10000"/>
-                    <a:gd name="connsiteY0" fmla="*/ 0 h 10000"/>
-                    <a:gd name="connsiteX1" fmla="*/ 10000 w 10000"/>
-                    <a:gd name="connsiteY1" fmla="*/ 0 h 10000"/>
-                    <a:gd name="connsiteX2" fmla="*/ 8000 w 10000"/>
-                    <a:gd name="connsiteY2" fmla="*/ 10000 h 10000"/>
-                    <a:gd name="connsiteX3" fmla="*/ 2000 w 10000"/>
-                    <a:gd name="connsiteY3" fmla="*/ 10000 h 10000"/>
-                    <a:gd name="connsiteX4" fmla="*/ 0 w 10000"/>
-                    <a:gd name="connsiteY4" fmla="*/ 0 h 10000"/>
-                    <a:gd name="connsiteX0" fmla="*/ 0 w 10000"/>
-                    <a:gd name="connsiteY0" fmla="*/ 0 h 10178"/>
-                    <a:gd name="connsiteX1" fmla="*/ 10000 w 10000"/>
-                    <a:gd name="connsiteY1" fmla="*/ 0 h 10178"/>
-                    <a:gd name="connsiteX2" fmla="*/ 8691 w 10000"/>
-                    <a:gd name="connsiteY2" fmla="*/ 10178 h 10178"/>
-                    <a:gd name="connsiteX3" fmla="*/ 2000 w 10000"/>
-                    <a:gd name="connsiteY3" fmla="*/ 10000 h 10178"/>
-                    <a:gd name="connsiteX4" fmla="*/ 0 w 10000"/>
-                    <a:gd name="connsiteY4" fmla="*/ 0 h 10178"/>
-                    <a:gd name="connsiteX0" fmla="*/ 0 w 10000"/>
-                    <a:gd name="connsiteY0" fmla="*/ 0 h 10178"/>
-                    <a:gd name="connsiteX1" fmla="*/ 10000 w 10000"/>
-                    <a:gd name="connsiteY1" fmla="*/ 0 h 10178"/>
-                    <a:gd name="connsiteX2" fmla="*/ 8691 w 10000"/>
-                    <a:gd name="connsiteY2" fmla="*/ 10178 h 10178"/>
-                    <a:gd name="connsiteX3" fmla="*/ 2000 w 10000"/>
-                    <a:gd name="connsiteY3" fmla="*/ 10000 h 10178"/>
-                    <a:gd name="connsiteX4" fmla="*/ 1088 w 10000"/>
-                    <a:gd name="connsiteY4" fmla="*/ 9879 h 10178"/>
-                    <a:gd name="connsiteX5" fmla="*/ 0 w 10000"/>
-                    <a:gd name="connsiteY5" fmla="*/ 0 h 10178"/>
-                  </a:gdLst>
-                  <a:ahLst/>
-                  <a:cxnLst>
-                    <a:cxn ang="0">
-                      <a:pos x="connsiteX0" y="connsiteY0"/>
-                    </a:cxn>
-                    <a:cxn ang="0">
-                      <a:pos x="connsiteX1" y="connsiteY1"/>
-                    </a:cxn>
-                    <a:cxn ang="0">
-                      <a:pos x="connsiteX2" y="connsiteY2"/>
-                    </a:cxn>
-                    <a:cxn ang="0">
-                      <a:pos x="connsiteX3" y="connsiteY3"/>
-                    </a:cxn>
-                    <a:cxn ang="0">
-                      <a:pos x="connsiteX4" y="connsiteY4"/>
-                    </a:cxn>
-                    <a:cxn ang="0">
-                      <a:pos x="connsiteX5" y="connsiteY5"/>
-                    </a:cxn>
-                  </a:cxnLst>
-                  <a:rect l="l" t="t" r="r" b="b"/>
-                  <a:pathLst>
-                    <a:path w="10000" h="10178">
-                      <a:moveTo>
-                        <a:pt x="0" y="0"/>
-                      </a:moveTo>
-                      <a:lnTo>
-                        <a:pt x="10000" y="0"/>
-                      </a:lnTo>
-                      <a:lnTo>
-                        <a:pt x="8691" y="10178"/>
-                      </a:lnTo>
-                      <a:lnTo>
-                        <a:pt x="2000" y="10000"/>
-                      </a:lnTo>
-                      <a:cubicBezTo>
-                        <a:pt x="1975" y="9960"/>
-                        <a:pt x="1113" y="9919"/>
-                        <a:pt x="1088" y="9879"/>
-                      </a:cubicBezTo>
-                      <a:lnTo>
-                        <a:pt x="0" y="0"/>
-                      </a:lnTo>
-                      <a:close/>
-                    </a:path>
-                  </a:pathLst>
-                </a:custGeom>
-                <a:noFill/>
-                <a:ln w="12700">
-                  <a:solidFill>
-                    <a:schemeClr val="tx1"/>
-                  </a:solidFill>
-                </a:ln>
-              </p:spPr>
-              <p:style>
-                <a:lnRef idx="2">
-                  <a:schemeClr val="accent1">
-                    <a:shade val="50000"/>
-                  </a:schemeClr>
-                </a:lnRef>
-                <a:fillRef idx="1">
-                  <a:schemeClr val="accent1"/>
-                </a:fillRef>
-                <a:effectRef idx="0">
-                  <a:schemeClr val="accent1"/>
-                </a:effectRef>
-                <a:fontRef idx="minor">
-                  <a:schemeClr val="lt1"/>
-                </a:fontRef>
-              </p:style>
-              <p:txBody>
-                <a:bodyPr rtlCol="0" anchor="ctr"/>
-                <a:lstStyle/>
-                <a:p>
-                  <a:pPr algn="ctr"/>
-                  <a:endParaRPr lang="zh-CN" altLang="en-US" sz="18600"/>
-                </a:p>
-              </p:txBody>
-            </p:sp>
-            <p:cxnSp>
-              <p:nvCxnSpPr>
-                <p:cNvPr id="1472" name="直接连接符 1471"/>
-                <p:cNvCxnSpPr/>
-                <p:nvPr/>
-              </p:nvCxnSpPr>
-              <p:spPr>
-                <a:xfrm>
-                  <a:off x="5371396" y="2543186"/>
-                  <a:ext cx="0" cy="144016"/>
-                </a:xfrm>
-                <a:prstGeom prst="line">
-                  <a:avLst/>
-                </a:prstGeom>
-              </p:spPr>
-              <p:style>
-                <a:lnRef idx="1">
-                  <a:schemeClr val="accent1"/>
-                </a:lnRef>
-                <a:fillRef idx="0">
-                  <a:schemeClr val="accent1"/>
-                </a:fillRef>
-                <a:effectRef idx="0">
-                  <a:schemeClr val="accent1"/>
-                </a:effectRef>
-                <a:fontRef idx="minor">
-                  <a:schemeClr val="tx1"/>
-                </a:fontRef>
-              </p:style>
-            </p:cxnSp>
-            <p:sp>
-              <p:nvSpPr>
-                <p:cNvPr id="1473" name="TextBox 1472"/>
-                <p:cNvSpPr txBox="1"/>
-                <p:nvPr/>
-              </p:nvSpPr>
-              <p:spPr>
-                <a:xfrm>
-                  <a:off x="4834629" y="2352318"/>
-                  <a:ext cx="743000" cy="400110"/>
-                </a:xfrm>
-                <a:prstGeom prst="rect">
-                  <a:avLst/>
-                </a:prstGeom>
-                <a:noFill/>
-              </p:spPr>
-              <p:txBody>
-                <a:bodyPr wrap="square" rtlCol="0">
-                  <a:spAutoFit/>
-                </a:bodyPr>
-                <a:lstStyle/>
-                <a:p>
-                  <a:pPr algn="ctr"/>
-                  <a:r>
-                    <a:rPr lang="en-US" altLang="zh-CN" sz="1000" dirty="0" smtClean="0"/>
-                    <a:t>EX_ALUSrc1</a:t>
-                  </a:r>
-                  <a:endParaRPr lang="zh-CN" altLang="en-US" sz="1000" dirty="0"/>
-                </a:p>
-              </p:txBody>
-            </p:sp>
-            <p:cxnSp>
-              <p:nvCxnSpPr>
-                <p:cNvPr id="1474" name="直接连接符 1473"/>
-                <p:cNvCxnSpPr/>
-                <p:nvPr/>
-              </p:nvCxnSpPr>
-              <p:spPr>
-                <a:xfrm flipH="1">
-                  <a:off x="5113341" y="2838648"/>
-                  <a:ext cx="144016" cy="0"/>
-                </a:xfrm>
-                <a:prstGeom prst="line">
-                  <a:avLst/>
-                </a:prstGeom>
-              </p:spPr>
-              <p:style>
-                <a:lnRef idx="1">
-                  <a:schemeClr val="accent1"/>
-                </a:lnRef>
-                <a:fillRef idx="0">
-                  <a:schemeClr val="accent1"/>
-                </a:fillRef>
-                <a:effectRef idx="0">
-                  <a:schemeClr val="accent1"/>
-                </a:effectRef>
-                <a:fontRef idx="minor">
-                  <a:schemeClr val="tx1"/>
-                </a:fontRef>
-              </p:style>
-            </p:cxnSp>
-            <p:cxnSp>
-              <p:nvCxnSpPr>
-                <p:cNvPr id="1475" name="直接连接符 1474"/>
-                <p:cNvCxnSpPr/>
-                <p:nvPr/>
-              </p:nvCxnSpPr>
-              <p:spPr>
-                <a:xfrm flipH="1">
-                  <a:off x="5113341" y="3048974"/>
-                  <a:ext cx="144016" cy="0"/>
-                </a:xfrm>
-                <a:prstGeom prst="line">
-                  <a:avLst/>
-                </a:prstGeom>
-              </p:spPr>
-              <p:style>
-                <a:lnRef idx="1">
-                  <a:schemeClr val="accent1"/>
-                </a:lnRef>
-                <a:fillRef idx="0">
-                  <a:schemeClr val="accent1"/>
-                </a:fillRef>
-                <a:effectRef idx="0">
-                  <a:schemeClr val="accent1"/>
-                </a:effectRef>
-                <a:fontRef idx="minor">
-                  <a:schemeClr val="tx1"/>
-                </a:fontRef>
-              </p:style>
-            </p:cxnSp>
-            <p:sp>
-              <p:nvSpPr>
-                <p:cNvPr id="1476" name="TextBox 1475"/>
-                <p:cNvSpPr txBox="1"/>
-                <p:nvPr/>
-              </p:nvSpPr>
-              <p:spPr>
-                <a:xfrm>
-                  <a:off x="4211960" y="2733873"/>
-                  <a:ext cx="960026" cy="246221"/>
-                </a:xfrm>
-                <a:prstGeom prst="rect">
-                  <a:avLst/>
-                </a:prstGeom>
-                <a:noFill/>
-              </p:spPr>
-              <p:txBody>
-                <a:bodyPr wrap="square" rtlCol="0">
-                  <a:spAutoFit/>
-                </a:bodyPr>
-                <a:lstStyle/>
-                <a:p>
-                  <a:pPr algn="r"/>
-                  <a:r>
-                    <a:rPr lang="en-US" altLang="zh-CN" sz="1000" dirty="0" err="1" smtClean="0"/>
-                    <a:t>EX_shamt</a:t>
-                  </a:r>
-                  <a:endParaRPr lang="zh-CN" altLang="en-US" sz="1000" dirty="0"/>
-                </a:p>
-              </p:txBody>
-            </p:sp>
-            <p:sp>
-              <p:nvSpPr>
-                <p:cNvPr id="1477" name="TextBox 1476"/>
-                <p:cNvSpPr txBox="1"/>
-                <p:nvPr/>
-              </p:nvSpPr>
-              <p:spPr>
-                <a:xfrm>
-                  <a:off x="4495996" y="2936717"/>
-                  <a:ext cx="684081" cy="246221"/>
-                </a:xfrm>
-                <a:prstGeom prst="rect">
-                  <a:avLst/>
-                </a:prstGeom>
-                <a:noFill/>
-              </p:spPr>
-              <p:txBody>
-                <a:bodyPr wrap="square" rtlCol="0">
-                  <a:spAutoFit/>
-                </a:bodyPr>
-                <a:lstStyle/>
-                <a:p>
-                  <a:pPr algn="r"/>
-                  <a:r>
-                    <a:rPr lang="en-US" altLang="zh-CN" sz="1000" dirty="0" err="1" smtClean="0"/>
-                    <a:t>EX_dataA</a:t>
-                  </a:r>
-                  <a:endParaRPr lang="zh-CN" altLang="en-US" sz="1000" dirty="0"/>
-                </a:p>
-              </p:txBody>
-            </p:sp>
-            <p:cxnSp>
-              <p:nvCxnSpPr>
-                <p:cNvPr id="1478" name="直接连接符 1477"/>
-                <p:cNvCxnSpPr/>
-                <p:nvPr/>
-              </p:nvCxnSpPr>
-              <p:spPr>
-                <a:xfrm flipH="1">
-                  <a:off x="5448092" y="2906983"/>
-                  <a:ext cx="546901" cy="0"/>
-                </a:xfrm>
-                <a:prstGeom prst="line">
-                  <a:avLst/>
-                </a:prstGeom>
-              </p:spPr>
-              <p:style>
-                <a:lnRef idx="1">
-                  <a:schemeClr val="accent1"/>
-                </a:lnRef>
-                <a:fillRef idx="0">
-                  <a:schemeClr val="accent1"/>
-                </a:fillRef>
-                <a:effectRef idx="0">
-                  <a:schemeClr val="accent1"/>
-                </a:effectRef>
-                <a:fontRef idx="minor">
-                  <a:schemeClr val="tx1"/>
-                </a:fontRef>
-              </p:style>
-            </p:cxnSp>
-            <p:sp>
-              <p:nvSpPr>
-                <p:cNvPr id="1479" name="TextBox 1478"/>
-                <p:cNvSpPr txBox="1"/>
-                <p:nvPr/>
-              </p:nvSpPr>
-              <p:spPr>
-                <a:xfrm>
-                  <a:off x="5232530" y="2936717"/>
-                  <a:ext cx="187332" cy="246221"/>
-                </a:xfrm>
-                <a:prstGeom prst="rect">
-                  <a:avLst/>
-                </a:prstGeom>
-                <a:noFill/>
-              </p:spPr>
-              <p:txBody>
-                <a:bodyPr wrap="square" rtlCol="0">
-                  <a:spAutoFit/>
-                </a:bodyPr>
-                <a:lstStyle/>
-                <a:p>
-                  <a:pPr algn="ctr"/>
-                  <a:r>
-                    <a:rPr lang="en-US" altLang="zh-CN" sz="1000" dirty="0"/>
-                    <a:t>1</a:t>
-                  </a:r>
-                  <a:endParaRPr lang="zh-CN" altLang="en-US" sz="1000" dirty="0"/>
-                </a:p>
-              </p:txBody>
-            </p:sp>
-          </p:grpSp>
-          <p:grpSp>
-            <p:nvGrpSpPr>
-              <p:cNvPr id="1425" name="组合 1424"/>
-              <p:cNvGrpSpPr/>
-              <p:nvPr/>
-            </p:nvGrpSpPr>
-            <p:grpSpPr>
-              <a:xfrm>
-                <a:off x="4481678" y="3106561"/>
-                <a:ext cx="1133682" cy="1076536"/>
-                <a:chOff x="4495996" y="2336123"/>
-                <a:chExt cx="1133682" cy="1076536"/>
-              </a:xfrm>
-            </p:grpSpPr>
-            <p:sp>
-              <p:nvSpPr>
-                <p:cNvPr id="1463" name="流程图: 手动操作 2"/>
-                <p:cNvSpPr/>
-                <p:nvPr/>
-              </p:nvSpPr>
-              <p:spPr>
-                <a:xfrm rot="16200000">
-                  <a:off x="5056828" y="2536656"/>
-                  <a:ext cx="595667" cy="194601"/>
-                </a:xfrm>
-                <a:custGeom>
-                  <a:avLst/>
-                  <a:gdLst>
-                    <a:gd name="connsiteX0" fmla="*/ 0 w 10000"/>
-                    <a:gd name="connsiteY0" fmla="*/ 0 h 10000"/>
-                    <a:gd name="connsiteX1" fmla="*/ 10000 w 10000"/>
-                    <a:gd name="connsiteY1" fmla="*/ 0 h 10000"/>
-                    <a:gd name="connsiteX2" fmla="*/ 8000 w 10000"/>
-                    <a:gd name="connsiteY2" fmla="*/ 10000 h 10000"/>
-                    <a:gd name="connsiteX3" fmla="*/ 2000 w 10000"/>
-                    <a:gd name="connsiteY3" fmla="*/ 10000 h 10000"/>
-                    <a:gd name="connsiteX4" fmla="*/ 0 w 10000"/>
-                    <a:gd name="connsiteY4" fmla="*/ 0 h 10000"/>
-                    <a:gd name="connsiteX0" fmla="*/ 0 w 10000"/>
-                    <a:gd name="connsiteY0" fmla="*/ 0 h 10178"/>
-                    <a:gd name="connsiteX1" fmla="*/ 10000 w 10000"/>
-                    <a:gd name="connsiteY1" fmla="*/ 0 h 10178"/>
-                    <a:gd name="connsiteX2" fmla="*/ 8691 w 10000"/>
-                    <a:gd name="connsiteY2" fmla="*/ 10178 h 10178"/>
-                    <a:gd name="connsiteX3" fmla="*/ 2000 w 10000"/>
-                    <a:gd name="connsiteY3" fmla="*/ 10000 h 10178"/>
-                    <a:gd name="connsiteX4" fmla="*/ 0 w 10000"/>
-                    <a:gd name="connsiteY4" fmla="*/ 0 h 10178"/>
-                    <a:gd name="connsiteX0" fmla="*/ 0 w 10000"/>
-                    <a:gd name="connsiteY0" fmla="*/ 0 h 10178"/>
-                    <a:gd name="connsiteX1" fmla="*/ 10000 w 10000"/>
-                    <a:gd name="connsiteY1" fmla="*/ 0 h 10178"/>
-                    <a:gd name="connsiteX2" fmla="*/ 8691 w 10000"/>
-                    <a:gd name="connsiteY2" fmla="*/ 10178 h 10178"/>
-                    <a:gd name="connsiteX3" fmla="*/ 2000 w 10000"/>
-                    <a:gd name="connsiteY3" fmla="*/ 10000 h 10178"/>
-                    <a:gd name="connsiteX4" fmla="*/ 1088 w 10000"/>
-                    <a:gd name="connsiteY4" fmla="*/ 9879 h 10178"/>
-                    <a:gd name="connsiteX5" fmla="*/ 0 w 10000"/>
-                    <a:gd name="connsiteY5" fmla="*/ 0 h 10178"/>
-                  </a:gdLst>
-                  <a:ahLst/>
-                  <a:cxnLst>
-                    <a:cxn ang="0">
-                      <a:pos x="connsiteX0" y="connsiteY0"/>
-                    </a:cxn>
-                    <a:cxn ang="0">
-                      <a:pos x="connsiteX1" y="connsiteY1"/>
-                    </a:cxn>
-                    <a:cxn ang="0">
-                      <a:pos x="connsiteX2" y="connsiteY2"/>
-                    </a:cxn>
-                    <a:cxn ang="0">
-                      <a:pos x="connsiteX3" y="connsiteY3"/>
-                    </a:cxn>
-                    <a:cxn ang="0">
-                      <a:pos x="connsiteX4" y="connsiteY4"/>
-                    </a:cxn>
-                    <a:cxn ang="0">
-                      <a:pos x="connsiteX5" y="connsiteY5"/>
-                    </a:cxn>
-                  </a:cxnLst>
-                  <a:rect l="l" t="t" r="r" b="b"/>
-                  <a:pathLst>
-                    <a:path w="10000" h="10178">
-                      <a:moveTo>
-                        <a:pt x="0" y="0"/>
-                      </a:moveTo>
-                      <a:lnTo>
-                        <a:pt x="10000" y="0"/>
-                      </a:lnTo>
-                      <a:lnTo>
-                        <a:pt x="8691" y="10178"/>
-                      </a:lnTo>
-                      <a:lnTo>
-                        <a:pt x="2000" y="10000"/>
-                      </a:lnTo>
-                      <a:cubicBezTo>
-                        <a:pt x="1975" y="9960"/>
-                        <a:pt x="1113" y="9919"/>
-                        <a:pt x="1088" y="9879"/>
-                      </a:cubicBezTo>
-                      <a:lnTo>
-                        <a:pt x="0" y="0"/>
-                      </a:lnTo>
-                      <a:close/>
-                    </a:path>
-                  </a:pathLst>
-                </a:custGeom>
-                <a:noFill/>
-                <a:ln w="12700">
-                  <a:solidFill>
-                    <a:schemeClr val="tx1"/>
-                  </a:solidFill>
-                </a:ln>
-              </p:spPr>
-              <p:style>
-                <a:lnRef idx="2">
-                  <a:schemeClr val="accent1">
-                    <a:shade val="50000"/>
-                  </a:schemeClr>
-                </a:lnRef>
-                <a:fillRef idx="1">
-                  <a:schemeClr val="accent1"/>
-                </a:fillRef>
-                <a:effectRef idx="0">
-                  <a:schemeClr val="accent1"/>
-                </a:effectRef>
-                <a:fontRef idx="minor">
-                  <a:schemeClr val="lt1"/>
-                </a:fontRef>
-              </p:style>
-              <p:txBody>
-                <a:bodyPr rtlCol="0" anchor="ctr"/>
-                <a:lstStyle/>
-                <a:p>
-                  <a:pPr algn="ctr"/>
-                  <a:endParaRPr lang="zh-CN" altLang="en-US" sz="18600"/>
-                </a:p>
-              </p:txBody>
-            </p:sp>
-            <p:cxnSp>
-              <p:nvCxnSpPr>
-                <p:cNvPr id="1464" name="直接连接符 1463"/>
-                <p:cNvCxnSpPr/>
-                <p:nvPr/>
-              </p:nvCxnSpPr>
-              <p:spPr>
-                <a:xfrm>
-                  <a:off x="5371396" y="2900704"/>
-                  <a:ext cx="0" cy="144016"/>
-                </a:xfrm>
-                <a:prstGeom prst="line">
-                  <a:avLst/>
-                </a:prstGeom>
-              </p:spPr>
-              <p:style>
-                <a:lnRef idx="1">
-                  <a:schemeClr val="accent1"/>
-                </a:lnRef>
-                <a:fillRef idx="0">
-                  <a:schemeClr val="accent1"/>
-                </a:fillRef>
-                <a:effectRef idx="0">
-                  <a:schemeClr val="accent1"/>
-                </a:effectRef>
-                <a:fontRef idx="minor">
-                  <a:schemeClr val="tx1"/>
-                </a:fontRef>
-              </p:style>
-            </p:cxnSp>
-            <p:sp>
-              <p:nvSpPr>
-                <p:cNvPr id="1465" name="TextBox 1464"/>
-                <p:cNvSpPr txBox="1"/>
-                <p:nvPr/>
-              </p:nvSpPr>
-              <p:spPr>
-                <a:xfrm>
-                  <a:off x="4886678" y="3012549"/>
-                  <a:ext cx="743000" cy="400110"/>
-                </a:xfrm>
-                <a:prstGeom prst="rect">
-                  <a:avLst/>
-                </a:prstGeom>
-                <a:noFill/>
-              </p:spPr>
-              <p:txBody>
-                <a:bodyPr wrap="square" rtlCol="0">
-                  <a:spAutoFit/>
-                </a:bodyPr>
-                <a:lstStyle/>
-                <a:p>
-                  <a:pPr algn="ctr"/>
-                  <a:r>
-                    <a:rPr lang="en-US" altLang="zh-CN" sz="1000" dirty="0" smtClean="0"/>
-                    <a:t>EX_ALUSrc2</a:t>
-                  </a:r>
-                  <a:endParaRPr lang="zh-CN" altLang="en-US" sz="1000" dirty="0"/>
-                </a:p>
-              </p:txBody>
-            </p:sp>
-            <p:cxnSp>
-              <p:nvCxnSpPr>
-                <p:cNvPr id="1466" name="直接连接符 1465"/>
-                <p:cNvCxnSpPr/>
-                <p:nvPr/>
-              </p:nvCxnSpPr>
-              <p:spPr>
-                <a:xfrm flipH="1">
-                  <a:off x="5113341" y="2741514"/>
-                  <a:ext cx="144016" cy="0"/>
-                </a:xfrm>
-                <a:prstGeom prst="line">
-                  <a:avLst/>
-                </a:prstGeom>
-              </p:spPr>
-              <p:style>
-                <a:lnRef idx="1">
-                  <a:schemeClr val="accent1"/>
-                </a:lnRef>
-                <a:fillRef idx="0">
-                  <a:schemeClr val="accent1"/>
-                </a:fillRef>
-                <a:effectRef idx="0">
-                  <a:schemeClr val="accent1"/>
-                </a:effectRef>
-                <a:fontRef idx="minor">
-                  <a:schemeClr val="tx1"/>
-                </a:fontRef>
-              </p:style>
-            </p:cxnSp>
-            <p:sp>
-              <p:nvSpPr>
-                <p:cNvPr id="1467" name="TextBox 1466"/>
-                <p:cNvSpPr txBox="1"/>
-                <p:nvPr/>
-              </p:nvSpPr>
-              <p:spPr>
-                <a:xfrm>
-                  <a:off x="4495996" y="2629257"/>
-                  <a:ext cx="684081" cy="246221"/>
-                </a:xfrm>
-                <a:prstGeom prst="rect">
-                  <a:avLst/>
-                </a:prstGeom>
-                <a:noFill/>
-              </p:spPr>
-              <p:txBody>
-                <a:bodyPr wrap="square" rtlCol="0">
-                  <a:spAutoFit/>
-                </a:bodyPr>
-                <a:lstStyle/>
-                <a:p>
-                  <a:pPr algn="r"/>
-                  <a:r>
-                    <a:rPr lang="en-US" altLang="zh-CN" sz="1000" dirty="0" err="1" smtClean="0"/>
-                    <a:t>EX_dataB</a:t>
-                  </a:r>
-                  <a:endParaRPr lang="zh-CN" altLang="en-US" sz="1000" dirty="0"/>
-                </a:p>
-              </p:txBody>
-            </p:sp>
-            <p:cxnSp>
-              <p:nvCxnSpPr>
-                <p:cNvPr id="1468" name="直接连接符 1467"/>
-                <p:cNvCxnSpPr/>
-                <p:nvPr/>
-              </p:nvCxnSpPr>
-              <p:spPr>
-                <a:xfrm flipH="1" flipV="1">
-                  <a:off x="5448093" y="2599522"/>
-                  <a:ext cx="112732" cy="716"/>
-                </a:xfrm>
-                <a:prstGeom prst="line">
-                  <a:avLst/>
-                </a:prstGeom>
-              </p:spPr>
-              <p:style>
-                <a:lnRef idx="1">
-                  <a:schemeClr val="accent1"/>
-                </a:lnRef>
-                <a:fillRef idx="0">
-                  <a:schemeClr val="accent1"/>
-                </a:fillRef>
-                <a:effectRef idx="0">
-                  <a:schemeClr val="accent1"/>
-                </a:effectRef>
-                <a:fontRef idx="minor">
-                  <a:schemeClr val="tx1"/>
-                </a:fontRef>
-              </p:style>
-            </p:cxnSp>
-            <p:sp>
-              <p:nvSpPr>
-                <p:cNvPr id="1469" name="TextBox 1468"/>
-                <p:cNvSpPr txBox="1"/>
-                <p:nvPr/>
-              </p:nvSpPr>
-              <p:spPr>
-                <a:xfrm>
-                  <a:off x="5245106" y="2437112"/>
-                  <a:ext cx="187332" cy="246221"/>
-                </a:xfrm>
-                <a:prstGeom prst="rect">
-                  <a:avLst/>
-                </a:prstGeom>
-                <a:noFill/>
-              </p:spPr>
-              <p:txBody>
-                <a:bodyPr wrap="square" rtlCol="0">
-                  <a:spAutoFit/>
-                </a:bodyPr>
-                <a:lstStyle/>
-                <a:p>
-                  <a:pPr algn="ctr"/>
-                  <a:r>
-                    <a:rPr lang="en-US" altLang="zh-CN" sz="1000" dirty="0"/>
-                    <a:t>0</a:t>
-                  </a:r>
-                  <a:endParaRPr lang="zh-CN" altLang="en-US" sz="1000" dirty="0"/>
-                </a:p>
-              </p:txBody>
-            </p:sp>
-            <p:sp>
-              <p:nvSpPr>
-                <p:cNvPr id="1470" name="TextBox 1469"/>
-                <p:cNvSpPr txBox="1"/>
-                <p:nvPr/>
-              </p:nvSpPr>
-              <p:spPr>
-                <a:xfrm>
-                  <a:off x="5232530" y="2629257"/>
-                  <a:ext cx="187332" cy="246221"/>
-                </a:xfrm>
-                <a:prstGeom prst="rect">
-                  <a:avLst/>
-                </a:prstGeom>
-                <a:noFill/>
-              </p:spPr>
-              <p:txBody>
-                <a:bodyPr wrap="square" rtlCol="0">
-                  <a:spAutoFit/>
-                </a:bodyPr>
-                <a:lstStyle/>
-                <a:p>
-                  <a:pPr algn="ctr"/>
-                  <a:r>
-                    <a:rPr lang="en-US" altLang="zh-CN" sz="1000" dirty="0"/>
-                    <a:t>1</a:t>
-                  </a:r>
-                  <a:endParaRPr lang="zh-CN" altLang="en-US" sz="1000" dirty="0"/>
-                </a:p>
-              </p:txBody>
-            </p:sp>
-          </p:grpSp>
-          <p:sp>
-            <p:nvSpPr>
-              <p:cNvPr id="1426" name="流程图: 手动操作 2"/>
-              <p:cNvSpPr/>
-              <p:nvPr/>
-            </p:nvSpPr>
-            <p:spPr>
-              <a:xfrm rot="16200000">
-                <a:off x="4901492" y="2072189"/>
-                <a:ext cx="796079" cy="194601"/>
-              </a:xfrm>
-              <a:custGeom>
-                <a:avLst/>
-                <a:gdLst>
-                  <a:gd name="connsiteX0" fmla="*/ 0 w 10000"/>
-                  <a:gd name="connsiteY0" fmla="*/ 0 h 10000"/>
-                  <a:gd name="connsiteX1" fmla="*/ 10000 w 10000"/>
-                  <a:gd name="connsiteY1" fmla="*/ 0 h 10000"/>
-                  <a:gd name="connsiteX2" fmla="*/ 8000 w 10000"/>
-                  <a:gd name="connsiteY2" fmla="*/ 10000 h 10000"/>
-                  <a:gd name="connsiteX3" fmla="*/ 2000 w 10000"/>
-                  <a:gd name="connsiteY3" fmla="*/ 10000 h 10000"/>
-                  <a:gd name="connsiteX4" fmla="*/ 0 w 10000"/>
-                  <a:gd name="connsiteY4" fmla="*/ 0 h 10000"/>
-                  <a:gd name="connsiteX0" fmla="*/ 0 w 10000"/>
-                  <a:gd name="connsiteY0" fmla="*/ 0 h 10178"/>
-                  <a:gd name="connsiteX1" fmla="*/ 10000 w 10000"/>
-                  <a:gd name="connsiteY1" fmla="*/ 0 h 10178"/>
-                  <a:gd name="connsiteX2" fmla="*/ 8691 w 10000"/>
-                  <a:gd name="connsiteY2" fmla="*/ 10178 h 10178"/>
-                  <a:gd name="connsiteX3" fmla="*/ 2000 w 10000"/>
-                  <a:gd name="connsiteY3" fmla="*/ 10000 h 10178"/>
-                  <a:gd name="connsiteX4" fmla="*/ 0 w 10000"/>
-                  <a:gd name="connsiteY4" fmla="*/ 0 h 10178"/>
-                  <a:gd name="connsiteX0" fmla="*/ 0 w 10000"/>
-                  <a:gd name="connsiteY0" fmla="*/ 0 h 10178"/>
-                  <a:gd name="connsiteX1" fmla="*/ 10000 w 10000"/>
-                  <a:gd name="connsiteY1" fmla="*/ 0 h 10178"/>
-                  <a:gd name="connsiteX2" fmla="*/ 8691 w 10000"/>
-                  <a:gd name="connsiteY2" fmla="*/ 10178 h 10178"/>
-                  <a:gd name="connsiteX3" fmla="*/ 2000 w 10000"/>
-                  <a:gd name="connsiteY3" fmla="*/ 10000 h 10178"/>
-                  <a:gd name="connsiteX4" fmla="*/ 1088 w 10000"/>
-                  <a:gd name="connsiteY4" fmla="*/ 9879 h 10178"/>
-                  <a:gd name="connsiteX5" fmla="*/ 0 w 10000"/>
-                  <a:gd name="connsiteY5" fmla="*/ 0 h 10178"/>
-                </a:gdLst>
-                <a:ahLst/>
-                <a:cxnLst>
-                  <a:cxn ang="0">
-                    <a:pos x="connsiteX0" y="connsiteY0"/>
-                  </a:cxn>
-                  <a:cxn ang="0">
-                    <a:pos x="connsiteX1" y="connsiteY1"/>
-                  </a:cxn>
-                  <a:cxn ang="0">
-                    <a:pos x="connsiteX2" y="connsiteY2"/>
-                  </a:cxn>
-                  <a:cxn ang="0">
-                    <a:pos x="connsiteX3" y="connsiteY3"/>
-                  </a:cxn>
-                  <a:cxn ang="0">
-                    <a:pos x="connsiteX4" y="connsiteY4"/>
-                  </a:cxn>
-                  <a:cxn ang="0">
-                    <a:pos x="connsiteX5" y="connsiteY5"/>
-                  </a:cxn>
-                </a:cxnLst>
-                <a:rect l="l" t="t" r="r" b="b"/>
-                <a:pathLst>
-                  <a:path w="10000" h="10178">
-                    <a:moveTo>
-                      <a:pt x="0" y="0"/>
-                    </a:moveTo>
-                    <a:lnTo>
-                      <a:pt x="10000" y="0"/>
-                    </a:lnTo>
-                    <a:lnTo>
-                      <a:pt x="8691" y="10178"/>
-                    </a:lnTo>
-                    <a:lnTo>
-                      <a:pt x="2000" y="10000"/>
-                    </a:lnTo>
-                    <a:cubicBezTo>
-                      <a:pt x="1975" y="9960"/>
-                      <a:pt x="1113" y="9919"/>
-                      <a:pt x="1088" y="9879"/>
-                    </a:cubicBezTo>
-                    <a:lnTo>
-                      <a:pt x="0" y="0"/>
-                    </a:lnTo>
-                    <a:close/>
-                  </a:path>
-                </a:pathLst>
-              </a:custGeom>
-              <a:noFill/>
-              <a:ln w="12700">
-                <a:solidFill>
-                  <a:schemeClr val="tx1"/>
-                </a:solidFill>
-              </a:ln>
-            </p:spPr>
-            <p:style>
-              <a:lnRef idx="2">
-                <a:schemeClr val="accent1">
-                  <a:shade val="50000"/>
-                </a:schemeClr>
-              </a:lnRef>
-              <a:fillRef idx="1">
-                <a:schemeClr val="accent1"/>
-              </a:fillRef>
-              <a:effectRef idx="0">
-                <a:schemeClr val="accent1"/>
-              </a:effectRef>
-              <a:fontRef idx="minor">
-                <a:schemeClr val="lt1"/>
-              </a:fontRef>
-            </p:style>
-            <p:txBody>
-              <a:bodyPr rtlCol="0" anchor="ctr"/>
-              <a:lstStyle/>
-              <a:p>
-                <a:pPr algn="ctr"/>
-                <a:endParaRPr lang="zh-CN" altLang="en-US" sz="18600"/>
-              </a:p>
-            </p:txBody>
-          </p:sp>
-          <p:cxnSp>
-            <p:nvCxnSpPr>
-              <p:cNvPr id="1427" name="直接连接符 1426"/>
-              <p:cNvCxnSpPr/>
-              <p:nvPr/>
-            </p:nvCxnSpPr>
-            <p:spPr>
-              <a:xfrm>
-                <a:off x="5304975" y="1686097"/>
-                <a:ext cx="0" cy="144016"/>
-              </a:xfrm>
-              <a:prstGeom prst="line">
-                <a:avLst/>
-              </a:prstGeom>
-            </p:spPr>
-            <p:style>
-              <a:lnRef idx="1">
-                <a:schemeClr val="accent1"/>
-              </a:lnRef>
-              <a:fillRef idx="0">
-                <a:schemeClr val="accent1"/>
-              </a:fillRef>
-              <a:effectRef idx="0">
-                <a:schemeClr val="accent1"/>
-              </a:effectRef>
-              <a:fontRef idx="minor">
-                <a:schemeClr val="tx1"/>
-              </a:fontRef>
-            </p:style>
-          </p:cxnSp>
-          <p:sp>
-            <p:nvSpPr>
-              <p:cNvPr id="1428" name="TextBox 1427"/>
-              <p:cNvSpPr txBox="1"/>
-              <p:nvPr/>
-            </p:nvSpPr>
-            <p:spPr>
-              <a:xfrm>
-                <a:off x="4938623" y="1451915"/>
-                <a:ext cx="743000" cy="246221"/>
-              </a:xfrm>
-              <a:prstGeom prst="rect">
-                <a:avLst/>
-              </a:prstGeom>
-              <a:noFill/>
-            </p:spPr>
-            <p:txBody>
-              <a:bodyPr wrap="square" rtlCol="0">
-                <a:spAutoFit/>
-              </a:bodyPr>
-              <a:lstStyle/>
-              <a:p>
-                <a:pPr algn="ctr"/>
-                <a:r>
-                  <a:rPr lang="en-US" altLang="zh-CN" sz="1000" dirty="0" err="1" smtClean="0"/>
-                  <a:t>ForwardA</a:t>
-                </a:r>
-                <a:endParaRPr lang="zh-CN" altLang="en-US" sz="1000" dirty="0"/>
-              </a:p>
-            </p:txBody>
-          </p:sp>
-          <p:sp>
-            <p:nvSpPr>
-              <p:cNvPr id="1429" name="TextBox 1428"/>
-              <p:cNvSpPr txBox="1"/>
-              <p:nvPr/>
-            </p:nvSpPr>
-            <p:spPr>
-              <a:xfrm>
-                <a:off x="4447985" y="2231843"/>
-                <a:ext cx="187332" cy="246221"/>
-              </a:xfrm>
-              <a:prstGeom prst="rect">
-                <a:avLst/>
-              </a:prstGeom>
-              <a:noFill/>
-            </p:spPr>
-            <p:txBody>
-              <a:bodyPr wrap="square" rtlCol="0">
-                <a:spAutoFit/>
-              </a:bodyPr>
-              <a:lstStyle/>
-              <a:p>
-                <a:pPr algn="ctr"/>
-                <a:r>
-                  <a:rPr lang="en-US" altLang="zh-CN" sz="1000" dirty="0"/>
-                  <a:t>0</a:t>
-                </a:r>
-                <a:endParaRPr lang="zh-CN" altLang="en-US" sz="1000" dirty="0"/>
-              </a:p>
-            </p:txBody>
-          </p:sp>
-          <p:sp>
-            <p:nvSpPr>
-              <p:cNvPr id="1430" name="TextBox 1429"/>
-              <p:cNvSpPr txBox="1"/>
-              <p:nvPr/>
-            </p:nvSpPr>
-            <p:spPr>
-              <a:xfrm>
-                <a:off x="5209500" y="2292010"/>
-                <a:ext cx="187332" cy="246221"/>
-              </a:xfrm>
-              <a:prstGeom prst="rect">
-                <a:avLst/>
-              </a:prstGeom>
-              <a:noFill/>
-            </p:spPr>
-            <p:txBody>
-              <a:bodyPr wrap="square" rtlCol="0">
-                <a:spAutoFit/>
-              </a:bodyPr>
-              <a:lstStyle/>
-              <a:p>
-                <a:pPr algn="ctr"/>
-                <a:r>
-                  <a:rPr lang="en-US" altLang="zh-CN" sz="1000" dirty="0"/>
-                  <a:t>0</a:t>
-                </a:r>
-                <a:endParaRPr lang="zh-CN" altLang="en-US" sz="1000" dirty="0"/>
-              </a:p>
-            </p:txBody>
-          </p:sp>
-          <p:sp>
-            <p:nvSpPr>
-              <p:cNvPr id="1431" name="TextBox 1430"/>
-              <p:cNvSpPr txBox="1"/>
-              <p:nvPr/>
-            </p:nvSpPr>
-            <p:spPr>
-              <a:xfrm>
-                <a:off x="5196959" y="2067421"/>
-                <a:ext cx="187332" cy="246221"/>
-              </a:xfrm>
-              <a:prstGeom prst="rect">
-                <a:avLst/>
-              </a:prstGeom>
-              <a:noFill/>
-            </p:spPr>
-            <p:txBody>
-              <a:bodyPr wrap="square" rtlCol="0">
-                <a:spAutoFit/>
-              </a:bodyPr>
-              <a:lstStyle/>
-              <a:p>
-                <a:pPr algn="ctr"/>
-                <a:r>
-                  <a:rPr lang="en-US" altLang="zh-CN" sz="1000" dirty="0"/>
-                  <a:t>1</a:t>
-                </a:r>
-                <a:endParaRPr lang="zh-CN" altLang="en-US" sz="1000" dirty="0"/>
-              </a:p>
-            </p:txBody>
-          </p:sp>
-          <p:sp>
-            <p:nvSpPr>
-              <p:cNvPr id="1432" name="TextBox 1431"/>
-              <p:cNvSpPr txBox="1"/>
-              <p:nvPr/>
-            </p:nvSpPr>
-            <p:spPr>
-              <a:xfrm>
-                <a:off x="5196297" y="1865951"/>
-                <a:ext cx="187332" cy="246221"/>
-              </a:xfrm>
-              <a:prstGeom prst="rect">
-                <a:avLst/>
-              </a:prstGeom>
-              <a:noFill/>
-            </p:spPr>
-            <p:txBody>
-              <a:bodyPr wrap="square" rtlCol="0">
-                <a:spAutoFit/>
-              </a:bodyPr>
-              <a:lstStyle/>
-              <a:p>
-                <a:pPr algn="ctr"/>
-                <a:r>
-                  <a:rPr lang="en-US" altLang="zh-CN" sz="1000" dirty="0" smtClean="0"/>
-                  <a:t>2</a:t>
-                </a:r>
-                <a:endParaRPr lang="zh-CN" altLang="en-US" sz="1000" dirty="0"/>
-              </a:p>
-            </p:txBody>
-          </p:sp>
-          <p:cxnSp>
-            <p:nvCxnSpPr>
-              <p:cNvPr id="1433" name="直接连接符 1432"/>
-              <p:cNvCxnSpPr/>
-              <p:nvPr/>
-            </p:nvCxnSpPr>
-            <p:spPr>
-              <a:xfrm flipH="1">
-                <a:off x="5058215" y="2178700"/>
-                <a:ext cx="144016" cy="0"/>
-              </a:xfrm>
-              <a:prstGeom prst="line">
-                <a:avLst/>
-              </a:prstGeom>
-            </p:spPr>
-            <p:style>
-              <a:lnRef idx="1">
-                <a:schemeClr val="accent1"/>
-              </a:lnRef>
-              <a:fillRef idx="0">
-                <a:schemeClr val="accent1"/>
-              </a:fillRef>
-              <a:effectRef idx="0">
-                <a:schemeClr val="accent1"/>
-              </a:effectRef>
-              <a:fontRef idx="minor">
-                <a:schemeClr val="tx1"/>
-              </a:fontRef>
-            </p:style>
-          </p:cxnSp>
-          <p:sp>
-            <p:nvSpPr>
-              <p:cNvPr id="1434" name="TextBox 1433"/>
-              <p:cNvSpPr txBox="1"/>
-              <p:nvPr/>
-            </p:nvSpPr>
-            <p:spPr>
-              <a:xfrm>
-                <a:off x="4541651" y="2057489"/>
-                <a:ext cx="743000" cy="246221"/>
-              </a:xfrm>
-              <a:prstGeom prst="rect">
-                <a:avLst/>
-              </a:prstGeom>
-              <a:noFill/>
-            </p:spPr>
-            <p:txBody>
-              <a:bodyPr wrap="square" rtlCol="0">
-                <a:spAutoFit/>
-              </a:bodyPr>
-              <a:lstStyle/>
-              <a:p>
-                <a:pPr algn="ctr"/>
-                <a:r>
-                  <a:rPr lang="en-US" altLang="zh-CN" sz="1000" dirty="0" err="1" smtClean="0"/>
-                  <a:t>WB_out</a:t>
-                </a:r>
-                <a:endParaRPr lang="zh-CN" altLang="en-US" sz="1000" dirty="0"/>
-              </a:p>
-            </p:txBody>
-          </p:sp>
-          <p:sp>
-            <p:nvSpPr>
-              <p:cNvPr id="1435" name="TextBox 1434"/>
-              <p:cNvSpPr txBox="1"/>
-              <p:nvPr/>
-            </p:nvSpPr>
-            <p:spPr>
-              <a:xfrm>
-                <a:off x="4528208" y="1858174"/>
-                <a:ext cx="743000" cy="246221"/>
-              </a:xfrm>
-              <a:prstGeom prst="rect">
-                <a:avLst/>
-              </a:prstGeom>
-              <a:noFill/>
-            </p:spPr>
-            <p:txBody>
-              <a:bodyPr wrap="square" rtlCol="0">
-                <a:spAutoFit/>
-              </a:bodyPr>
-              <a:lstStyle/>
-              <a:p>
-                <a:pPr algn="ctr"/>
-                <a:r>
-                  <a:rPr lang="en-US" altLang="zh-CN" sz="1000" dirty="0" err="1" smtClean="0"/>
-                  <a:t>Mem_in</a:t>
-                </a:r>
-                <a:endParaRPr lang="zh-CN" altLang="en-US" sz="1000" dirty="0"/>
-              </a:p>
-            </p:txBody>
-          </p:sp>
-          <p:cxnSp>
-            <p:nvCxnSpPr>
-              <p:cNvPr id="1436" name="直接连接符 1435"/>
-              <p:cNvCxnSpPr/>
-              <p:nvPr/>
-            </p:nvCxnSpPr>
-            <p:spPr>
-              <a:xfrm flipH="1">
-                <a:off x="5067947" y="1965896"/>
-                <a:ext cx="144016" cy="0"/>
-              </a:xfrm>
-              <a:prstGeom prst="line">
-                <a:avLst/>
-              </a:prstGeom>
-            </p:spPr>
-            <p:style>
-              <a:lnRef idx="1">
-                <a:schemeClr val="accent1"/>
-              </a:lnRef>
-              <a:fillRef idx="0">
-                <a:schemeClr val="accent1"/>
-              </a:fillRef>
-              <a:effectRef idx="0">
-                <a:schemeClr val="accent1"/>
-              </a:effectRef>
-              <a:fontRef idx="minor">
-                <a:schemeClr val="tx1"/>
-              </a:fontRef>
-            </p:style>
-          </p:cxnSp>
-          <p:cxnSp>
-            <p:nvCxnSpPr>
-              <p:cNvPr id="1437" name="直接连接符 1436"/>
-              <p:cNvCxnSpPr/>
-              <p:nvPr/>
-            </p:nvCxnSpPr>
-            <p:spPr>
-              <a:xfrm flipH="1">
-                <a:off x="5404363" y="2173362"/>
-                <a:ext cx="144016" cy="0"/>
-              </a:xfrm>
-              <a:prstGeom prst="line">
-                <a:avLst/>
-              </a:prstGeom>
-            </p:spPr>
-            <p:style>
-              <a:lnRef idx="1">
-                <a:schemeClr val="accent1"/>
-              </a:lnRef>
-              <a:fillRef idx="0">
-                <a:schemeClr val="accent1"/>
-              </a:fillRef>
-              <a:effectRef idx="0">
-                <a:schemeClr val="accent1"/>
-              </a:effectRef>
-              <a:fontRef idx="minor">
-                <a:schemeClr val="tx1"/>
-              </a:fontRef>
-            </p:style>
-          </p:cxnSp>
-          <p:sp>
-            <p:nvSpPr>
-              <p:cNvPr id="1438" name="流程图: 手动操作 2"/>
-              <p:cNvSpPr/>
-              <p:nvPr/>
-            </p:nvSpPr>
-            <p:spPr>
-              <a:xfrm rot="16200000">
-                <a:off x="4151212" y="3197974"/>
-                <a:ext cx="796079" cy="194601"/>
-              </a:xfrm>
-              <a:custGeom>
-                <a:avLst/>
-                <a:gdLst>
-                  <a:gd name="connsiteX0" fmla="*/ 0 w 10000"/>
-                  <a:gd name="connsiteY0" fmla="*/ 0 h 10000"/>
-                  <a:gd name="connsiteX1" fmla="*/ 10000 w 10000"/>
-                  <a:gd name="connsiteY1" fmla="*/ 0 h 10000"/>
-                  <a:gd name="connsiteX2" fmla="*/ 8000 w 10000"/>
-                  <a:gd name="connsiteY2" fmla="*/ 10000 h 10000"/>
-                  <a:gd name="connsiteX3" fmla="*/ 2000 w 10000"/>
-                  <a:gd name="connsiteY3" fmla="*/ 10000 h 10000"/>
-                  <a:gd name="connsiteX4" fmla="*/ 0 w 10000"/>
-                  <a:gd name="connsiteY4" fmla="*/ 0 h 10000"/>
-                  <a:gd name="connsiteX0" fmla="*/ 0 w 10000"/>
-                  <a:gd name="connsiteY0" fmla="*/ 0 h 10178"/>
-                  <a:gd name="connsiteX1" fmla="*/ 10000 w 10000"/>
-                  <a:gd name="connsiteY1" fmla="*/ 0 h 10178"/>
-                  <a:gd name="connsiteX2" fmla="*/ 8691 w 10000"/>
-                  <a:gd name="connsiteY2" fmla="*/ 10178 h 10178"/>
-                  <a:gd name="connsiteX3" fmla="*/ 2000 w 10000"/>
-                  <a:gd name="connsiteY3" fmla="*/ 10000 h 10178"/>
-                  <a:gd name="connsiteX4" fmla="*/ 0 w 10000"/>
-                  <a:gd name="connsiteY4" fmla="*/ 0 h 10178"/>
-                  <a:gd name="connsiteX0" fmla="*/ 0 w 10000"/>
-                  <a:gd name="connsiteY0" fmla="*/ 0 h 10178"/>
-                  <a:gd name="connsiteX1" fmla="*/ 10000 w 10000"/>
-                  <a:gd name="connsiteY1" fmla="*/ 0 h 10178"/>
-                  <a:gd name="connsiteX2" fmla="*/ 8691 w 10000"/>
-                  <a:gd name="connsiteY2" fmla="*/ 10178 h 10178"/>
-                  <a:gd name="connsiteX3" fmla="*/ 2000 w 10000"/>
-                  <a:gd name="connsiteY3" fmla="*/ 10000 h 10178"/>
-                  <a:gd name="connsiteX4" fmla="*/ 1088 w 10000"/>
-                  <a:gd name="connsiteY4" fmla="*/ 9879 h 10178"/>
-                  <a:gd name="connsiteX5" fmla="*/ 0 w 10000"/>
-                  <a:gd name="connsiteY5" fmla="*/ 0 h 10178"/>
-                </a:gdLst>
-                <a:ahLst/>
-                <a:cxnLst>
-                  <a:cxn ang="0">
-                    <a:pos x="connsiteX0" y="connsiteY0"/>
-                  </a:cxn>
-                  <a:cxn ang="0">
-                    <a:pos x="connsiteX1" y="connsiteY1"/>
-                  </a:cxn>
-                  <a:cxn ang="0">
-                    <a:pos x="connsiteX2" y="connsiteY2"/>
-                  </a:cxn>
-                  <a:cxn ang="0">
-                    <a:pos x="connsiteX3" y="connsiteY3"/>
-                  </a:cxn>
-                  <a:cxn ang="0">
-                    <a:pos x="connsiteX4" y="connsiteY4"/>
-                  </a:cxn>
-                  <a:cxn ang="0">
-                    <a:pos x="connsiteX5" y="connsiteY5"/>
-                  </a:cxn>
-                </a:cxnLst>
-                <a:rect l="l" t="t" r="r" b="b"/>
-                <a:pathLst>
-                  <a:path w="10000" h="10178">
-                    <a:moveTo>
-                      <a:pt x="0" y="0"/>
-                    </a:moveTo>
-                    <a:lnTo>
-                      <a:pt x="10000" y="0"/>
-                    </a:lnTo>
-                    <a:lnTo>
-                      <a:pt x="8691" y="10178"/>
-                    </a:lnTo>
-                    <a:lnTo>
-                      <a:pt x="2000" y="10000"/>
-                    </a:lnTo>
-                    <a:cubicBezTo>
-                      <a:pt x="1975" y="9960"/>
-                      <a:pt x="1113" y="9919"/>
-                      <a:pt x="1088" y="9879"/>
-                    </a:cubicBezTo>
-                    <a:lnTo>
-                      <a:pt x="0" y="0"/>
-                    </a:lnTo>
-                    <a:close/>
-                  </a:path>
-                </a:pathLst>
-              </a:custGeom>
-              <a:noFill/>
-              <a:ln w="12700">
-                <a:solidFill>
-                  <a:schemeClr val="tx1"/>
-                </a:solidFill>
-              </a:ln>
-            </p:spPr>
-            <p:style>
-              <a:lnRef idx="2">
-                <a:schemeClr val="accent1">
-                  <a:shade val="50000"/>
-                </a:schemeClr>
-              </a:lnRef>
-              <a:fillRef idx="1">
-                <a:schemeClr val="accent1"/>
-              </a:fillRef>
-              <a:effectRef idx="0">
-                <a:schemeClr val="accent1"/>
-              </a:effectRef>
-              <a:fontRef idx="minor">
-                <a:schemeClr val="lt1"/>
-              </a:fontRef>
-            </p:style>
-            <p:txBody>
-              <a:bodyPr rtlCol="0" anchor="ctr"/>
-              <a:lstStyle/>
-              <a:p>
-                <a:pPr algn="ctr"/>
-                <a:endParaRPr lang="zh-CN" altLang="en-US" sz="18600"/>
-              </a:p>
-            </p:txBody>
-          </p:sp>
-          <p:cxnSp>
-            <p:nvCxnSpPr>
-              <p:cNvPr id="1439" name="直接连接符 1438"/>
-              <p:cNvCxnSpPr/>
-              <p:nvPr/>
-            </p:nvCxnSpPr>
-            <p:spPr>
-              <a:xfrm>
-                <a:off x="4560540" y="3650136"/>
-                <a:ext cx="0" cy="144016"/>
-              </a:xfrm>
-              <a:prstGeom prst="line">
-                <a:avLst/>
-              </a:prstGeom>
-            </p:spPr>
-            <p:style>
-              <a:lnRef idx="1">
-                <a:schemeClr val="accent1"/>
-              </a:lnRef>
-              <a:fillRef idx="0">
-                <a:schemeClr val="accent1"/>
-              </a:fillRef>
-              <a:effectRef idx="0">
-                <a:schemeClr val="accent1"/>
-              </a:effectRef>
-              <a:fontRef idx="minor">
-                <a:schemeClr val="tx1"/>
-              </a:fontRef>
-            </p:style>
-          </p:cxnSp>
-          <p:sp>
-            <p:nvSpPr>
-              <p:cNvPr id="1440" name="TextBox 1439"/>
-              <p:cNvSpPr txBox="1"/>
-              <p:nvPr/>
-            </p:nvSpPr>
-            <p:spPr>
-              <a:xfrm>
-                <a:off x="4189040" y="3804737"/>
-                <a:ext cx="743000" cy="246221"/>
-              </a:xfrm>
-              <a:prstGeom prst="rect">
-                <a:avLst/>
-              </a:prstGeom>
-              <a:noFill/>
-            </p:spPr>
-            <p:txBody>
-              <a:bodyPr wrap="square" rtlCol="0">
-                <a:spAutoFit/>
-              </a:bodyPr>
-              <a:lstStyle/>
-              <a:p>
-                <a:pPr algn="ctr"/>
-                <a:r>
-                  <a:rPr lang="en-US" altLang="zh-CN" sz="1000" dirty="0" err="1" smtClean="0"/>
-                  <a:t>ForwardB</a:t>
-                </a:r>
-                <a:endParaRPr lang="zh-CN" altLang="en-US" sz="1000" dirty="0"/>
-              </a:p>
-            </p:txBody>
-          </p:sp>
-          <p:sp>
-            <p:nvSpPr>
-              <p:cNvPr id="1441" name="TextBox 1440"/>
-              <p:cNvSpPr txBox="1"/>
-              <p:nvPr/>
-            </p:nvSpPr>
-            <p:spPr>
-              <a:xfrm>
-                <a:off x="4434165" y="3417210"/>
-                <a:ext cx="187332" cy="246221"/>
-              </a:xfrm>
-              <a:prstGeom prst="rect">
-                <a:avLst/>
-              </a:prstGeom>
-              <a:noFill/>
-            </p:spPr>
-            <p:txBody>
-              <a:bodyPr wrap="square" rtlCol="0">
-                <a:spAutoFit/>
-              </a:bodyPr>
-              <a:lstStyle/>
-              <a:p>
-                <a:pPr algn="ctr"/>
-                <a:r>
-                  <a:rPr lang="en-US" altLang="zh-CN" sz="1000" dirty="0" smtClean="0"/>
-                  <a:t>2</a:t>
-                </a:r>
-                <a:endParaRPr lang="zh-CN" altLang="en-US" sz="1000" dirty="0"/>
-              </a:p>
-            </p:txBody>
-          </p:sp>
-          <p:sp>
-            <p:nvSpPr>
-              <p:cNvPr id="1442" name="TextBox 1441"/>
-              <p:cNvSpPr txBox="1"/>
-              <p:nvPr/>
-            </p:nvSpPr>
-            <p:spPr>
-              <a:xfrm>
-                <a:off x="4433503" y="3198517"/>
-                <a:ext cx="187332" cy="246221"/>
-              </a:xfrm>
-              <a:prstGeom prst="rect">
-                <a:avLst/>
-              </a:prstGeom>
-              <a:noFill/>
-            </p:spPr>
-            <p:txBody>
-              <a:bodyPr wrap="square" rtlCol="0">
-                <a:spAutoFit/>
-              </a:bodyPr>
-              <a:lstStyle/>
-              <a:p>
-                <a:pPr algn="ctr"/>
-                <a:r>
-                  <a:rPr lang="en-US" altLang="zh-CN" sz="1000" dirty="0" smtClean="0"/>
-                  <a:t>1</a:t>
-                </a:r>
-                <a:endParaRPr lang="zh-CN" altLang="en-US" sz="1000" dirty="0"/>
-              </a:p>
-            </p:txBody>
-          </p:sp>
-          <p:sp>
-            <p:nvSpPr>
-              <p:cNvPr id="1443" name="TextBox 1442"/>
-              <p:cNvSpPr txBox="1"/>
-              <p:nvPr/>
-            </p:nvSpPr>
-            <p:spPr>
-              <a:xfrm>
-                <a:off x="3768717" y="3190740"/>
-                <a:ext cx="743000" cy="246221"/>
-              </a:xfrm>
-              <a:prstGeom prst="rect">
-                <a:avLst/>
-              </a:prstGeom>
-              <a:noFill/>
-            </p:spPr>
-            <p:txBody>
-              <a:bodyPr wrap="square" rtlCol="0">
-                <a:spAutoFit/>
-              </a:bodyPr>
-              <a:lstStyle/>
-              <a:p>
-                <a:pPr algn="ctr"/>
-                <a:r>
-                  <a:rPr lang="en-US" altLang="zh-CN" sz="1000" dirty="0" err="1" smtClean="0"/>
-                  <a:t>WB_out</a:t>
-                </a:r>
-                <a:endParaRPr lang="zh-CN" altLang="en-US" sz="1000" dirty="0"/>
-              </a:p>
-            </p:txBody>
-          </p:sp>
-          <p:sp>
-            <p:nvSpPr>
-              <p:cNvPr id="1444" name="TextBox 1443"/>
-              <p:cNvSpPr txBox="1"/>
-              <p:nvPr/>
-            </p:nvSpPr>
-            <p:spPr>
-              <a:xfrm>
-                <a:off x="3756992" y="3410965"/>
-                <a:ext cx="743000" cy="246221"/>
-              </a:xfrm>
-              <a:prstGeom prst="rect">
-                <a:avLst/>
-              </a:prstGeom>
-              <a:noFill/>
-            </p:spPr>
-            <p:txBody>
-              <a:bodyPr wrap="square" rtlCol="0">
-                <a:spAutoFit/>
-              </a:bodyPr>
-              <a:lstStyle/>
-              <a:p>
-                <a:pPr algn="ctr"/>
-                <a:r>
-                  <a:rPr lang="en-US" altLang="zh-CN" sz="1000" dirty="0" err="1" smtClean="0"/>
-                  <a:t>Mem_in</a:t>
-                </a:r>
-                <a:endParaRPr lang="zh-CN" altLang="en-US" sz="1000" dirty="0"/>
-              </a:p>
-            </p:txBody>
-          </p:sp>
-          <p:cxnSp>
-            <p:nvCxnSpPr>
-              <p:cNvPr id="1445" name="直接连接符 1444"/>
-              <p:cNvCxnSpPr/>
-              <p:nvPr/>
-            </p:nvCxnSpPr>
-            <p:spPr>
-              <a:xfrm flipH="1">
-                <a:off x="4305153" y="3298462"/>
-                <a:ext cx="144016" cy="0"/>
-              </a:xfrm>
-              <a:prstGeom prst="line">
-                <a:avLst/>
-              </a:prstGeom>
-            </p:spPr>
-            <p:style>
-              <a:lnRef idx="1">
-                <a:schemeClr val="accent1"/>
-              </a:lnRef>
-              <a:fillRef idx="0">
-                <a:schemeClr val="accent1"/>
-              </a:fillRef>
-              <a:effectRef idx="0">
-                <a:schemeClr val="accent1"/>
-              </a:effectRef>
-              <a:fontRef idx="minor">
-                <a:schemeClr val="tx1"/>
-              </a:fontRef>
-            </p:style>
-          </p:cxnSp>
-          <p:cxnSp>
-            <p:nvCxnSpPr>
-              <p:cNvPr id="1446" name="直接连接符 1445"/>
-              <p:cNvCxnSpPr/>
-              <p:nvPr/>
-            </p:nvCxnSpPr>
-            <p:spPr>
-              <a:xfrm flipH="1">
-                <a:off x="4305153" y="3518525"/>
-                <a:ext cx="144016" cy="0"/>
-              </a:xfrm>
-              <a:prstGeom prst="line">
-                <a:avLst/>
-              </a:prstGeom>
-            </p:spPr>
-            <p:style>
-              <a:lnRef idx="1">
-                <a:schemeClr val="accent1"/>
-              </a:lnRef>
-              <a:fillRef idx="0">
-                <a:schemeClr val="accent1"/>
-              </a:fillRef>
-              <a:effectRef idx="0">
-                <a:schemeClr val="accent1"/>
-              </a:effectRef>
-              <a:fontRef idx="minor">
-                <a:schemeClr val="tx1"/>
-              </a:fontRef>
-            </p:style>
-          </p:cxnSp>
-          <p:cxnSp>
-            <p:nvCxnSpPr>
-              <p:cNvPr id="1447" name="直接连接符 1446"/>
-              <p:cNvCxnSpPr/>
-              <p:nvPr/>
-            </p:nvCxnSpPr>
-            <p:spPr>
-              <a:xfrm flipH="1" flipV="1">
-                <a:off x="4651124" y="3306239"/>
-                <a:ext cx="591657" cy="1517"/>
-              </a:xfrm>
-              <a:prstGeom prst="line">
-                <a:avLst/>
-              </a:prstGeom>
-            </p:spPr>
-            <p:style>
-              <a:lnRef idx="1">
-                <a:schemeClr val="accent1"/>
-              </a:lnRef>
-              <a:fillRef idx="0">
-                <a:schemeClr val="accent1"/>
-              </a:fillRef>
-              <a:effectRef idx="0">
-                <a:schemeClr val="accent1"/>
-              </a:effectRef>
-              <a:fontRef idx="minor">
-                <a:schemeClr val="tx1"/>
-              </a:fontRef>
-            </p:style>
-          </p:cxnSp>
-          <p:sp>
-            <p:nvSpPr>
-              <p:cNvPr id="1448" name="TextBox 1447"/>
-              <p:cNvSpPr txBox="1"/>
-              <p:nvPr/>
-            </p:nvSpPr>
-            <p:spPr>
-              <a:xfrm>
-                <a:off x="4443360" y="2966047"/>
-                <a:ext cx="187332" cy="246221"/>
-              </a:xfrm>
-              <a:prstGeom prst="rect">
-                <a:avLst/>
-              </a:prstGeom>
-              <a:noFill/>
-            </p:spPr>
-            <p:txBody>
-              <a:bodyPr wrap="square" rtlCol="0">
-                <a:spAutoFit/>
-              </a:bodyPr>
-              <a:lstStyle/>
-              <a:p>
-                <a:pPr algn="ctr"/>
-                <a:r>
-                  <a:rPr lang="en-US" altLang="zh-CN" sz="1000" dirty="0" smtClean="0"/>
-                  <a:t>0</a:t>
-                </a:r>
-                <a:endParaRPr lang="zh-CN" altLang="en-US" sz="1000" dirty="0"/>
-              </a:p>
-            </p:txBody>
-          </p:sp>
-          <p:grpSp>
-            <p:nvGrpSpPr>
-              <p:cNvPr id="1449" name="组合 1448"/>
-              <p:cNvGrpSpPr/>
-              <p:nvPr/>
-            </p:nvGrpSpPr>
-            <p:grpSpPr>
-              <a:xfrm>
-                <a:off x="2985066" y="2793353"/>
-                <a:ext cx="1471817" cy="1106110"/>
-                <a:chOff x="2475989" y="2705848"/>
-                <a:chExt cx="1471817" cy="1106110"/>
-              </a:xfrm>
-            </p:grpSpPr>
-            <p:cxnSp>
-              <p:nvCxnSpPr>
-                <p:cNvPr id="1453" name="直接连接符 1452"/>
-                <p:cNvCxnSpPr/>
-                <p:nvPr/>
-              </p:nvCxnSpPr>
-              <p:spPr>
-                <a:xfrm flipH="1" flipV="1">
-                  <a:off x="2583084" y="2912800"/>
-                  <a:ext cx="654884" cy="3399"/>
-                </a:xfrm>
-                <a:prstGeom prst="line">
-                  <a:avLst/>
-                </a:prstGeom>
-              </p:spPr>
-              <p:style>
-                <a:lnRef idx="1">
-                  <a:schemeClr val="accent1"/>
-                </a:lnRef>
-                <a:fillRef idx="0">
-                  <a:schemeClr val="accent1"/>
-                </a:fillRef>
-                <a:effectRef idx="0">
-                  <a:schemeClr val="accent1"/>
-                </a:effectRef>
-                <a:fontRef idx="minor">
-                  <a:schemeClr val="tx1"/>
-                </a:fontRef>
-              </p:style>
-            </p:cxnSp>
-            <p:grpSp>
-              <p:nvGrpSpPr>
-                <p:cNvPr id="1454" name="组合 1453"/>
-                <p:cNvGrpSpPr/>
-                <p:nvPr/>
-              </p:nvGrpSpPr>
-              <p:grpSpPr>
-                <a:xfrm>
-                  <a:off x="2475989" y="2705848"/>
-                  <a:ext cx="1471817" cy="1106110"/>
-                  <a:chOff x="4495996" y="2336123"/>
-                  <a:chExt cx="1471817" cy="1106110"/>
-                </a:xfrm>
-              </p:grpSpPr>
-              <p:sp>
-                <p:nvSpPr>
-                  <p:cNvPr id="1455" name="流程图: 手动操作 2"/>
-                  <p:cNvSpPr/>
-                  <p:nvPr/>
-                </p:nvSpPr>
-                <p:spPr>
-                  <a:xfrm rot="16200000">
-                    <a:off x="5056828" y="2536656"/>
-                    <a:ext cx="595667" cy="194601"/>
-                  </a:xfrm>
-                  <a:custGeom>
-                    <a:avLst/>
-                    <a:gdLst>
-                      <a:gd name="connsiteX0" fmla="*/ 0 w 10000"/>
-                      <a:gd name="connsiteY0" fmla="*/ 0 h 10000"/>
-                      <a:gd name="connsiteX1" fmla="*/ 10000 w 10000"/>
-                      <a:gd name="connsiteY1" fmla="*/ 0 h 10000"/>
-                      <a:gd name="connsiteX2" fmla="*/ 8000 w 10000"/>
-                      <a:gd name="connsiteY2" fmla="*/ 10000 h 10000"/>
-                      <a:gd name="connsiteX3" fmla="*/ 2000 w 10000"/>
-                      <a:gd name="connsiteY3" fmla="*/ 10000 h 10000"/>
-                      <a:gd name="connsiteX4" fmla="*/ 0 w 10000"/>
-                      <a:gd name="connsiteY4" fmla="*/ 0 h 10000"/>
-                      <a:gd name="connsiteX0" fmla="*/ 0 w 10000"/>
-                      <a:gd name="connsiteY0" fmla="*/ 0 h 10178"/>
-                      <a:gd name="connsiteX1" fmla="*/ 10000 w 10000"/>
-                      <a:gd name="connsiteY1" fmla="*/ 0 h 10178"/>
-                      <a:gd name="connsiteX2" fmla="*/ 8691 w 10000"/>
-                      <a:gd name="connsiteY2" fmla="*/ 10178 h 10178"/>
-                      <a:gd name="connsiteX3" fmla="*/ 2000 w 10000"/>
-                      <a:gd name="connsiteY3" fmla="*/ 10000 h 10178"/>
-                      <a:gd name="connsiteX4" fmla="*/ 0 w 10000"/>
-                      <a:gd name="connsiteY4" fmla="*/ 0 h 10178"/>
-                      <a:gd name="connsiteX0" fmla="*/ 0 w 10000"/>
-                      <a:gd name="connsiteY0" fmla="*/ 0 h 10178"/>
-                      <a:gd name="connsiteX1" fmla="*/ 10000 w 10000"/>
-                      <a:gd name="connsiteY1" fmla="*/ 0 h 10178"/>
-                      <a:gd name="connsiteX2" fmla="*/ 8691 w 10000"/>
-                      <a:gd name="connsiteY2" fmla="*/ 10178 h 10178"/>
-                      <a:gd name="connsiteX3" fmla="*/ 2000 w 10000"/>
-                      <a:gd name="connsiteY3" fmla="*/ 10000 h 10178"/>
-                      <a:gd name="connsiteX4" fmla="*/ 1088 w 10000"/>
-                      <a:gd name="connsiteY4" fmla="*/ 9879 h 10178"/>
-                      <a:gd name="connsiteX5" fmla="*/ 0 w 10000"/>
-                      <a:gd name="connsiteY5" fmla="*/ 0 h 10178"/>
-                    </a:gdLst>
-                    <a:ahLst/>
-                    <a:cxnLst>
-                      <a:cxn ang="0">
-                        <a:pos x="connsiteX0" y="connsiteY0"/>
-                      </a:cxn>
-                      <a:cxn ang="0">
-                        <a:pos x="connsiteX1" y="connsiteY1"/>
-                      </a:cxn>
-                      <a:cxn ang="0">
-                        <a:pos x="connsiteX2" y="connsiteY2"/>
-                      </a:cxn>
-                      <a:cxn ang="0">
-                        <a:pos x="connsiteX3" y="connsiteY3"/>
-                      </a:cxn>
-                      <a:cxn ang="0">
-                        <a:pos x="connsiteX4" y="connsiteY4"/>
-                      </a:cxn>
-                      <a:cxn ang="0">
-                        <a:pos x="connsiteX5" y="connsiteY5"/>
-                      </a:cxn>
-                    </a:cxnLst>
-                    <a:rect l="l" t="t" r="r" b="b"/>
-                    <a:pathLst>
-                      <a:path w="10000" h="10178">
-                        <a:moveTo>
-                          <a:pt x="0" y="0"/>
-                        </a:moveTo>
-                        <a:lnTo>
-                          <a:pt x="10000" y="0"/>
-                        </a:lnTo>
-                        <a:lnTo>
-                          <a:pt x="8691" y="10178"/>
-                        </a:lnTo>
-                        <a:lnTo>
-                          <a:pt x="2000" y="10000"/>
-                        </a:lnTo>
-                        <a:cubicBezTo>
-                          <a:pt x="1975" y="9960"/>
-                          <a:pt x="1113" y="9919"/>
-                          <a:pt x="1088" y="9879"/>
-                        </a:cubicBezTo>
-                        <a:lnTo>
-                          <a:pt x="0" y="0"/>
-                        </a:lnTo>
-                        <a:close/>
-                      </a:path>
-                    </a:pathLst>
-                  </a:custGeom>
-                  <a:noFill/>
-                  <a:ln w="12700">
-                    <a:solidFill>
-                      <a:schemeClr val="tx1"/>
-                    </a:solidFill>
-                  </a:ln>
-                </p:spPr>
-                <p:style>
-                  <a:lnRef idx="2">
-                    <a:schemeClr val="accent1">
-                      <a:shade val="50000"/>
-                    </a:schemeClr>
-                  </a:lnRef>
-                  <a:fillRef idx="1">
-                    <a:schemeClr val="accent1"/>
-                  </a:fillRef>
-                  <a:effectRef idx="0">
-                    <a:schemeClr val="accent1"/>
-                  </a:effectRef>
-                  <a:fontRef idx="minor">
-                    <a:schemeClr val="lt1"/>
-                  </a:fontRef>
-                </p:style>
-                <p:txBody>
-                  <a:bodyPr rtlCol="0" anchor="ctr"/>
-                  <a:lstStyle/>
-                  <a:p>
-                    <a:pPr algn="ctr"/>
-                    <a:endParaRPr lang="zh-CN" altLang="en-US" sz="18600"/>
-                  </a:p>
-                </p:txBody>
-              </p:sp>
-              <p:cxnSp>
-                <p:nvCxnSpPr>
-                  <p:cNvPr id="1456" name="直接连接符 1455"/>
-                  <p:cNvCxnSpPr/>
-                  <p:nvPr/>
-                </p:nvCxnSpPr>
-                <p:spPr>
-                  <a:xfrm>
-                    <a:off x="5371396" y="2900704"/>
-                    <a:ext cx="0" cy="144016"/>
-                  </a:xfrm>
-                  <a:prstGeom prst="line">
-                    <a:avLst/>
-                  </a:prstGeom>
-                </p:spPr>
-                <p:style>
-                  <a:lnRef idx="1">
-                    <a:schemeClr val="accent1"/>
-                  </a:lnRef>
-                  <a:fillRef idx="0">
-                    <a:schemeClr val="accent1"/>
-                  </a:fillRef>
-                  <a:effectRef idx="0">
-                    <a:schemeClr val="accent1"/>
-                  </a:effectRef>
-                  <a:fontRef idx="minor">
-                    <a:schemeClr val="tx1"/>
-                  </a:fontRef>
-                </p:style>
-              </p:cxnSp>
-              <p:sp>
-                <p:nvSpPr>
-                  <p:cNvPr id="1457" name="TextBox 1456"/>
-                  <p:cNvSpPr txBox="1"/>
-                  <p:nvPr/>
-                </p:nvSpPr>
-                <p:spPr>
-                  <a:xfrm>
-                    <a:off x="4822550" y="3042123"/>
-                    <a:ext cx="743000" cy="400110"/>
-                  </a:xfrm>
-                  <a:prstGeom prst="rect">
-                    <a:avLst/>
-                  </a:prstGeom>
-                  <a:noFill/>
-                </p:spPr>
-                <p:txBody>
-                  <a:bodyPr wrap="square" rtlCol="0">
-                    <a:spAutoFit/>
-                  </a:bodyPr>
-                  <a:lstStyle/>
-                  <a:p>
-                    <a:pPr algn="ctr"/>
-                    <a:r>
-                      <a:rPr lang="en-US" altLang="zh-CN" sz="1000" dirty="0" smtClean="0"/>
-                      <a:t>EX_ALUSrc2</a:t>
-                    </a:r>
-                    <a:endParaRPr lang="zh-CN" altLang="en-US" sz="1000" dirty="0"/>
-                  </a:p>
-                </p:txBody>
-              </p:sp>
-              <p:cxnSp>
-                <p:nvCxnSpPr>
-                  <p:cNvPr id="1458" name="直接连接符 1457"/>
-                  <p:cNvCxnSpPr/>
-                  <p:nvPr/>
-                </p:nvCxnSpPr>
-                <p:spPr>
-                  <a:xfrm flipH="1">
-                    <a:off x="5113341" y="2741514"/>
-                    <a:ext cx="144016" cy="0"/>
-                  </a:xfrm>
-                  <a:prstGeom prst="line">
-                    <a:avLst/>
-                  </a:prstGeom>
-                </p:spPr>
-                <p:style>
-                  <a:lnRef idx="1">
-                    <a:schemeClr val="accent1"/>
-                  </a:lnRef>
-                  <a:fillRef idx="0">
-                    <a:schemeClr val="accent1"/>
-                  </a:fillRef>
-                  <a:effectRef idx="0">
-                    <a:schemeClr val="accent1"/>
-                  </a:effectRef>
-                  <a:fontRef idx="minor">
-                    <a:schemeClr val="tx1"/>
-                  </a:fontRef>
-                </p:style>
-              </p:cxnSp>
-              <p:sp>
-                <p:nvSpPr>
-                  <p:cNvPr id="1459" name="TextBox 1458"/>
-                  <p:cNvSpPr txBox="1"/>
-                  <p:nvPr/>
-                </p:nvSpPr>
-                <p:spPr>
-                  <a:xfrm>
-                    <a:off x="4495996" y="2629257"/>
-                    <a:ext cx="684081" cy="246221"/>
-                  </a:xfrm>
-                  <a:prstGeom prst="rect">
-                    <a:avLst/>
-                  </a:prstGeom>
-                  <a:noFill/>
-                </p:spPr>
-                <p:txBody>
-                  <a:bodyPr wrap="square" rtlCol="0">
-                    <a:spAutoFit/>
-                  </a:bodyPr>
-                  <a:lstStyle/>
-                  <a:p>
-                    <a:pPr algn="r"/>
-                    <a:r>
-                      <a:rPr lang="en-US" altLang="zh-CN" sz="1000" dirty="0" err="1" smtClean="0"/>
-                      <a:t>EX_dataB</a:t>
-                    </a:r>
-                    <a:endParaRPr lang="zh-CN" altLang="en-US" sz="1000" dirty="0"/>
-                  </a:p>
-                </p:txBody>
-              </p:sp>
-              <p:cxnSp>
-                <p:nvCxnSpPr>
-                  <p:cNvPr id="1460" name="直接连接符 1459"/>
-                  <p:cNvCxnSpPr/>
-                  <p:nvPr/>
-                </p:nvCxnSpPr>
-                <p:spPr>
-                  <a:xfrm flipH="1" flipV="1">
-                    <a:off x="5448094" y="2599522"/>
-                    <a:ext cx="519719" cy="4429"/>
-                  </a:xfrm>
-                  <a:prstGeom prst="line">
-                    <a:avLst/>
-                  </a:prstGeom>
-                </p:spPr>
-                <p:style>
-                  <a:lnRef idx="1">
-                    <a:schemeClr val="accent1"/>
-                  </a:lnRef>
-                  <a:fillRef idx="0">
-                    <a:schemeClr val="accent1"/>
-                  </a:fillRef>
-                  <a:effectRef idx="0">
-                    <a:schemeClr val="accent1"/>
-                  </a:effectRef>
-                  <a:fontRef idx="minor">
-                    <a:schemeClr val="tx1"/>
-                  </a:fontRef>
-                </p:style>
-              </p:cxnSp>
-              <p:sp>
-                <p:nvSpPr>
-                  <p:cNvPr id="1461" name="TextBox 1460"/>
-                  <p:cNvSpPr txBox="1"/>
-                  <p:nvPr/>
-                </p:nvSpPr>
-                <p:spPr>
-                  <a:xfrm>
-                    <a:off x="5245106" y="2437112"/>
-                    <a:ext cx="187332" cy="246221"/>
-                  </a:xfrm>
-                  <a:prstGeom prst="rect">
-                    <a:avLst/>
-                  </a:prstGeom>
-                  <a:noFill/>
-                </p:spPr>
-                <p:txBody>
-                  <a:bodyPr wrap="square" rtlCol="0">
-                    <a:spAutoFit/>
-                  </a:bodyPr>
-                  <a:lstStyle/>
-                  <a:p>
-                    <a:pPr algn="ctr"/>
-                    <a:r>
-                      <a:rPr lang="en-US" altLang="zh-CN" sz="1000" dirty="0"/>
-                      <a:t>0</a:t>
-                    </a:r>
-                    <a:endParaRPr lang="zh-CN" altLang="en-US" sz="1000" dirty="0"/>
-                  </a:p>
-                </p:txBody>
-              </p:sp>
-              <p:sp>
-                <p:nvSpPr>
-                  <p:cNvPr id="1462" name="TextBox 1461"/>
-                  <p:cNvSpPr txBox="1"/>
-                  <p:nvPr/>
-                </p:nvSpPr>
-                <p:spPr>
-                  <a:xfrm>
-                    <a:off x="5232530" y="2629257"/>
-                    <a:ext cx="187332" cy="246221"/>
-                  </a:xfrm>
-                  <a:prstGeom prst="rect">
-                    <a:avLst/>
-                  </a:prstGeom>
-                  <a:noFill/>
-                </p:spPr>
-                <p:txBody>
-                  <a:bodyPr wrap="square" rtlCol="0">
-                    <a:spAutoFit/>
-                  </a:bodyPr>
-                  <a:lstStyle/>
-                  <a:p>
-                    <a:pPr algn="ctr"/>
-                    <a:r>
-                      <a:rPr lang="en-US" altLang="zh-CN" sz="1000" dirty="0"/>
-                      <a:t>1</a:t>
-                    </a:r>
-                    <a:endParaRPr lang="zh-CN" altLang="en-US" sz="1000" dirty="0"/>
-                  </a:p>
-                </p:txBody>
-              </p:sp>
-            </p:grpSp>
-          </p:grpSp>
-          <p:cxnSp>
-            <p:nvCxnSpPr>
-              <p:cNvPr id="1450" name="直接连接符 1449"/>
-              <p:cNvCxnSpPr/>
-              <p:nvPr/>
-            </p:nvCxnSpPr>
-            <p:spPr>
-              <a:xfrm>
-                <a:off x="4902773" y="3302616"/>
-                <a:ext cx="0" cy="781302"/>
-              </a:xfrm>
-              <a:prstGeom prst="line">
-                <a:avLst/>
-              </a:prstGeom>
-            </p:spPr>
-            <p:style>
-              <a:lnRef idx="1">
-                <a:schemeClr val="accent1"/>
-              </a:lnRef>
-              <a:fillRef idx="0">
-                <a:schemeClr val="accent1"/>
-              </a:fillRef>
-              <a:effectRef idx="0">
-                <a:schemeClr val="accent1"/>
-              </a:effectRef>
-              <a:fontRef idx="minor">
-                <a:schemeClr val="tx1"/>
-              </a:fontRef>
-            </p:style>
-          </p:cxnSp>
-          <p:cxnSp>
-            <p:nvCxnSpPr>
-              <p:cNvPr id="1451" name="直接连接符 1450"/>
-              <p:cNvCxnSpPr/>
-              <p:nvPr/>
-            </p:nvCxnSpPr>
-            <p:spPr>
-              <a:xfrm>
-                <a:off x="4902773" y="4083918"/>
-                <a:ext cx="1356585" cy="0"/>
-              </a:xfrm>
-              <a:prstGeom prst="line">
-                <a:avLst/>
-              </a:prstGeom>
-            </p:spPr>
-            <p:style>
-              <a:lnRef idx="1">
-                <a:schemeClr val="accent1"/>
-              </a:lnRef>
-              <a:fillRef idx="0">
-                <a:schemeClr val="accent1"/>
-              </a:fillRef>
-              <a:effectRef idx="0">
-                <a:schemeClr val="accent1"/>
-              </a:effectRef>
-              <a:fontRef idx="minor">
-                <a:schemeClr val="tx1"/>
-              </a:fontRef>
-            </p:style>
-          </p:cxnSp>
-          <p:sp>
-            <p:nvSpPr>
-              <p:cNvPr id="1452" name="TextBox 1451"/>
-              <p:cNvSpPr txBox="1"/>
-              <p:nvPr/>
-            </p:nvSpPr>
-            <p:spPr>
-              <a:xfrm>
-                <a:off x="5381000" y="4081293"/>
-                <a:ext cx="1154227" cy="400110"/>
-              </a:xfrm>
-              <a:prstGeom prst="rect">
-                <a:avLst/>
-              </a:prstGeom>
-              <a:noFill/>
-            </p:spPr>
-            <p:txBody>
-              <a:bodyPr wrap="square" rtlCol="0">
-                <a:spAutoFit/>
-              </a:bodyPr>
-              <a:lstStyle/>
-              <a:p>
-                <a:pPr algn="ctr"/>
-                <a:r>
-                  <a:rPr lang="en-US" altLang="zh-CN" sz="1000" dirty="0" err="1" smtClean="0"/>
-                  <a:t>EX_rt_postForward</a:t>
-                </a:r>
-                <a:endParaRPr lang="zh-CN" altLang="en-US" sz="1000" dirty="0"/>
-              </a:p>
-            </p:txBody>
-          </p:sp>
-        </p:grpSp>
-        <p:grpSp>
-          <p:nvGrpSpPr>
-            <p:cNvPr id="1405" name="组合 1404"/>
-            <p:cNvGrpSpPr/>
-            <p:nvPr/>
-          </p:nvGrpSpPr>
-          <p:grpSpPr>
-            <a:xfrm>
-              <a:off x="-5604492" y="2988199"/>
-              <a:ext cx="2742046" cy="1528776"/>
-              <a:chOff x="2378156" y="3651870"/>
-              <a:chExt cx="2742046" cy="1528776"/>
-            </a:xfrm>
-          </p:grpSpPr>
-          <p:sp>
-            <p:nvSpPr>
-              <p:cNvPr id="1406" name="流程图: 手动操作 2"/>
-              <p:cNvSpPr/>
-              <p:nvPr/>
-            </p:nvSpPr>
-            <p:spPr>
-              <a:xfrm rot="16200000">
-                <a:off x="4428986" y="4186982"/>
-                <a:ext cx="595667" cy="194601"/>
-              </a:xfrm>
-              <a:custGeom>
-                <a:avLst/>
-                <a:gdLst>
-                  <a:gd name="connsiteX0" fmla="*/ 0 w 10000"/>
-                  <a:gd name="connsiteY0" fmla="*/ 0 h 10000"/>
-                  <a:gd name="connsiteX1" fmla="*/ 10000 w 10000"/>
-                  <a:gd name="connsiteY1" fmla="*/ 0 h 10000"/>
-                  <a:gd name="connsiteX2" fmla="*/ 8000 w 10000"/>
-                  <a:gd name="connsiteY2" fmla="*/ 10000 h 10000"/>
-                  <a:gd name="connsiteX3" fmla="*/ 2000 w 10000"/>
-                  <a:gd name="connsiteY3" fmla="*/ 10000 h 10000"/>
-                  <a:gd name="connsiteX4" fmla="*/ 0 w 10000"/>
-                  <a:gd name="connsiteY4" fmla="*/ 0 h 10000"/>
-                  <a:gd name="connsiteX0" fmla="*/ 0 w 10000"/>
-                  <a:gd name="connsiteY0" fmla="*/ 0 h 10178"/>
-                  <a:gd name="connsiteX1" fmla="*/ 10000 w 10000"/>
-                  <a:gd name="connsiteY1" fmla="*/ 0 h 10178"/>
-                  <a:gd name="connsiteX2" fmla="*/ 8691 w 10000"/>
-                  <a:gd name="connsiteY2" fmla="*/ 10178 h 10178"/>
-                  <a:gd name="connsiteX3" fmla="*/ 2000 w 10000"/>
-                  <a:gd name="connsiteY3" fmla="*/ 10000 h 10178"/>
-                  <a:gd name="connsiteX4" fmla="*/ 0 w 10000"/>
-                  <a:gd name="connsiteY4" fmla="*/ 0 h 10178"/>
-                  <a:gd name="connsiteX0" fmla="*/ 0 w 10000"/>
-                  <a:gd name="connsiteY0" fmla="*/ 0 h 10178"/>
-                  <a:gd name="connsiteX1" fmla="*/ 10000 w 10000"/>
-                  <a:gd name="connsiteY1" fmla="*/ 0 h 10178"/>
-                  <a:gd name="connsiteX2" fmla="*/ 8691 w 10000"/>
-                  <a:gd name="connsiteY2" fmla="*/ 10178 h 10178"/>
-                  <a:gd name="connsiteX3" fmla="*/ 2000 w 10000"/>
-                  <a:gd name="connsiteY3" fmla="*/ 10000 h 10178"/>
-                  <a:gd name="connsiteX4" fmla="*/ 1088 w 10000"/>
-                  <a:gd name="connsiteY4" fmla="*/ 9879 h 10178"/>
-                  <a:gd name="connsiteX5" fmla="*/ 0 w 10000"/>
-                  <a:gd name="connsiteY5" fmla="*/ 0 h 10178"/>
-                </a:gdLst>
-                <a:ahLst/>
-                <a:cxnLst>
-                  <a:cxn ang="0">
-                    <a:pos x="connsiteX0" y="connsiteY0"/>
-                  </a:cxn>
-                  <a:cxn ang="0">
-                    <a:pos x="connsiteX1" y="connsiteY1"/>
-                  </a:cxn>
-                  <a:cxn ang="0">
-                    <a:pos x="connsiteX2" y="connsiteY2"/>
-                  </a:cxn>
-                  <a:cxn ang="0">
-                    <a:pos x="connsiteX3" y="connsiteY3"/>
-                  </a:cxn>
-                  <a:cxn ang="0">
-                    <a:pos x="connsiteX4" y="connsiteY4"/>
-                  </a:cxn>
-                  <a:cxn ang="0">
-                    <a:pos x="connsiteX5" y="connsiteY5"/>
-                  </a:cxn>
-                </a:cxnLst>
-                <a:rect l="l" t="t" r="r" b="b"/>
-                <a:pathLst>
-                  <a:path w="10000" h="10178">
-                    <a:moveTo>
-                      <a:pt x="0" y="0"/>
-                    </a:moveTo>
-                    <a:lnTo>
-                      <a:pt x="10000" y="0"/>
-                    </a:lnTo>
-                    <a:lnTo>
-                      <a:pt x="8691" y="10178"/>
-                    </a:lnTo>
-                    <a:lnTo>
-                      <a:pt x="2000" y="10000"/>
-                    </a:lnTo>
-                    <a:cubicBezTo>
-                      <a:pt x="1975" y="9960"/>
-                      <a:pt x="1113" y="9919"/>
-                      <a:pt x="1088" y="9879"/>
-                    </a:cubicBezTo>
-                    <a:lnTo>
-                      <a:pt x="0" y="0"/>
-                    </a:lnTo>
-                    <a:close/>
-                  </a:path>
-                </a:pathLst>
-              </a:custGeom>
-              <a:noFill/>
-              <a:ln w="12700">
-                <a:solidFill>
-                  <a:schemeClr val="tx1"/>
-                </a:solidFill>
-              </a:ln>
-            </p:spPr>
-            <p:style>
-              <a:lnRef idx="2">
-                <a:schemeClr val="accent1">
-                  <a:shade val="50000"/>
-                </a:schemeClr>
-              </a:lnRef>
-              <a:fillRef idx="1">
-                <a:schemeClr val="accent1"/>
-              </a:fillRef>
-              <a:effectRef idx="0">
-                <a:schemeClr val="accent1"/>
-              </a:effectRef>
-              <a:fontRef idx="minor">
-                <a:schemeClr val="lt1"/>
-              </a:fontRef>
-            </p:style>
-            <p:txBody>
-              <a:bodyPr rtlCol="0" anchor="ctr"/>
-              <a:lstStyle/>
-              <a:p>
-                <a:pPr algn="ctr"/>
-                <a:endParaRPr lang="zh-CN" altLang="en-US" sz="18600"/>
-              </a:p>
-            </p:txBody>
-          </p:sp>
-          <p:cxnSp>
-            <p:nvCxnSpPr>
-              <p:cNvPr id="1407" name="直接连接符 1406"/>
-              <p:cNvCxnSpPr/>
-              <p:nvPr/>
-            </p:nvCxnSpPr>
-            <p:spPr>
-              <a:xfrm>
-                <a:off x="4743554" y="3886052"/>
-                <a:ext cx="0" cy="144016"/>
-              </a:xfrm>
-              <a:prstGeom prst="line">
-                <a:avLst/>
-              </a:prstGeom>
-            </p:spPr>
-            <p:style>
-              <a:lnRef idx="1">
-                <a:schemeClr val="accent1"/>
-              </a:lnRef>
-              <a:fillRef idx="0">
-                <a:schemeClr val="accent1"/>
-              </a:fillRef>
-              <a:effectRef idx="0">
-                <a:schemeClr val="accent1"/>
-              </a:effectRef>
-              <a:fontRef idx="minor">
-                <a:schemeClr val="tx1"/>
-              </a:fontRef>
-            </p:style>
-          </p:cxnSp>
-          <p:sp>
-            <p:nvSpPr>
-              <p:cNvPr id="1408" name="TextBox 1407"/>
-              <p:cNvSpPr txBox="1"/>
-              <p:nvPr/>
-            </p:nvSpPr>
-            <p:spPr>
-              <a:xfrm>
-                <a:off x="4377202" y="3651870"/>
-                <a:ext cx="743000" cy="246221"/>
-              </a:xfrm>
-              <a:prstGeom prst="rect">
-                <a:avLst/>
-              </a:prstGeom>
-              <a:noFill/>
-            </p:spPr>
-            <p:txBody>
-              <a:bodyPr wrap="square" rtlCol="0">
-                <a:spAutoFit/>
-              </a:bodyPr>
-              <a:lstStyle/>
-              <a:p>
-                <a:pPr algn="ctr"/>
-                <a:r>
-                  <a:rPr lang="en-US" altLang="zh-CN" sz="1000" dirty="0" err="1" smtClean="0"/>
-                  <a:t>EX_LUOp</a:t>
-                </a:r>
-                <a:endParaRPr lang="zh-CN" altLang="en-US" sz="1000" dirty="0"/>
-              </a:p>
-            </p:txBody>
-          </p:sp>
-          <p:cxnSp>
-            <p:nvCxnSpPr>
-              <p:cNvPr id="1409" name="直接连接符 1408"/>
-              <p:cNvCxnSpPr/>
-              <p:nvPr/>
-            </p:nvCxnSpPr>
-            <p:spPr>
-              <a:xfrm flipH="1">
-                <a:off x="4485499" y="4111407"/>
-                <a:ext cx="144016" cy="0"/>
-              </a:xfrm>
-              <a:prstGeom prst="line">
-                <a:avLst/>
-              </a:prstGeom>
-            </p:spPr>
-            <p:style>
-              <a:lnRef idx="1">
-                <a:schemeClr val="accent1"/>
-              </a:lnRef>
-              <a:fillRef idx="0">
-                <a:schemeClr val="accent1"/>
-              </a:fillRef>
-              <a:effectRef idx="0">
-                <a:schemeClr val="accent1"/>
-              </a:effectRef>
-              <a:fontRef idx="minor">
-                <a:schemeClr val="tx1"/>
-              </a:fontRef>
-            </p:style>
-          </p:cxnSp>
-          <p:sp>
-            <p:nvSpPr>
-              <p:cNvPr id="1410" name="TextBox 1409"/>
-              <p:cNvSpPr txBox="1"/>
-              <p:nvPr/>
-            </p:nvSpPr>
-            <p:spPr>
-              <a:xfrm>
-                <a:off x="3371134" y="4006632"/>
-                <a:ext cx="1173010" cy="246221"/>
-              </a:xfrm>
-              <a:prstGeom prst="rect">
-                <a:avLst/>
-              </a:prstGeom>
-              <a:noFill/>
-            </p:spPr>
-            <p:txBody>
-              <a:bodyPr wrap="square" rtlCol="0">
-                <a:spAutoFit/>
-              </a:bodyPr>
-              <a:lstStyle/>
-              <a:p>
-                <a:pPr algn="r"/>
-                <a:r>
-                  <a:rPr lang="en-US" altLang="zh-CN" sz="1000" dirty="0" smtClean="0"/>
-                  <a:t>{</a:t>
-                </a:r>
-                <a:r>
-                  <a:rPr lang="en-US" altLang="zh-CN" sz="1000" dirty="0" err="1" smtClean="0"/>
-                  <a:t>EX_imm</a:t>
-                </a:r>
-                <a:r>
-                  <a:rPr lang="en-US" altLang="zh-CN" sz="1000" dirty="0" smtClean="0"/>
-                  <a:t>, 16’b0}</a:t>
-                </a:r>
-                <a:endParaRPr lang="zh-CN" altLang="en-US" sz="1000" dirty="0"/>
-              </a:p>
-            </p:txBody>
-          </p:sp>
-          <p:sp>
-            <p:nvSpPr>
-              <p:cNvPr id="1411" name="TextBox 1410"/>
-              <p:cNvSpPr txBox="1"/>
-              <p:nvPr/>
-            </p:nvSpPr>
-            <p:spPr>
-              <a:xfrm>
-                <a:off x="4596090" y="4006632"/>
-                <a:ext cx="187332" cy="246221"/>
-              </a:xfrm>
-              <a:prstGeom prst="rect">
-                <a:avLst/>
-              </a:prstGeom>
-              <a:noFill/>
-            </p:spPr>
-            <p:txBody>
-              <a:bodyPr wrap="square" rtlCol="0">
-                <a:spAutoFit/>
-              </a:bodyPr>
-              <a:lstStyle/>
-              <a:p>
-                <a:pPr algn="ctr"/>
-                <a:r>
-                  <a:rPr lang="en-US" altLang="zh-CN" sz="1000" dirty="0"/>
-                  <a:t>1</a:t>
-                </a:r>
-                <a:endParaRPr lang="zh-CN" altLang="en-US" sz="1000" dirty="0"/>
-              </a:p>
-            </p:txBody>
-          </p:sp>
-          <p:sp>
-            <p:nvSpPr>
-              <p:cNvPr id="1412" name="TextBox 1411"/>
-              <p:cNvSpPr txBox="1"/>
-              <p:nvPr/>
-            </p:nvSpPr>
-            <p:spPr>
-              <a:xfrm>
-                <a:off x="4604688" y="4371950"/>
-                <a:ext cx="187332" cy="246221"/>
-              </a:xfrm>
-              <a:prstGeom prst="rect">
-                <a:avLst/>
-              </a:prstGeom>
-              <a:noFill/>
-            </p:spPr>
-            <p:txBody>
-              <a:bodyPr wrap="square" rtlCol="0">
-                <a:spAutoFit/>
-              </a:bodyPr>
-              <a:lstStyle/>
-              <a:p>
-                <a:pPr algn="ctr"/>
-                <a:r>
-                  <a:rPr lang="en-US" altLang="zh-CN" sz="1000" dirty="0" smtClean="0"/>
-                  <a:t>0</a:t>
-                </a:r>
-                <a:endParaRPr lang="zh-CN" altLang="en-US" sz="1000" dirty="0"/>
-              </a:p>
-            </p:txBody>
-          </p:sp>
-          <p:sp>
-            <p:nvSpPr>
-              <p:cNvPr id="1413" name="流程图: 手动操作 2"/>
-              <p:cNvSpPr/>
-              <p:nvPr/>
-            </p:nvSpPr>
-            <p:spPr>
-              <a:xfrm rot="16200000">
-                <a:off x="4084081" y="4428468"/>
-                <a:ext cx="595667" cy="194601"/>
-              </a:xfrm>
-              <a:custGeom>
-                <a:avLst/>
-                <a:gdLst>
-                  <a:gd name="connsiteX0" fmla="*/ 0 w 10000"/>
-                  <a:gd name="connsiteY0" fmla="*/ 0 h 10000"/>
-                  <a:gd name="connsiteX1" fmla="*/ 10000 w 10000"/>
-                  <a:gd name="connsiteY1" fmla="*/ 0 h 10000"/>
-                  <a:gd name="connsiteX2" fmla="*/ 8000 w 10000"/>
-                  <a:gd name="connsiteY2" fmla="*/ 10000 h 10000"/>
-                  <a:gd name="connsiteX3" fmla="*/ 2000 w 10000"/>
-                  <a:gd name="connsiteY3" fmla="*/ 10000 h 10000"/>
-                  <a:gd name="connsiteX4" fmla="*/ 0 w 10000"/>
-                  <a:gd name="connsiteY4" fmla="*/ 0 h 10000"/>
-                  <a:gd name="connsiteX0" fmla="*/ 0 w 10000"/>
-                  <a:gd name="connsiteY0" fmla="*/ 0 h 10178"/>
-                  <a:gd name="connsiteX1" fmla="*/ 10000 w 10000"/>
-                  <a:gd name="connsiteY1" fmla="*/ 0 h 10178"/>
-                  <a:gd name="connsiteX2" fmla="*/ 8691 w 10000"/>
-                  <a:gd name="connsiteY2" fmla="*/ 10178 h 10178"/>
-                  <a:gd name="connsiteX3" fmla="*/ 2000 w 10000"/>
-                  <a:gd name="connsiteY3" fmla="*/ 10000 h 10178"/>
-                  <a:gd name="connsiteX4" fmla="*/ 0 w 10000"/>
-                  <a:gd name="connsiteY4" fmla="*/ 0 h 10178"/>
-                  <a:gd name="connsiteX0" fmla="*/ 0 w 10000"/>
-                  <a:gd name="connsiteY0" fmla="*/ 0 h 10178"/>
-                  <a:gd name="connsiteX1" fmla="*/ 10000 w 10000"/>
-                  <a:gd name="connsiteY1" fmla="*/ 0 h 10178"/>
-                  <a:gd name="connsiteX2" fmla="*/ 8691 w 10000"/>
-                  <a:gd name="connsiteY2" fmla="*/ 10178 h 10178"/>
-                  <a:gd name="connsiteX3" fmla="*/ 2000 w 10000"/>
-                  <a:gd name="connsiteY3" fmla="*/ 10000 h 10178"/>
-                  <a:gd name="connsiteX4" fmla="*/ 1088 w 10000"/>
-                  <a:gd name="connsiteY4" fmla="*/ 9879 h 10178"/>
-                  <a:gd name="connsiteX5" fmla="*/ 0 w 10000"/>
-                  <a:gd name="connsiteY5" fmla="*/ 0 h 10178"/>
-                </a:gdLst>
-                <a:ahLst/>
-                <a:cxnLst>
-                  <a:cxn ang="0">
-                    <a:pos x="connsiteX0" y="connsiteY0"/>
-                  </a:cxn>
-                  <a:cxn ang="0">
-                    <a:pos x="connsiteX1" y="connsiteY1"/>
-                  </a:cxn>
-                  <a:cxn ang="0">
-                    <a:pos x="connsiteX2" y="connsiteY2"/>
-                  </a:cxn>
-                  <a:cxn ang="0">
-                    <a:pos x="connsiteX3" y="connsiteY3"/>
-                  </a:cxn>
-                  <a:cxn ang="0">
-                    <a:pos x="connsiteX4" y="connsiteY4"/>
-                  </a:cxn>
-                  <a:cxn ang="0">
-                    <a:pos x="connsiteX5" y="connsiteY5"/>
-                  </a:cxn>
-                </a:cxnLst>
-                <a:rect l="l" t="t" r="r" b="b"/>
-                <a:pathLst>
-                  <a:path w="10000" h="10178">
-                    <a:moveTo>
-                      <a:pt x="0" y="0"/>
-                    </a:moveTo>
-                    <a:lnTo>
-                      <a:pt x="10000" y="0"/>
-                    </a:lnTo>
-                    <a:lnTo>
-                      <a:pt x="8691" y="10178"/>
-                    </a:lnTo>
-                    <a:lnTo>
-                      <a:pt x="2000" y="10000"/>
-                    </a:lnTo>
-                    <a:cubicBezTo>
-                      <a:pt x="1975" y="9960"/>
-                      <a:pt x="1113" y="9919"/>
-                      <a:pt x="1088" y="9879"/>
-                    </a:cubicBezTo>
-                    <a:lnTo>
-                      <a:pt x="0" y="0"/>
-                    </a:lnTo>
-                    <a:close/>
-                  </a:path>
-                </a:pathLst>
-              </a:custGeom>
-              <a:noFill/>
-              <a:ln w="12700">
-                <a:solidFill>
-                  <a:schemeClr val="tx1"/>
-                </a:solidFill>
-              </a:ln>
-            </p:spPr>
-            <p:style>
-              <a:lnRef idx="2">
-                <a:schemeClr val="accent1">
-                  <a:shade val="50000"/>
-                </a:schemeClr>
-              </a:lnRef>
-              <a:fillRef idx="1">
-                <a:schemeClr val="accent1"/>
-              </a:fillRef>
-              <a:effectRef idx="0">
-                <a:schemeClr val="accent1"/>
-              </a:effectRef>
-              <a:fontRef idx="minor">
-                <a:schemeClr val="lt1"/>
-              </a:fontRef>
-            </p:style>
-            <p:txBody>
-              <a:bodyPr rtlCol="0" anchor="ctr"/>
-              <a:lstStyle/>
-              <a:p>
-                <a:pPr algn="ctr"/>
-                <a:endParaRPr lang="zh-CN" altLang="en-US" sz="18600"/>
-              </a:p>
-            </p:txBody>
-          </p:sp>
-          <p:cxnSp>
-            <p:nvCxnSpPr>
-              <p:cNvPr id="1414" name="直接连接符 1413"/>
-              <p:cNvCxnSpPr/>
-              <p:nvPr/>
-            </p:nvCxnSpPr>
-            <p:spPr>
-              <a:xfrm>
-                <a:off x="4398649" y="4790409"/>
-                <a:ext cx="0" cy="144016"/>
-              </a:xfrm>
-              <a:prstGeom prst="line">
-                <a:avLst/>
-              </a:prstGeom>
-            </p:spPr>
-            <p:style>
-              <a:lnRef idx="1">
-                <a:schemeClr val="accent1"/>
-              </a:lnRef>
-              <a:fillRef idx="0">
-                <a:schemeClr val="accent1"/>
-              </a:fillRef>
-              <a:effectRef idx="0">
-                <a:schemeClr val="accent1"/>
-              </a:effectRef>
-              <a:fontRef idx="minor">
-                <a:schemeClr val="tx1"/>
-              </a:fontRef>
-            </p:style>
-          </p:cxnSp>
-          <p:sp>
-            <p:nvSpPr>
-              <p:cNvPr id="1415" name="TextBox 1414"/>
-              <p:cNvSpPr txBox="1"/>
-              <p:nvPr/>
-            </p:nvSpPr>
-            <p:spPr>
-              <a:xfrm>
-                <a:off x="4045024" y="4934425"/>
-                <a:ext cx="743000" cy="246221"/>
-              </a:xfrm>
-              <a:prstGeom prst="rect">
-                <a:avLst/>
-              </a:prstGeom>
-              <a:noFill/>
-            </p:spPr>
-            <p:txBody>
-              <a:bodyPr wrap="square" rtlCol="0">
-                <a:spAutoFit/>
-              </a:bodyPr>
-              <a:lstStyle/>
-              <a:p>
-                <a:pPr algn="ctr"/>
-                <a:r>
-                  <a:rPr lang="en-US" altLang="zh-CN" sz="1000" dirty="0" err="1" smtClean="0"/>
-                  <a:t>EX_EXTOp</a:t>
-                </a:r>
-                <a:endParaRPr lang="zh-CN" altLang="en-US" sz="1000" dirty="0"/>
-              </a:p>
-            </p:txBody>
-          </p:sp>
-          <p:cxnSp>
-            <p:nvCxnSpPr>
-              <p:cNvPr id="1416" name="直接连接符 1415"/>
-              <p:cNvCxnSpPr/>
-              <p:nvPr/>
-            </p:nvCxnSpPr>
-            <p:spPr>
-              <a:xfrm flipH="1">
-                <a:off x="4140594" y="4423000"/>
-                <a:ext cx="144016" cy="0"/>
-              </a:xfrm>
-              <a:prstGeom prst="line">
-                <a:avLst/>
-              </a:prstGeom>
-            </p:spPr>
-            <p:style>
-              <a:lnRef idx="1">
-                <a:schemeClr val="accent1"/>
-              </a:lnRef>
-              <a:fillRef idx="0">
-                <a:schemeClr val="accent1"/>
-              </a:fillRef>
-              <a:effectRef idx="0">
-                <a:schemeClr val="accent1"/>
-              </a:effectRef>
-              <a:fontRef idx="minor">
-                <a:schemeClr val="tx1"/>
-              </a:fontRef>
-            </p:style>
-          </p:cxnSp>
-          <p:cxnSp>
-            <p:nvCxnSpPr>
-              <p:cNvPr id="1417" name="直接连接符 1416"/>
-              <p:cNvCxnSpPr/>
-              <p:nvPr/>
-            </p:nvCxnSpPr>
-            <p:spPr>
-              <a:xfrm flipH="1">
-                <a:off x="4140594" y="4633326"/>
-                <a:ext cx="144016" cy="0"/>
-              </a:xfrm>
-              <a:prstGeom prst="line">
-                <a:avLst/>
-              </a:prstGeom>
-            </p:spPr>
-            <p:style>
-              <a:lnRef idx="1">
-                <a:schemeClr val="accent1"/>
-              </a:lnRef>
-              <a:fillRef idx="0">
-                <a:schemeClr val="accent1"/>
-              </a:fillRef>
-              <a:effectRef idx="0">
-                <a:schemeClr val="accent1"/>
-              </a:effectRef>
-              <a:fontRef idx="minor">
-                <a:schemeClr val="tx1"/>
-              </a:fontRef>
-            </p:style>
-          </p:cxnSp>
-          <p:sp>
-            <p:nvSpPr>
-              <p:cNvPr id="1418" name="TextBox 1417"/>
-              <p:cNvSpPr txBox="1"/>
-              <p:nvPr/>
-            </p:nvSpPr>
-            <p:spPr>
-              <a:xfrm>
-                <a:off x="2378156" y="4318225"/>
-                <a:ext cx="1821083" cy="246221"/>
-              </a:xfrm>
-              <a:prstGeom prst="rect">
-                <a:avLst/>
-              </a:prstGeom>
-              <a:noFill/>
-            </p:spPr>
-            <p:txBody>
-              <a:bodyPr wrap="square" rtlCol="0">
-                <a:spAutoFit/>
-              </a:bodyPr>
-              <a:lstStyle/>
-              <a:p>
-                <a:pPr algn="r"/>
-                <a:r>
-                  <a:rPr lang="en-US" altLang="zh-CN" sz="1000" dirty="0"/>
-                  <a:t>{{</a:t>
-                </a:r>
-                <a:r>
-                  <a:rPr lang="en-US" altLang="zh-CN" sz="1000" dirty="0" smtClean="0"/>
-                  <a:t>16{</a:t>
-                </a:r>
-                <a:r>
-                  <a:rPr lang="en-US" altLang="zh-CN" sz="1000" dirty="0" err="1" smtClean="0"/>
-                  <a:t>EX_imm</a:t>
-                </a:r>
-                <a:r>
-                  <a:rPr lang="en-US" altLang="zh-CN" sz="1000" dirty="0" smtClean="0"/>
-                  <a:t>[15]}}, </a:t>
-                </a:r>
-                <a:r>
-                  <a:rPr lang="en-US" altLang="zh-CN" sz="1000" dirty="0" err="1" smtClean="0"/>
-                  <a:t>EX_imm</a:t>
-                </a:r>
-                <a:r>
-                  <a:rPr lang="en-US" altLang="zh-CN" sz="1000" dirty="0" smtClean="0"/>
-                  <a:t>}</a:t>
-                </a:r>
-                <a:endParaRPr lang="en-US" altLang="zh-CN" sz="1000" dirty="0"/>
-              </a:p>
-            </p:txBody>
-          </p:sp>
-          <p:sp>
-            <p:nvSpPr>
-              <p:cNvPr id="1419" name="TextBox 1418"/>
-              <p:cNvSpPr txBox="1"/>
-              <p:nvPr/>
-            </p:nvSpPr>
-            <p:spPr>
-              <a:xfrm>
-                <a:off x="2954221" y="4521069"/>
-                <a:ext cx="1253110" cy="246221"/>
-              </a:xfrm>
-              <a:prstGeom prst="rect">
-                <a:avLst/>
-              </a:prstGeom>
-              <a:noFill/>
-            </p:spPr>
-            <p:txBody>
-              <a:bodyPr wrap="square" rtlCol="0">
-                <a:spAutoFit/>
-              </a:bodyPr>
-              <a:lstStyle/>
-              <a:p>
-                <a:pPr algn="r"/>
-                <a:r>
-                  <a:rPr lang="en-US" altLang="zh-CN" sz="1000" dirty="0"/>
-                  <a:t>{</a:t>
-                </a:r>
-                <a:r>
-                  <a:rPr lang="en-US" altLang="zh-CN" sz="1000" dirty="0" smtClean="0"/>
-                  <a:t>16’b0, </a:t>
-                </a:r>
-                <a:r>
-                  <a:rPr lang="en-US" altLang="zh-CN" sz="1000" dirty="0" err="1" smtClean="0"/>
-                  <a:t>EX_imm</a:t>
-                </a:r>
-                <a:r>
-                  <a:rPr lang="en-US" altLang="zh-CN" sz="1000" dirty="0" smtClean="0"/>
-                  <a:t>}</a:t>
-                </a:r>
-                <a:endParaRPr lang="zh-CN" altLang="en-US" sz="1000" dirty="0"/>
-              </a:p>
-            </p:txBody>
-          </p:sp>
-          <p:cxnSp>
-            <p:nvCxnSpPr>
-              <p:cNvPr id="1420" name="直接连接符 1419"/>
-              <p:cNvCxnSpPr/>
-              <p:nvPr/>
-            </p:nvCxnSpPr>
-            <p:spPr>
-              <a:xfrm flipH="1">
-                <a:off x="4475342" y="4491334"/>
-                <a:ext cx="144016" cy="0"/>
-              </a:xfrm>
-              <a:prstGeom prst="line">
-                <a:avLst/>
-              </a:prstGeom>
-            </p:spPr>
-            <p:style>
-              <a:lnRef idx="1">
-                <a:schemeClr val="accent1"/>
-              </a:lnRef>
-              <a:fillRef idx="0">
-                <a:schemeClr val="accent1"/>
-              </a:fillRef>
-              <a:effectRef idx="0">
-                <a:schemeClr val="accent1"/>
-              </a:effectRef>
-              <a:fontRef idx="minor">
-                <a:schemeClr val="tx1"/>
-              </a:fontRef>
-            </p:style>
-          </p:cxnSp>
-          <p:sp>
-            <p:nvSpPr>
-              <p:cNvPr id="1421" name="TextBox 1420"/>
-              <p:cNvSpPr txBox="1"/>
-              <p:nvPr/>
-            </p:nvSpPr>
-            <p:spPr>
-              <a:xfrm>
-                <a:off x="4251185" y="4318225"/>
-                <a:ext cx="187332" cy="246221"/>
-              </a:xfrm>
-              <a:prstGeom prst="rect">
-                <a:avLst/>
-              </a:prstGeom>
-              <a:noFill/>
-            </p:spPr>
-            <p:txBody>
-              <a:bodyPr wrap="square" rtlCol="0">
-                <a:spAutoFit/>
-              </a:bodyPr>
-              <a:lstStyle/>
-              <a:p>
-                <a:pPr algn="ctr"/>
-                <a:r>
-                  <a:rPr lang="en-US" altLang="zh-CN" sz="1000" dirty="0"/>
-                  <a:t>1</a:t>
-                </a:r>
-                <a:endParaRPr lang="zh-CN" altLang="en-US" sz="1000" dirty="0"/>
-              </a:p>
-            </p:txBody>
-          </p:sp>
-          <p:sp>
-            <p:nvSpPr>
-              <p:cNvPr id="1422" name="TextBox 1421"/>
-              <p:cNvSpPr txBox="1"/>
-              <p:nvPr/>
-            </p:nvSpPr>
-            <p:spPr>
-              <a:xfrm>
-                <a:off x="4259783" y="4521069"/>
-                <a:ext cx="187332" cy="246221"/>
-              </a:xfrm>
-              <a:prstGeom prst="rect">
-                <a:avLst/>
-              </a:prstGeom>
-              <a:noFill/>
-            </p:spPr>
-            <p:txBody>
-              <a:bodyPr wrap="square" rtlCol="0">
-                <a:spAutoFit/>
-              </a:bodyPr>
-              <a:lstStyle/>
-              <a:p>
-                <a:pPr algn="ctr"/>
-                <a:r>
-                  <a:rPr lang="en-US" altLang="zh-CN" sz="1000" dirty="0" smtClean="0"/>
-                  <a:t>0</a:t>
-                </a:r>
-                <a:endParaRPr lang="zh-CN" altLang="en-US" sz="1000" dirty="0"/>
-              </a:p>
-            </p:txBody>
-          </p:sp>
-        </p:grpSp>
       </p:grpSp>
       <p:grpSp>
         <p:nvGrpSpPr>
@@ -28816,6 +25364,3177 @@
           </a:fontRef>
         </p:style>
       </p:cxnSp>
+      <p:grpSp>
+        <p:nvGrpSpPr>
+          <p:cNvPr id="15" name="组合 14"/>
+          <p:cNvGrpSpPr/>
+          <p:nvPr/>
+        </p:nvGrpSpPr>
+        <p:grpSpPr>
+          <a:xfrm>
+            <a:off x="24848882" y="15811361"/>
+            <a:ext cx="6837055" cy="3788081"/>
+            <a:chOff x="24848882" y="15811361"/>
+            <a:chExt cx="6837055" cy="3788081"/>
+          </a:xfrm>
+        </p:grpSpPr>
+        <p:grpSp>
+          <p:nvGrpSpPr>
+            <p:cNvPr id="1423" name="组合 1422"/>
+            <p:cNvGrpSpPr/>
+            <p:nvPr/>
+          </p:nvGrpSpPr>
+          <p:grpSpPr>
+            <a:xfrm>
+              <a:off x="30013662" y="16124154"/>
+              <a:ext cx="1672275" cy="2692199"/>
+              <a:chOff x="1428764" y="2793440"/>
+              <a:chExt cx="1400408" cy="1306985"/>
+            </a:xfrm>
+          </p:grpSpPr>
+          <p:grpSp>
+            <p:nvGrpSpPr>
+              <p:cNvPr id="1480" name="组合 1479"/>
+              <p:cNvGrpSpPr/>
+              <p:nvPr/>
+            </p:nvGrpSpPr>
+            <p:grpSpPr>
+              <a:xfrm>
+                <a:off x="1506202" y="2926536"/>
+                <a:ext cx="576064" cy="969572"/>
+                <a:chOff x="2987824" y="929968"/>
+                <a:chExt cx="576064" cy="969572"/>
+              </a:xfrm>
+            </p:grpSpPr>
+            <p:cxnSp>
+              <p:nvCxnSpPr>
+                <p:cNvPr id="1489" name="直接连接符 1488"/>
+                <p:cNvCxnSpPr/>
+                <p:nvPr/>
+              </p:nvCxnSpPr>
+              <p:spPr>
+                <a:xfrm flipV="1">
+                  <a:off x="2987824" y="1553902"/>
+                  <a:ext cx="576064" cy="345638"/>
+                </a:xfrm>
+                <a:prstGeom prst="line">
+                  <a:avLst/>
+                </a:prstGeom>
+                <a:ln>
+                  <a:solidFill>
+                    <a:schemeClr val="tx1"/>
+                  </a:solidFill>
+                </a:ln>
+              </p:spPr>
+              <p:style>
+                <a:lnRef idx="1">
+                  <a:schemeClr val="accent1"/>
+                </a:lnRef>
+                <a:fillRef idx="0">
+                  <a:schemeClr val="accent1"/>
+                </a:fillRef>
+                <a:effectRef idx="0">
+                  <a:schemeClr val="accent1"/>
+                </a:effectRef>
+                <a:fontRef idx="minor">
+                  <a:schemeClr val="tx1"/>
+                </a:fontRef>
+              </p:style>
+            </p:cxnSp>
+            <p:cxnSp>
+              <p:nvCxnSpPr>
+                <p:cNvPr id="1490" name="直接连接符 1489"/>
+                <p:cNvCxnSpPr/>
+                <p:nvPr/>
+              </p:nvCxnSpPr>
+              <p:spPr>
+                <a:xfrm>
+                  <a:off x="3563888" y="1275606"/>
+                  <a:ext cx="0" cy="288032"/>
+                </a:xfrm>
+                <a:prstGeom prst="line">
+                  <a:avLst/>
+                </a:prstGeom>
+                <a:ln>
+                  <a:solidFill>
+                    <a:schemeClr val="tx1"/>
+                  </a:solidFill>
+                </a:ln>
+              </p:spPr>
+              <p:style>
+                <a:lnRef idx="1">
+                  <a:schemeClr val="accent1"/>
+                </a:lnRef>
+                <a:fillRef idx="0">
+                  <a:schemeClr val="accent1"/>
+                </a:fillRef>
+                <a:effectRef idx="0">
+                  <a:schemeClr val="accent1"/>
+                </a:effectRef>
+                <a:fontRef idx="minor">
+                  <a:schemeClr val="tx1"/>
+                </a:fontRef>
+              </p:style>
+            </p:cxnSp>
+            <p:cxnSp>
+              <p:nvCxnSpPr>
+                <p:cNvPr id="1491" name="直接连接符 1490"/>
+                <p:cNvCxnSpPr/>
+                <p:nvPr/>
+              </p:nvCxnSpPr>
+              <p:spPr>
+                <a:xfrm>
+                  <a:off x="2987824" y="1254004"/>
+                  <a:ext cx="264950" cy="158971"/>
+                </a:xfrm>
+                <a:prstGeom prst="line">
+                  <a:avLst/>
+                </a:prstGeom>
+                <a:ln>
+                  <a:solidFill>
+                    <a:schemeClr val="tx1"/>
+                  </a:solidFill>
+                </a:ln>
+              </p:spPr>
+              <p:style>
+                <a:lnRef idx="1">
+                  <a:schemeClr val="accent1"/>
+                </a:lnRef>
+                <a:fillRef idx="0">
+                  <a:schemeClr val="accent1"/>
+                </a:fillRef>
+                <a:effectRef idx="0">
+                  <a:schemeClr val="accent1"/>
+                </a:effectRef>
+                <a:fontRef idx="minor">
+                  <a:schemeClr val="tx1"/>
+                </a:fontRef>
+              </p:style>
+            </p:cxnSp>
+            <p:cxnSp>
+              <p:nvCxnSpPr>
+                <p:cNvPr id="1492" name="直接连接符 1491"/>
+                <p:cNvCxnSpPr/>
+                <p:nvPr/>
+              </p:nvCxnSpPr>
+              <p:spPr>
+                <a:xfrm flipV="1">
+                  <a:off x="2992972" y="1412975"/>
+                  <a:ext cx="259802" cy="162529"/>
+                </a:xfrm>
+                <a:prstGeom prst="line">
+                  <a:avLst/>
+                </a:prstGeom>
+                <a:ln>
+                  <a:solidFill>
+                    <a:schemeClr val="tx1"/>
+                  </a:solidFill>
+                </a:ln>
+              </p:spPr>
+              <p:style>
+                <a:lnRef idx="1">
+                  <a:schemeClr val="accent1"/>
+                </a:lnRef>
+                <a:fillRef idx="0">
+                  <a:schemeClr val="accent1"/>
+                </a:fillRef>
+                <a:effectRef idx="0">
+                  <a:schemeClr val="accent1"/>
+                </a:effectRef>
+                <a:fontRef idx="minor">
+                  <a:schemeClr val="tx1"/>
+                </a:fontRef>
+              </p:style>
+            </p:cxnSp>
+            <p:cxnSp>
+              <p:nvCxnSpPr>
+                <p:cNvPr id="1493" name="直接连接符 1492"/>
+                <p:cNvCxnSpPr/>
+                <p:nvPr/>
+              </p:nvCxnSpPr>
+              <p:spPr>
+                <a:xfrm>
+                  <a:off x="2987824" y="929968"/>
+                  <a:ext cx="0" cy="324036"/>
+                </a:xfrm>
+                <a:prstGeom prst="line">
+                  <a:avLst/>
+                </a:prstGeom>
+                <a:ln>
+                  <a:solidFill>
+                    <a:schemeClr val="tx1"/>
+                  </a:solidFill>
+                </a:ln>
+              </p:spPr>
+              <p:style>
+                <a:lnRef idx="1">
+                  <a:schemeClr val="accent1"/>
+                </a:lnRef>
+                <a:fillRef idx="0">
+                  <a:schemeClr val="accent1"/>
+                </a:fillRef>
+                <a:effectRef idx="0">
+                  <a:schemeClr val="accent1"/>
+                </a:effectRef>
+                <a:fontRef idx="minor">
+                  <a:schemeClr val="tx1"/>
+                </a:fontRef>
+              </p:style>
+            </p:cxnSp>
+            <p:cxnSp>
+              <p:nvCxnSpPr>
+                <p:cNvPr id="1494" name="直接连接符 1493"/>
+                <p:cNvCxnSpPr/>
+                <p:nvPr/>
+              </p:nvCxnSpPr>
+              <p:spPr>
+                <a:xfrm>
+                  <a:off x="2992972" y="1575504"/>
+                  <a:ext cx="0" cy="324036"/>
+                </a:xfrm>
+                <a:prstGeom prst="line">
+                  <a:avLst/>
+                </a:prstGeom>
+                <a:ln>
+                  <a:solidFill>
+                    <a:schemeClr val="tx1"/>
+                  </a:solidFill>
+                </a:ln>
+              </p:spPr>
+              <p:style>
+                <a:lnRef idx="1">
+                  <a:schemeClr val="accent1"/>
+                </a:lnRef>
+                <a:fillRef idx="0">
+                  <a:schemeClr val="accent1"/>
+                </a:fillRef>
+                <a:effectRef idx="0">
+                  <a:schemeClr val="accent1"/>
+                </a:effectRef>
+                <a:fontRef idx="minor">
+                  <a:schemeClr val="tx1"/>
+                </a:fontRef>
+              </p:style>
+            </p:cxnSp>
+            <p:cxnSp>
+              <p:nvCxnSpPr>
+                <p:cNvPr id="1495" name="直接连接符 1494"/>
+                <p:cNvCxnSpPr/>
+                <p:nvPr/>
+              </p:nvCxnSpPr>
+              <p:spPr>
+                <a:xfrm>
+                  <a:off x="2987824" y="929968"/>
+                  <a:ext cx="576064" cy="345638"/>
+                </a:xfrm>
+                <a:prstGeom prst="line">
+                  <a:avLst/>
+                </a:prstGeom>
+                <a:ln>
+                  <a:solidFill>
+                    <a:schemeClr val="tx1"/>
+                  </a:solidFill>
+                </a:ln>
+              </p:spPr>
+              <p:style>
+                <a:lnRef idx="1">
+                  <a:schemeClr val="accent1"/>
+                </a:lnRef>
+                <a:fillRef idx="0">
+                  <a:schemeClr val="accent1"/>
+                </a:fillRef>
+                <a:effectRef idx="0">
+                  <a:schemeClr val="accent1"/>
+                </a:effectRef>
+                <a:fontRef idx="minor">
+                  <a:schemeClr val="tx1"/>
+                </a:fontRef>
+              </p:style>
+            </p:cxnSp>
+          </p:grpSp>
+          <p:cxnSp>
+            <p:nvCxnSpPr>
+              <p:cNvPr id="1481" name="直接连接符 1480"/>
+              <p:cNvCxnSpPr/>
+              <p:nvPr/>
+            </p:nvCxnSpPr>
+            <p:spPr>
+              <a:xfrm>
+                <a:off x="1832247" y="2926536"/>
+                <a:ext cx="0" cy="204375"/>
+              </a:xfrm>
+              <a:prstGeom prst="line">
+                <a:avLst/>
+              </a:prstGeom>
+            </p:spPr>
+            <p:style>
+              <a:lnRef idx="1">
+                <a:schemeClr val="accent1"/>
+              </a:lnRef>
+              <a:fillRef idx="0">
+                <a:schemeClr val="accent1"/>
+              </a:fillRef>
+              <a:effectRef idx="0">
+                <a:schemeClr val="accent1"/>
+              </a:effectRef>
+              <a:fontRef idx="minor">
+                <a:schemeClr val="tx1"/>
+              </a:fontRef>
+            </p:style>
+          </p:cxnSp>
+          <p:sp>
+            <p:nvSpPr>
+              <p:cNvPr id="1482" name="TextBox 1481"/>
+              <p:cNvSpPr txBox="1"/>
+              <p:nvPr/>
+            </p:nvSpPr>
+            <p:spPr>
+              <a:xfrm>
+                <a:off x="1428764" y="2793440"/>
+                <a:ext cx="841096" cy="142739"/>
+              </a:xfrm>
+              <a:prstGeom prst="rect">
+                <a:avLst/>
+              </a:prstGeom>
+              <a:noFill/>
+            </p:spPr>
+            <p:txBody>
+              <a:bodyPr wrap="square" rtlCol="0">
+                <a:spAutoFit/>
+              </a:bodyPr>
+              <a:lstStyle/>
+              <a:p>
+                <a:pPr algn="ctr"/>
+                <a:r>
+                  <a:rPr lang="en-US" altLang="zh-CN" sz="1000" dirty="0" err="1" smtClean="0"/>
+                  <a:t>EX_ALUFun</a:t>
+                </a:r>
+                <a:endParaRPr lang="en-US" altLang="zh-CN" sz="1000" dirty="0"/>
+              </a:p>
+            </p:txBody>
+          </p:sp>
+          <p:cxnSp>
+            <p:nvCxnSpPr>
+              <p:cNvPr id="1483" name="直接连接符 1482"/>
+              <p:cNvCxnSpPr/>
+              <p:nvPr/>
+            </p:nvCxnSpPr>
+            <p:spPr>
+              <a:xfrm>
+                <a:off x="1835696" y="3691733"/>
+                <a:ext cx="0" cy="204375"/>
+              </a:xfrm>
+              <a:prstGeom prst="line">
+                <a:avLst/>
+              </a:prstGeom>
+            </p:spPr>
+            <p:style>
+              <a:lnRef idx="1">
+                <a:schemeClr val="accent1"/>
+              </a:lnRef>
+              <a:fillRef idx="0">
+                <a:schemeClr val="accent1"/>
+              </a:fillRef>
+              <a:effectRef idx="0">
+                <a:schemeClr val="accent1"/>
+              </a:effectRef>
+              <a:fontRef idx="minor">
+                <a:schemeClr val="tx1"/>
+              </a:fontRef>
+            </p:style>
+          </p:cxnSp>
+          <p:sp>
+            <p:nvSpPr>
+              <p:cNvPr id="1484" name="TextBox 1483"/>
+              <p:cNvSpPr txBox="1"/>
+              <p:nvPr/>
+            </p:nvSpPr>
+            <p:spPr>
+              <a:xfrm>
+                <a:off x="1574896" y="3868474"/>
+                <a:ext cx="548832" cy="231951"/>
+              </a:xfrm>
+              <a:prstGeom prst="rect">
+                <a:avLst/>
+              </a:prstGeom>
+              <a:noFill/>
+            </p:spPr>
+            <p:txBody>
+              <a:bodyPr wrap="square" rtlCol="0">
+                <a:spAutoFit/>
+              </a:bodyPr>
+              <a:lstStyle/>
+              <a:p>
+                <a:pPr algn="ctr"/>
+                <a:r>
+                  <a:rPr lang="en-US" altLang="zh-CN" sz="1000" dirty="0" err="1" smtClean="0"/>
+                  <a:t>EX_Sign</a:t>
+                </a:r>
+                <a:endParaRPr lang="en-US" altLang="zh-CN" sz="1000" dirty="0"/>
+              </a:p>
+            </p:txBody>
+          </p:sp>
+          <p:cxnSp>
+            <p:nvCxnSpPr>
+              <p:cNvPr id="1485" name="直接连接符 1484"/>
+              <p:cNvCxnSpPr/>
+              <p:nvPr/>
+            </p:nvCxnSpPr>
+            <p:spPr>
+              <a:xfrm flipH="1">
+                <a:off x="2082266" y="3421328"/>
+                <a:ext cx="144016" cy="0"/>
+              </a:xfrm>
+              <a:prstGeom prst="line">
+                <a:avLst/>
+              </a:prstGeom>
+            </p:spPr>
+            <p:style>
+              <a:lnRef idx="1">
+                <a:schemeClr val="accent1"/>
+              </a:lnRef>
+              <a:fillRef idx="0">
+                <a:schemeClr val="accent1"/>
+              </a:fillRef>
+              <a:effectRef idx="0">
+                <a:schemeClr val="accent1"/>
+              </a:effectRef>
+              <a:fontRef idx="minor">
+                <a:schemeClr val="tx1"/>
+              </a:fontRef>
+            </p:style>
+          </p:cxnSp>
+          <p:sp>
+            <p:nvSpPr>
+              <p:cNvPr id="1486" name="TextBox 1485"/>
+              <p:cNvSpPr txBox="1"/>
+              <p:nvPr/>
+            </p:nvSpPr>
+            <p:spPr>
+              <a:xfrm>
+                <a:off x="2180208" y="3360723"/>
+                <a:ext cx="648964" cy="231951"/>
+              </a:xfrm>
+              <a:prstGeom prst="rect">
+                <a:avLst/>
+              </a:prstGeom>
+              <a:noFill/>
+            </p:spPr>
+            <p:txBody>
+              <a:bodyPr wrap="square" rtlCol="0">
+                <a:spAutoFit/>
+              </a:bodyPr>
+              <a:lstStyle/>
+              <a:p>
+                <a:r>
+                  <a:rPr lang="en-US" altLang="zh-CN" sz="1000" dirty="0" err="1" smtClean="0"/>
+                  <a:t>EX_ALUout</a:t>
+                </a:r>
+                <a:endParaRPr lang="zh-CN" altLang="en-US" sz="1000" dirty="0"/>
+              </a:p>
+            </p:txBody>
+          </p:sp>
+          <p:sp>
+            <p:nvSpPr>
+              <p:cNvPr id="1487" name="TextBox 1486"/>
+              <p:cNvSpPr txBox="1"/>
+              <p:nvPr/>
+            </p:nvSpPr>
+            <p:spPr>
+              <a:xfrm>
+                <a:off x="1898079" y="3351804"/>
+                <a:ext cx="216024" cy="142739"/>
+              </a:xfrm>
+              <a:prstGeom prst="rect">
+                <a:avLst/>
+              </a:prstGeom>
+              <a:noFill/>
+            </p:spPr>
+            <p:txBody>
+              <a:bodyPr wrap="square" rtlCol="0">
+                <a:spAutoFit/>
+              </a:bodyPr>
+              <a:lstStyle/>
+              <a:p>
+                <a:pPr algn="r"/>
+                <a:r>
+                  <a:rPr lang="en-US" altLang="zh-CN" sz="1000" dirty="0"/>
+                  <a:t>S</a:t>
+                </a:r>
+                <a:endParaRPr lang="zh-CN" altLang="en-US" sz="1000" dirty="0"/>
+              </a:p>
+            </p:txBody>
+          </p:sp>
+          <p:sp>
+            <p:nvSpPr>
+              <p:cNvPr id="1488" name="TextBox 1487"/>
+              <p:cNvSpPr txBox="1"/>
+              <p:nvPr/>
+            </p:nvSpPr>
+            <p:spPr>
+              <a:xfrm>
+                <a:off x="1656951" y="3238027"/>
+                <a:ext cx="346249" cy="366602"/>
+              </a:xfrm>
+              <a:prstGeom prst="rect">
+                <a:avLst/>
+              </a:prstGeom>
+              <a:noFill/>
+            </p:spPr>
+            <p:txBody>
+              <a:bodyPr vert="eaVert" wrap="square" rtlCol="0">
+                <a:spAutoFit/>
+              </a:bodyPr>
+              <a:lstStyle/>
+              <a:p>
+                <a:pPr algn="ctr"/>
+                <a:r>
+                  <a:rPr lang="en-US" altLang="zh-CN" sz="1050" b="1" dirty="0">
+                    <a:latin typeface="Consolas" panose="020B0609020204030204" pitchFamily="49" charset="0"/>
+                  </a:rPr>
+                  <a:t>ALU</a:t>
+                </a:r>
+                <a:endParaRPr lang="zh-CN" altLang="en-US" sz="1050" b="1" dirty="0">
+                  <a:latin typeface="Consolas" panose="020B0609020204030204" pitchFamily="49" charset="0"/>
+                </a:endParaRPr>
+              </a:p>
+            </p:txBody>
+          </p:sp>
+        </p:grpSp>
+        <p:grpSp>
+          <p:nvGrpSpPr>
+            <p:cNvPr id="1424" name="组合 1423"/>
+            <p:cNvGrpSpPr/>
+            <p:nvPr/>
+          </p:nvGrpSpPr>
+          <p:grpSpPr>
+            <a:xfrm>
+              <a:off x="27575279" y="16287072"/>
+              <a:ext cx="2129180" cy="1059115"/>
+              <a:chOff x="4211960" y="2352318"/>
+              <a:chExt cx="1783033" cy="886932"/>
+            </a:xfrm>
+          </p:grpSpPr>
+          <p:sp>
+            <p:nvSpPr>
+              <p:cNvPr id="1471" name="流程图: 手动操作 2"/>
+              <p:cNvSpPr/>
+              <p:nvPr/>
+            </p:nvSpPr>
+            <p:spPr>
+              <a:xfrm rot="16200000">
+                <a:off x="5056828" y="2844116"/>
+                <a:ext cx="595667" cy="194601"/>
+              </a:xfrm>
+              <a:custGeom>
+                <a:avLst/>
+                <a:gdLst>
+                  <a:gd name="connsiteX0" fmla="*/ 0 w 10000"/>
+                  <a:gd name="connsiteY0" fmla="*/ 0 h 10000"/>
+                  <a:gd name="connsiteX1" fmla="*/ 10000 w 10000"/>
+                  <a:gd name="connsiteY1" fmla="*/ 0 h 10000"/>
+                  <a:gd name="connsiteX2" fmla="*/ 8000 w 10000"/>
+                  <a:gd name="connsiteY2" fmla="*/ 10000 h 10000"/>
+                  <a:gd name="connsiteX3" fmla="*/ 2000 w 10000"/>
+                  <a:gd name="connsiteY3" fmla="*/ 10000 h 10000"/>
+                  <a:gd name="connsiteX4" fmla="*/ 0 w 10000"/>
+                  <a:gd name="connsiteY4" fmla="*/ 0 h 10000"/>
+                  <a:gd name="connsiteX0" fmla="*/ 0 w 10000"/>
+                  <a:gd name="connsiteY0" fmla="*/ 0 h 10178"/>
+                  <a:gd name="connsiteX1" fmla="*/ 10000 w 10000"/>
+                  <a:gd name="connsiteY1" fmla="*/ 0 h 10178"/>
+                  <a:gd name="connsiteX2" fmla="*/ 8691 w 10000"/>
+                  <a:gd name="connsiteY2" fmla="*/ 10178 h 10178"/>
+                  <a:gd name="connsiteX3" fmla="*/ 2000 w 10000"/>
+                  <a:gd name="connsiteY3" fmla="*/ 10000 h 10178"/>
+                  <a:gd name="connsiteX4" fmla="*/ 0 w 10000"/>
+                  <a:gd name="connsiteY4" fmla="*/ 0 h 10178"/>
+                  <a:gd name="connsiteX0" fmla="*/ 0 w 10000"/>
+                  <a:gd name="connsiteY0" fmla="*/ 0 h 10178"/>
+                  <a:gd name="connsiteX1" fmla="*/ 10000 w 10000"/>
+                  <a:gd name="connsiteY1" fmla="*/ 0 h 10178"/>
+                  <a:gd name="connsiteX2" fmla="*/ 8691 w 10000"/>
+                  <a:gd name="connsiteY2" fmla="*/ 10178 h 10178"/>
+                  <a:gd name="connsiteX3" fmla="*/ 2000 w 10000"/>
+                  <a:gd name="connsiteY3" fmla="*/ 10000 h 10178"/>
+                  <a:gd name="connsiteX4" fmla="*/ 1088 w 10000"/>
+                  <a:gd name="connsiteY4" fmla="*/ 9879 h 10178"/>
+                  <a:gd name="connsiteX5" fmla="*/ 0 w 10000"/>
+                  <a:gd name="connsiteY5" fmla="*/ 0 h 10178"/>
+                </a:gdLst>
+                <a:ahLst/>
+                <a:cxnLst>
+                  <a:cxn ang="0">
+                    <a:pos x="connsiteX0" y="connsiteY0"/>
+                  </a:cxn>
+                  <a:cxn ang="0">
+                    <a:pos x="connsiteX1" y="connsiteY1"/>
+                  </a:cxn>
+                  <a:cxn ang="0">
+                    <a:pos x="connsiteX2" y="connsiteY2"/>
+                  </a:cxn>
+                  <a:cxn ang="0">
+                    <a:pos x="connsiteX3" y="connsiteY3"/>
+                  </a:cxn>
+                  <a:cxn ang="0">
+                    <a:pos x="connsiteX4" y="connsiteY4"/>
+                  </a:cxn>
+                  <a:cxn ang="0">
+                    <a:pos x="connsiteX5" y="connsiteY5"/>
+                  </a:cxn>
+                </a:cxnLst>
+                <a:rect l="l" t="t" r="r" b="b"/>
+                <a:pathLst>
+                  <a:path w="10000" h="10178">
+                    <a:moveTo>
+                      <a:pt x="0" y="0"/>
+                    </a:moveTo>
+                    <a:lnTo>
+                      <a:pt x="10000" y="0"/>
+                    </a:lnTo>
+                    <a:lnTo>
+                      <a:pt x="8691" y="10178"/>
+                    </a:lnTo>
+                    <a:lnTo>
+                      <a:pt x="2000" y="10000"/>
+                    </a:lnTo>
+                    <a:cubicBezTo>
+                      <a:pt x="1975" y="9960"/>
+                      <a:pt x="1113" y="9919"/>
+                      <a:pt x="1088" y="9879"/>
+                    </a:cubicBezTo>
+                    <a:lnTo>
+                      <a:pt x="0" y="0"/>
+                    </a:lnTo>
+                    <a:close/>
+                  </a:path>
+                </a:pathLst>
+              </a:custGeom>
+              <a:noFill/>
+              <a:ln w="12700">
+                <a:solidFill>
+                  <a:schemeClr val="tx1"/>
+                </a:solidFill>
+              </a:ln>
+            </p:spPr>
+            <p:style>
+              <a:lnRef idx="2">
+                <a:schemeClr val="accent1">
+                  <a:shade val="50000"/>
+                </a:schemeClr>
+              </a:lnRef>
+              <a:fillRef idx="1">
+                <a:schemeClr val="accent1"/>
+              </a:fillRef>
+              <a:effectRef idx="0">
+                <a:schemeClr val="accent1"/>
+              </a:effectRef>
+              <a:fontRef idx="minor">
+                <a:schemeClr val="lt1"/>
+              </a:fontRef>
+            </p:style>
+            <p:txBody>
+              <a:bodyPr rtlCol="0" anchor="ctr"/>
+              <a:lstStyle/>
+              <a:p>
+                <a:pPr algn="ctr"/>
+                <a:endParaRPr lang="zh-CN" altLang="en-US" sz="18600"/>
+              </a:p>
+            </p:txBody>
+          </p:sp>
+          <p:cxnSp>
+            <p:nvCxnSpPr>
+              <p:cNvPr id="1472" name="直接连接符 1471"/>
+              <p:cNvCxnSpPr/>
+              <p:nvPr/>
+            </p:nvCxnSpPr>
+            <p:spPr>
+              <a:xfrm>
+                <a:off x="5371396" y="2543186"/>
+                <a:ext cx="0" cy="144016"/>
+              </a:xfrm>
+              <a:prstGeom prst="line">
+                <a:avLst/>
+              </a:prstGeom>
+            </p:spPr>
+            <p:style>
+              <a:lnRef idx="1">
+                <a:schemeClr val="accent1"/>
+              </a:lnRef>
+              <a:fillRef idx="0">
+                <a:schemeClr val="accent1"/>
+              </a:fillRef>
+              <a:effectRef idx="0">
+                <a:schemeClr val="accent1"/>
+              </a:effectRef>
+              <a:fontRef idx="minor">
+                <a:schemeClr val="tx1"/>
+              </a:fontRef>
+            </p:style>
+          </p:cxnSp>
+          <p:sp>
+            <p:nvSpPr>
+              <p:cNvPr id="1473" name="TextBox 1472"/>
+              <p:cNvSpPr txBox="1"/>
+              <p:nvPr/>
+            </p:nvSpPr>
+            <p:spPr>
+              <a:xfrm>
+                <a:off x="4834629" y="2352318"/>
+                <a:ext cx="743000" cy="400110"/>
+              </a:xfrm>
+              <a:prstGeom prst="rect">
+                <a:avLst/>
+              </a:prstGeom>
+              <a:noFill/>
+            </p:spPr>
+            <p:txBody>
+              <a:bodyPr wrap="square" rtlCol="0">
+                <a:spAutoFit/>
+              </a:bodyPr>
+              <a:lstStyle/>
+              <a:p>
+                <a:pPr algn="ctr"/>
+                <a:r>
+                  <a:rPr lang="en-US" altLang="zh-CN" sz="1000" dirty="0" smtClean="0"/>
+                  <a:t>EX_ALUSrc1</a:t>
+                </a:r>
+                <a:endParaRPr lang="zh-CN" altLang="en-US" sz="1000" dirty="0"/>
+              </a:p>
+            </p:txBody>
+          </p:sp>
+          <p:cxnSp>
+            <p:nvCxnSpPr>
+              <p:cNvPr id="1474" name="直接连接符 1473"/>
+              <p:cNvCxnSpPr/>
+              <p:nvPr/>
+            </p:nvCxnSpPr>
+            <p:spPr>
+              <a:xfrm flipH="1">
+                <a:off x="5113341" y="2838648"/>
+                <a:ext cx="144016" cy="0"/>
+              </a:xfrm>
+              <a:prstGeom prst="line">
+                <a:avLst/>
+              </a:prstGeom>
+            </p:spPr>
+            <p:style>
+              <a:lnRef idx="1">
+                <a:schemeClr val="accent1"/>
+              </a:lnRef>
+              <a:fillRef idx="0">
+                <a:schemeClr val="accent1"/>
+              </a:fillRef>
+              <a:effectRef idx="0">
+                <a:schemeClr val="accent1"/>
+              </a:effectRef>
+              <a:fontRef idx="minor">
+                <a:schemeClr val="tx1"/>
+              </a:fontRef>
+            </p:style>
+          </p:cxnSp>
+          <p:cxnSp>
+            <p:nvCxnSpPr>
+              <p:cNvPr id="1475" name="直接连接符 1474"/>
+              <p:cNvCxnSpPr/>
+              <p:nvPr/>
+            </p:nvCxnSpPr>
+            <p:spPr>
+              <a:xfrm flipH="1">
+                <a:off x="5113341" y="3048974"/>
+                <a:ext cx="144016" cy="0"/>
+              </a:xfrm>
+              <a:prstGeom prst="line">
+                <a:avLst/>
+              </a:prstGeom>
+            </p:spPr>
+            <p:style>
+              <a:lnRef idx="1">
+                <a:schemeClr val="accent1"/>
+              </a:lnRef>
+              <a:fillRef idx="0">
+                <a:schemeClr val="accent1"/>
+              </a:fillRef>
+              <a:effectRef idx="0">
+                <a:schemeClr val="accent1"/>
+              </a:effectRef>
+              <a:fontRef idx="minor">
+                <a:schemeClr val="tx1"/>
+              </a:fontRef>
+            </p:style>
+          </p:cxnSp>
+          <p:sp>
+            <p:nvSpPr>
+              <p:cNvPr id="1476" name="TextBox 1475"/>
+              <p:cNvSpPr txBox="1"/>
+              <p:nvPr/>
+            </p:nvSpPr>
+            <p:spPr>
+              <a:xfrm>
+                <a:off x="4211960" y="2733873"/>
+                <a:ext cx="960026" cy="246221"/>
+              </a:xfrm>
+              <a:prstGeom prst="rect">
+                <a:avLst/>
+              </a:prstGeom>
+              <a:noFill/>
+            </p:spPr>
+            <p:txBody>
+              <a:bodyPr wrap="square" rtlCol="0">
+                <a:spAutoFit/>
+              </a:bodyPr>
+              <a:lstStyle/>
+              <a:p>
+                <a:pPr algn="r"/>
+                <a:r>
+                  <a:rPr lang="en-US" altLang="zh-CN" sz="1000" dirty="0" err="1" smtClean="0"/>
+                  <a:t>EX_shamt</a:t>
+                </a:r>
+                <a:endParaRPr lang="zh-CN" altLang="en-US" sz="1000" dirty="0"/>
+              </a:p>
+            </p:txBody>
+          </p:sp>
+          <p:sp>
+            <p:nvSpPr>
+              <p:cNvPr id="1477" name="TextBox 1476"/>
+              <p:cNvSpPr txBox="1"/>
+              <p:nvPr/>
+            </p:nvSpPr>
+            <p:spPr>
+              <a:xfrm>
+                <a:off x="4495996" y="2936717"/>
+                <a:ext cx="684081" cy="246221"/>
+              </a:xfrm>
+              <a:prstGeom prst="rect">
+                <a:avLst/>
+              </a:prstGeom>
+              <a:noFill/>
+            </p:spPr>
+            <p:txBody>
+              <a:bodyPr wrap="square" rtlCol="0">
+                <a:spAutoFit/>
+              </a:bodyPr>
+              <a:lstStyle/>
+              <a:p>
+                <a:pPr algn="r"/>
+                <a:r>
+                  <a:rPr lang="en-US" altLang="zh-CN" sz="1000" dirty="0" err="1" smtClean="0"/>
+                  <a:t>EX_dataA</a:t>
+                </a:r>
+                <a:endParaRPr lang="zh-CN" altLang="en-US" sz="1000" dirty="0"/>
+              </a:p>
+            </p:txBody>
+          </p:sp>
+          <p:cxnSp>
+            <p:nvCxnSpPr>
+              <p:cNvPr id="1478" name="直接连接符 1477"/>
+              <p:cNvCxnSpPr/>
+              <p:nvPr/>
+            </p:nvCxnSpPr>
+            <p:spPr>
+              <a:xfrm flipH="1">
+                <a:off x="5448092" y="2906983"/>
+                <a:ext cx="546901" cy="0"/>
+              </a:xfrm>
+              <a:prstGeom prst="line">
+                <a:avLst/>
+              </a:prstGeom>
+            </p:spPr>
+            <p:style>
+              <a:lnRef idx="1">
+                <a:schemeClr val="accent1"/>
+              </a:lnRef>
+              <a:fillRef idx="0">
+                <a:schemeClr val="accent1"/>
+              </a:fillRef>
+              <a:effectRef idx="0">
+                <a:schemeClr val="accent1"/>
+              </a:effectRef>
+              <a:fontRef idx="minor">
+                <a:schemeClr val="tx1"/>
+              </a:fontRef>
+            </p:style>
+          </p:cxnSp>
+          <p:sp>
+            <p:nvSpPr>
+              <p:cNvPr id="1479" name="TextBox 1478"/>
+              <p:cNvSpPr txBox="1"/>
+              <p:nvPr/>
+            </p:nvSpPr>
+            <p:spPr>
+              <a:xfrm>
+                <a:off x="5232530" y="2936717"/>
+                <a:ext cx="187332" cy="246221"/>
+              </a:xfrm>
+              <a:prstGeom prst="rect">
+                <a:avLst/>
+              </a:prstGeom>
+              <a:noFill/>
+            </p:spPr>
+            <p:txBody>
+              <a:bodyPr wrap="square" rtlCol="0">
+                <a:spAutoFit/>
+              </a:bodyPr>
+              <a:lstStyle/>
+              <a:p>
+                <a:pPr algn="ctr"/>
+                <a:r>
+                  <a:rPr lang="en-US" altLang="zh-CN" sz="1000" dirty="0"/>
+                  <a:t>1</a:t>
+                </a:r>
+                <a:endParaRPr lang="zh-CN" altLang="en-US" sz="1000" dirty="0"/>
+              </a:p>
+            </p:txBody>
+          </p:sp>
+        </p:grpSp>
+        <p:grpSp>
+          <p:nvGrpSpPr>
+            <p:cNvPr id="1425" name="组合 1424"/>
+            <p:cNvGrpSpPr/>
+            <p:nvPr/>
+          </p:nvGrpSpPr>
+          <p:grpSpPr>
+            <a:xfrm>
+              <a:off x="29056005" y="17787229"/>
+              <a:ext cx="1140972" cy="1285528"/>
+              <a:chOff x="4674196" y="2336123"/>
+              <a:chExt cx="955482" cy="1076536"/>
+            </a:xfrm>
+          </p:grpSpPr>
+          <p:sp>
+            <p:nvSpPr>
+              <p:cNvPr id="1463" name="流程图: 手动操作 2"/>
+              <p:cNvSpPr/>
+              <p:nvPr/>
+            </p:nvSpPr>
+            <p:spPr>
+              <a:xfrm rot="16200000">
+                <a:off x="5056828" y="2536656"/>
+                <a:ext cx="595667" cy="194601"/>
+              </a:xfrm>
+              <a:custGeom>
+                <a:avLst/>
+                <a:gdLst>
+                  <a:gd name="connsiteX0" fmla="*/ 0 w 10000"/>
+                  <a:gd name="connsiteY0" fmla="*/ 0 h 10000"/>
+                  <a:gd name="connsiteX1" fmla="*/ 10000 w 10000"/>
+                  <a:gd name="connsiteY1" fmla="*/ 0 h 10000"/>
+                  <a:gd name="connsiteX2" fmla="*/ 8000 w 10000"/>
+                  <a:gd name="connsiteY2" fmla="*/ 10000 h 10000"/>
+                  <a:gd name="connsiteX3" fmla="*/ 2000 w 10000"/>
+                  <a:gd name="connsiteY3" fmla="*/ 10000 h 10000"/>
+                  <a:gd name="connsiteX4" fmla="*/ 0 w 10000"/>
+                  <a:gd name="connsiteY4" fmla="*/ 0 h 10000"/>
+                  <a:gd name="connsiteX0" fmla="*/ 0 w 10000"/>
+                  <a:gd name="connsiteY0" fmla="*/ 0 h 10178"/>
+                  <a:gd name="connsiteX1" fmla="*/ 10000 w 10000"/>
+                  <a:gd name="connsiteY1" fmla="*/ 0 h 10178"/>
+                  <a:gd name="connsiteX2" fmla="*/ 8691 w 10000"/>
+                  <a:gd name="connsiteY2" fmla="*/ 10178 h 10178"/>
+                  <a:gd name="connsiteX3" fmla="*/ 2000 w 10000"/>
+                  <a:gd name="connsiteY3" fmla="*/ 10000 h 10178"/>
+                  <a:gd name="connsiteX4" fmla="*/ 0 w 10000"/>
+                  <a:gd name="connsiteY4" fmla="*/ 0 h 10178"/>
+                  <a:gd name="connsiteX0" fmla="*/ 0 w 10000"/>
+                  <a:gd name="connsiteY0" fmla="*/ 0 h 10178"/>
+                  <a:gd name="connsiteX1" fmla="*/ 10000 w 10000"/>
+                  <a:gd name="connsiteY1" fmla="*/ 0 h 10178"/>
+                  <a:gd name="connsiteX2" fmla="*/ 8691 w 10000"/>
+                  <a:gd name="connsiteY2" fmla="*/ 10178 h 10178"/>
+                  <a:gd name="connsiteX3" fmla="*/ 2000 w 10000"/>
+                  <a:gd name="connsiteY3" fmla="*/ 10000 h 10178"/>
+                  <a:gd name="connsiteX4" fmla="*/ 1088 w 10000"/>
+                  <a:gd name="connsiteY4" fmla="*/ 9879 h 10178"/>
+                  <a:gd name="connsiteX5" fmla="*/ 0 w 10000"/>
+                  <a:gd name="connsiteY5" fmla="*/ 0 h 10178"/>
+                </a:gdLst>
+                <a:ahLst/>
+                <a:cxnLst>
+                  <a:cxn ang="0">
+                    <a:pos x="connsiteX0" y="connsiteY0"/>
+                  </a:cxn>
+                  <a:cxn ang="0">
+                    <a:pos x="connsiteX1" y="connsiteY1"/>
+                  </a:cxn>
+                  <a:cxn ang="0">
+                    <a:pos x="connsiteX2" y="connsiteY2"/>
+                  </a:cxn>
+                  <a:cxn ang="0">
+                    <a:pos x="connsiteX3" y="connsiteY3"/>
+                  </a:cxn>
+                  <a:cxn ang="0">
+                    <a:pos x="connsiteX4" y="connsiteY4"/>
+                  </a:cxn>
+                  <a:cxn ang="0">
+                    <a:pos x="connsiteX5" y="connsiteY5"/>
+                  </a:cxn>
+                </a:cxnLst>
+                <a:rect l="l" t="t" r="r" b="b"/>
+                <a:pathLst>
+                  <a:path w="10000" h="10178">
+                    <a:moveTo>
+                      <a:pt x="0" y="0"/>
+                    </a:moveTo>
+                    <a:lnTo>
+                      <a:pt x="10000" y="0"/>
+                    </a:lnTo>
+                    <a:lnTo>
+                      <a:pt x="8691" y="10178"/>
+                    </a:lnTo>
+                    <a:lnTo>
+                      <a:pt x="2000" y="10000"/>
+                    </a:lnTo>
+                    <a:cubicBezTo>
+                      <a:pt x="1975" y="9960"/>
+                      <a:pt x="1113" y="9919"/>
+                      <a:pt x="1088" y="9879"/>
+                    </a:cubicBezTo>
+                    <a:lnTo>
+                      <a:pt x="0" y="0"/>
+                    </a:lnTo>
+                    <a:close/>
+                  </a:path>
+                </a:pathLst>
+              </a:custGeom>
+              <a:noFill/>
+              <a:ln w="12700">
+                <a:solidFill>
+                  <a:schemeClr val="tx1"/>
+                </a:solidFill>
+              </a:ln>
+            </p:spPr>
+            <p:style>
+              <a:lnRef idx="2">
+                <a:schemeClr val="accent1">
+                  <a:shade val="50000"/>
+                </a:schemeClr>
+              </a:lnRef>
+              <a:fillRef idx="1">
+                <a:schemeClr val="accent1"/>
+              </a:fillRef>
+              <a:effectRef idx="0">
+                <a:schemeClr val="accent1"/>
+              </a:effectRef>
+              <a:fontRef idx="minor">
+                <a:schemeClr val="lt1"/>
+              </a:fontRef>
+            </p:style>
+            <p:txBody>
+              <a:bodyPr rtlCol="0" anchor="ctr"/>
+              <a:lstStyle/>
+              <a:p>
+                <a:pPr algn="ctr"/>
+                <a:endParaRPr lang="zh-CN" altLang="en-US" sz="18600"/>
+              </a:p>
+            </p:txBody>
+          </p:sp>
+          <p:cxnSp>
+            <p:nvCxnSpPr>
+              <p:cNvPr id="1464" name="直接连接符 1463"/>
+              <p:cNvCxnSpPr/>
+              <p:nvPr/>
+            </p:nvCxnSpPr>
+            <p:spPr>
+              <a:xfrm>
+                <a:off x="5371396" y="2900704"/>
+                <a:ext cx="0" cy="144016"/>
+              </a:xfrm>
+              <a:prstGeom prst="line">
+                <a:avLst/>
+              </a:prstGeom>
+            </p:spPr>
+            <p:style>
+              <a:lnRef idx="1">
+                <a:schemeClr val="accent1"/>
+              </a:lnRef>
+              <a:fillRef idx="0">
+                <a:schemeClr val="accent1"/>
+              </a:fillRef>
+              <a:effectRef idx="0">
+                <a:schemeClr val="accent1"/>
+              </a:effectRef>
+              <a:fontRef idx="minor">
+                <a:schemeClr val="tx1"/>
+              </a:fontRef>
+            </p:style>
+          </p:cxnSp>
+          <p:sp>
+            <p:nvSpPr>
+              <p:cNvPr id="1465" name="TextBox 1464"/>
+              <p:cNvSpPr txBox="1"/>
+              <p:nvPr/>
+            </p:nvSpPr>
+            <p:spPr>
+              <a:xfrm>
+                <a:off x="4886678" y="3012549"/>
+                <a:ext cx="743000" cy="400110"/>
+              </a:xfrm>
+              <a:prstGeom prst="rect">
+                <a:avLst/>
+              </a:prstGeom>
+              <a:noFill/>
+            </p:spPr>
+            <p:txBody>
+              <a:bodyPr wrap="square" rtlCol="0">
+                <a:spAutoFit/>
+              </a:bodyPr>
+              <a:lstStyle/>
+              <a:p>
+                <a:pPr algn="ctr"/>
+                <a:r>
+                  <a:rPr lang="en-US" altLang="zh-CN" sz="1000" dirty="0" smtClean="0"/>
+                  <a:t>EX_ALUSrc2</a:t>
+                </a:r>
+                <a:endParaRPr lang="zh-CN" altLang="en-US" sz="1000" dirty="0"/>
+              </a:p>
+            </p:txBody>
+          </p:sp>
+          <p:cxnSp>
+            <p:nvCxnSpPr>
+              <p:cNvPr id="1466" name="直接连接符 1465"/>
+              <p:cNvCxnSpPr/>
+              <p:nvPr/>
+            </p:nvCxnSpPr>
+            <p:spPr>
+              <a:xfrm flipH="1" flipV="1">
+                <a:off x="4676465" y="2739866"/>
+                <a:ext cx="580892" cy="1648"/>
+              </a:xfrm>
+              <a:prstGeom prst="line">
+                <a:avLst/>
+              </a:prstGeom>
+            </p:spPr>
+            <p:style>
+              <a:lnRef idx="1">
+                <a:schemeClr val="accent1"/>
+              </a:lnRef>
+              <a:fillRef idx="0">
+                <a:schemeClr val="accent1"/>
+              </a:fillRef>
+              <a:effectRef idx="0">
+                <a:schemeClr val="accent1"/>
+              </a:effectRef>
+              <a:fontRef idx="minor">
+                <a:schemeClr val="tx1"/>
+              </a:fontRef>
+            </p:style>
+          </p:cxnSp>
+          <p:cxnSp>
+            <p:nvCxnSpPr>
+              <p:cNvPr id="1468" name="直接连接符 1467"/>
+              <p:cNvCxnSpPr/>
+              <p:nvPr/>
+            </p:nvCxnSpPr>
+            <p:spPr>
+              <a:xfrm flipH="1" flipV="1">
+                <a:off x="5448093" y="2599522"/>
+                <a:ext cx="112732" cy="716"/>
+              </a:xfrm>
+              <a:prstGeom prst="line">
+                <a:avLst/>
+              </a:prstGeom>
+            </p:spPr>
+            <p:style>
+              <a:lnRef idx="1">
+                <a:schemeClr val="accent1"/>
+              </a:lnRef>
+              <a:fillRef idx="0">
+                <a:schemeClr val="accent1"/>
+              </a:fillRef>
+              <a:effectRef idx="0">
+                <a:schemeClr val="accent1"/>
+              </a:effectRef>
+              <a:fontRef idx="minor">
+                <a:schemeClr val="tx1"/>
+              </a:fontRef>
+            </p:style>
+          </p:cxnSp>
+          <p:sp>
+            <p:nvSpPr>
+              <p:cNvPr id="1469" name="TextBox 1468"/>
+              <p:cNvSpPr txBox="1"/>
+              <p:nvPr/>
+            </p:nvSpPr>
+            <p:spPr>
+              <a:xfrm>
+                <a:off x="5245106" y="2437112"/>
+                <a:ext cx="187332" cy="246221"/>
+              </a:xfrm>
+              <a:prstGeom prst="rect">
+                <a:avLst/>
+              </a:prstGeom>
+              <a:noFill/>
+            </p:spPr>
+            <p:txBody>
+              <a:bodyPr wrap="square" rtlCol="0">
+                <a:spAutoFit/>
+              </a:bodyPr>
+              <a:lstStyle/>
+              <a:p>
+                <a:pPr algn="ctr"/>
+                <a:r>
+                  <a:rPr lang="en-US" altLang="zh-CN" sz="1000" dirty="0"/>
+                  <a:t>0</a:t>
+                </a:r>
+                <a:endParaRPr lang="zh-CN" altLang="en-US" sz="1000" dirty="0"/>
+              </a:p>
+            </p:txBody>
+          </p:sp>
+          <p:sp>
+            <p:nvSpPr>
+              <p:cNvPr id="1470" name="TextBox 1469"/>
+              <p:cNvSpPr txBox="1"/>
+              <p:nvPr/>
+            </p:nvSpPr>
+            <p:spPr>
+              <a:xfrm>
+                <a:off x="5232530" y="2629257"/>
+                <a:ext cx="187332" cy="246221"/>
+              </a:xfrm>
+              <a:prstGeom prst="rect">
+                <a:avLst/>
+              </a:prstGeom>
+              <a:noFill/>
+            </p:spPr>
+            <p:txBody>
+              <a:bodyPr wrap="square" rtlCol="0">
+                <a:spAutoFit/>
+              </a:bodyPr>
+              <a:lstStyle/>
+              <a:p>
+                <a:pPr algn="ctr"/>
+                <a:r>
+                  <a:rPr lang="en-US" altLang="zh-CN" sz="1000" dirty="0"/>
+                  <a:t>1</a:t>
+                </a:r>
+                <a:endParaRPr lang="zh-CN" altLang="en-US" sz="1000" dirty="0"/>
+              </a:p>
+            </p:txBody>
+          </p:sp>
+          <p:cxnSp>
+            <p:nvCxnSpPr>
+              <p:cNvPr id="806" name="直接连接符 805"/>
+              <p:cNvCxnSpPr/>
+              <p:nvPr/>
+            </p:nvCxnSpPr>
+            <p:spPr>
+              <a:xfrm flipH="1" flipV="1">
+                <a:off x="4674196" y="3335304"/>
+                <a:ext cx="948102" cy="7778"/>
+              </a:xfrm>
+              <a:prstGeom prst="line">
+                <a:avLst/>
+              </a:prstGeom>
+            </p:spPr>
+            <p:style>
+              <a:lnRef idx="1">
+                <a:schemeClr val="accent1"/>
+              </a:lnRef>
+              <a:fillRef idx="0">
+                <a:schemeClr val="accent1"/>
+              </a:fillRef>
+              <a:effectRef idx="0">
+                <a:schemeClr val="accent1"/>
+              </a:effectRef>
+              <a:fontRef idx="minor">
+                <a:schemeClr val="tx1"/>
+              </a:fontRef>
+            </p:style>
+          </p:cxnSp>
+        </p:grpSp>
+        <p:sp>
+          <p:nvSpPr>
+            <p:cNvPr id="1426" name="流程图: 手动操作 2"/>
+            <p:cNvSpPr/>
+            <p:nvPr/>
+          </p:nvSpPr>
+          <p:spPr>
+            <a:xfrm rot="16200000">
+              <a:off x="29344532" y="16552051"/>
+              <a:ext cx="950625" cy="232379"/>
+            </a:xfrm>
+            <a:custGeom>
+              <a:avLst/>
+              <a:gdLst>
+                <a:gd name="connsiteX0" fmla="*/ 0 w 10000"/>
+                <a:gd name="connsiteY0" fmla="*/ 0 h 10000"/>
+                <a:gd name="connsiteX1" fmla="*/ 10000 w 10000"/>
+                <a:gd name="connsiteY1" fmla="*/ 0 h 10000"/>
+                <a:gd name="connsiteX2" fmla="*/ 8000 w 10000"/>
+                <a:gd name="connsiteY2" fmla="*/ 10000 h 10000"/>
+                <a:gd name="connsiteX3" fmla="*/ 2000 w 10000"/>
+                <a:gd name="connsiteY3" fmla="*/ 10000 h 10000"/>
+                <a:gd name="connsiteX4" fmla="*/ 0 w 10000"/>
+                <a:gd name="connsiteY4" fmla="*/ 0 h 10000"/>
+                <a:gd name="connsiteX0" fmla="*/ 0 w 10000"/>
+                <a:gd name="connsiteY0" fmla="*/ 0 h 10178"/>
+                <a:gd name="connsiteX1" fmla="*/ 10000 w 10000"/>
+                <a:gd name="connsiteY1" fmla="*/ 0 h 10178"/>
+                <a:gd name="connsiteX2" fmla="*/ 8691 w 10000"/>
+                <a:gd name="connsiteY2" fmla="*/ 10178 h 10178"/>
+                <a:gd name="connsiteX3" fmla="*/ 2000 w 10000"/>
+                <a:gd name="connsiteY3" fmla="*/ 10000 h 10178"/>
+                <a:gd name="connsiteX4" fmla="*/ 0 w 10000"/>
+                <a:gd name="connsiteY4" fmla="*/ 0 h 10178"/>
+                <a:gd name="connsiteX0" fmla="*/ 0 w 10000"/>
+                <a:gd name="connsiteY0" fmla="*/ 0 h 10178"/>
+                <a:gd name="connsiteX1" fmla="*/ 10000 w 10000"/>
+                <a:gd name="connsiteY1" fmla="*/ 0 h 10178"/>
+                <a:gd name="connsiteX2" fmla="*/ 8691 w 10000"/>
+                <a:gd name="connsiteY2" fmla="*/ 10178 h 10178"/>
+                <a:gd name="connsiteX3" fmla="*/ 2000 w 10000"/>
+                <a:gd name="connsiteY3" fmla="*/ 10000 h 10178"/>
+                <a:gd name="connsiteX4" fmla="*/ 1088 w 10000"/>
+                <a:gd name="connsiteY4" fmla="*/ 9879 h 10178"/>
+                <a:gd name="connsiteX5" fmla="*/ 0 w 10000"/>
+                <a:gd name="connsiteY5" fmla="*/ 0 h 10178"/>
+              </a:gdLst>
+              <a:ahLst/>
+              <a:cxnLst>
+                <a:cxn ang="0">
+                  <a:pos x="connsiteX0" y="connsiteY0"/>
+                </a:cxn>
+                <a:cxn ang="0">
+                  <a:pos x="connsiteX1" y="connsiteY1"/>
+                </a:cxn>
+                <a:cxn ang="0">
+                  <a:pos x="connsiteX2" y="connsiteY2"/>
+                </a:cxn>
+                <a:cxn ang="0">
+                  <a:pos x="connsiteX3" y="connsiteY3"/>
+                </a:cxn>
+                <a:cxn ang="0">
+                  <a:pos x="connsiteX4" y="connsiteY4"/>
+                </a:cxn>
+                <a:cxn ang="0">
+                  <a:pos x="connsiteX5" y="connsiteY5"/>
+                </a:cxn>
+              </a:cxnLst>
+              <a:rect l="l" t="t" r="r" b="b"/>
+              <a:pathLst>
+                <a:path w="10000" h="10178">
+                  <a:moveTo>
+                    <a:pt x="0" y="0"/>
+                  </a:moveTo>
+                  <a:lnTo>
+                    <a:pt x="10000" y="0"/>
+                  </a:lnTo>
+                  <a:lnTo>
+                    <a:pt x="8691" y="10178"/>
+                  </a:lnTo>
+                  <a:lnTo>
+                    <a:pt x="2000" y="10000"/>
+                  </a:lnTo>
+                  <a:cubicBezTo>
+                    <a:pt x="1975" y="9960"/>
+                    <a:pt x="1113" y="9919"/>
+                    <a:pt x="1088" y="9879"/>
+                  </a:cubicBezTo>
+                  <a:lnTo>
+                    <a:pt x="0" y="0"/>
+                  </a:lnTo>
+                  <a:close/>
+                </a:path>
+              </a:pathLst>
+            </a:custGeom>
+            <a:noFill/>
+            <a:ln w="12700">
+              <a:solidFill>
+                <a:schemeClr val="tx1"/>
+              </a:solidFill>
+            </a:ln>
+          </p:spPr>
+          <p:style>
+            <a:lnRef idx="2">
+              <a:schemeClr val="accent1">
+                <a:shade val="50000"/>
+              </a:schemeClr>
+            </a:lnRef>
+            <a:fillRef idx="1">
+              <a:schemeClr val="accent1"/>
+            </a:fillRef>
+            <a:effectRef idx="0">
+              <a:schemeClr val="accent1"/>
+            </a:effectRef>
+            <a:fontRef idx="minor">
+              <a:schemeClr val="lt1"/>
+            </a:fontRef>
+          </p:style>
+          <p:txBody>
+            <a:bodyPr rtlCol="0" anchor="ctr"/>
+            <a:lstStyle/>
+            <a:p>
+              <a:pPr algn="ctr"/>
+              <a:endParaRPr lang="zh-CN" altLang="en-US" sz="18600"/>
+            </a:p>
+          </p:txBody>
+        </p:sp>
+        <p:cxnSp>
+          <p:nvCxnSpPr>
+            <p:cNvPr id="1427" name="直接连接符 1426"/>
+            <p:cNvCxnSpPr/>
+            <p:nvPr/>
+          </p:nvCxnSpPr>
+          <p:spPr>
+            <a:xfrm>
+              <a:off x="29826345" y="16091006"/>
+              <a:ext cx="0" cy="171974"/>
+            </a:xfrm>
+            <a:prstGeom prst="line">
+              <a:avLst/>
+            </a:prstGeom>
+          </p:spPr>
+          <p:style>
+            <a:lnRef idx="1">
+              <a:schemeClr val="accent1"/>
+            </a:lnRef>
+            <a:fillRef idx="0">
+              <a:schemeClr val="accent1"/>
+            </a:fillRef>
+            <a:effectRef idx="0">
+              <a:schemeClr val="accent1"/>
+            </a:effectRef>
+            <a:fontRef idx="minor">
+              <a:schemeClr val="tx1"/>
+            </a:fontRef>
+          </p:style>
+        </p:cxnSp>
+        <p:sp>
+          <p:nvSpPr>
+            <p:cNvPr id="1428" name="TextBox 1427"/>
+            <p:cNvSpPr txBox="1"/>
+            <p:nvPr/>
+          </p:nvSpPr>
+          <p:spPr>
+            <a:xfrm>
+              <a:off x="29388870" y="15811361"/>
+              <a:ext cx="887241" cy="294021"/>
+            </a:xfrm>
+            <a:prstGeom prst="rect">
+              <a:avLst/>
+            </a:prstGeom>
+            <a:noFill/>
+          </p:spPr>
+          <p:txBody>
+            <a:bodyPr wrap="square" rtlCol="0">
+              <a:spAutoFit/>
+            </a:bodyPr>
+            <a:lstStyle/>
+            <a:p>
+              <a:pPr algn="ctr"/>
+              <a:r>
+                <a:rPr lang="en-US" altLang="zh-CN" sz="1000" dirty="0" err="1" smtClean="0"/>
+                <a:t>ForwardA</a:t>
+              </a:r>
+              <a:endParaRPr lang="zh-CN" altLang="en-US" sz="1000" dirty="0"/>
+            </a:p>
+          </p:txBody>
+        </p:sp>
+        <p:sp>
+          <p:nvSpPr>
+            <p:cNvPr id="1429" name="TextBox 1428"/>
+            <p:cNvSpPr txBox="1"/>
+            <p:nvPr/>
+          </p:nvSpPr>
+          <p:spPr>
+            <a:xfrm>
+              <a:off x="28802983" y="16742699"/>
+              <a:ext cx="223699" cy="294021"/>
+            </a:xfrm>
+            <a:prstGeom prst="rect">
+              <a:avLst/>
+            </a:prstGeom>
+            <a:noFill/>
+          </p:spPr>
+          <p:txBody>
+            <a:bodyPr wrap="square" rtlCol="0">
+              <a:spAutoFit/>
+            </a:bodyPr>
+            <a:lstStyle/>
+            <a:p>
+              <a:pPr algn="ctr"/>
+              <a:r>
+                <a:rPr lang="en-US" altLang="zh-CN" sz="1000" dirty="0"/>
+                <a:t>0</a:t>
+              </a:r>
+              <a:endParaRPr lang="zh-CN" altLang="en-US" sz="1000" dirty="0"/>
+            </a:p>
+          </p:txBody>
+        </p:sp>
+        <p:sp>
+          <p:nvSpPr>
+            <p:cNvPr id="1430" name="TextBox 1429"/>
+            <p:cNvSpPr txBox="1"/>
+            <p:nvPr/>
+          </p:nvSpPr>
+          <p:spPr>
+            <a:xfrm>
+              <a:off x="29712335" y="16814548"/>
+              <a:ext cx="223699" cy="294021"/>
+            </a:xfrm>
+            <a:prstGeom prst="rect">
+              <a:avLst/>
+            </a:prstGeom>
+            <a:noFill/>
+          </p:spPr>
+          <p:txBody>
+            <a:bodyPr wrap="square" rtlCol="0">
+              <a:spAutoFit/>
+            </a:bodyPr>
+            <a:lstStyle/>
+            <a:p>
+              <a:pPr algn="ctr"/>
+              <a:r>
+                <a:rPr lang="en-US" altLang="zh-CN" sz="1000" dirty="0"/>
+                <a:t>0</a:t>
+              </a:r>
+              <a:endParaRPr lang="zh-CN" altLang="en-US" sz="1000" dirty="0"/>
+            </a:p>
+          </p:txBody>
+        </p:sp>
+        <p:sp>
+          <p:nvSpPr>
+            <p:cNvPr id="1431" name="TextBox 1430"/>
+            <p:cNvSpPr txBox="1"/>
+            <p:nvPr/>
+          </p:nvSpPr>
+          <p:spPr>
+            <a:xfrm>
+              <a:off x="29697358" y="16546358"/>
+              <a:ext cx="223699" cy="294021"/>
+            </a:xfrm>
+            <a:prstGeom prst="rect">
+              <a:avLst/>
+            </a:prstGeom>
+            <a:noFill/>
+          </p:spPr>
+          <p:txBody>
+            <a:bodyPr wrap="square" rtlCol="0">
+              <a:spAutoFit/>
+            </a:bodyPr>
+            <a:lstStyle/>
+            <a:p>
+              <a:pPr algn="ctr"/>
+              <a:r>
+                <a:rPr lang="en-US" altLang="zh-CN" sz="1000" dirty="0"/>
+                <a:t>1</a:t>
+              </a:r>
+              <a:endParaRPr lang="zh-CN" altLang="en-US" sz="1000" dirty="0"/>
+            </a:p>
+          </p:txBody>
+        </p:sp>
+        <p:sp>
+          <p:nvSpPr>
+            <p:cNvPr id="1432" name="TextBox 1431"/>
+            <p:cNvSpPr txBox="1"/>
+            <p:nvPr/>
+          </p:nvSpPr>
+          <p:spPr>
+            <a:xfrm>
+              <a:off x="29696569" y="16305775"/>
+              <a:ext cx="223699" cy="294021"/>
+            </a:xfrm>
+            <a:prstGeom prst="rect">
+              <a:avLst/>
+            </a:prstGeom>
+            <a:noFill/>
+          </p:spPr>
+          <p:txBody>
+            <a:bodyPr wrap="square" rtlCol="0">
+              <a:spAutoFit/>
+            </a:bodyPr>
+            <a:lstStyle/>
+            <a:p>
+              <a:pPr algn="ctr"/>
+              <a:r>
+                <a:rPr lang="en-US" altLang="zh-CN" sz="1000" dirty="0" smtClean="0"/>
+                <a:t>2</a:t>
+              </a:r>
+              <a:endParaRPr lang="zh-CN" altLang="en-US" sz="1000" dirty="0"/>
+            </a:p>
+          </p:txBody>
+        </p:sp>
+        <p:cxnSp>
+          <p:nvCxnSpPr>
+            <p:cNvPr id="1433" name="直接连接符 1432"/>
+            <p:cNvCxnSpPr/>
+            <p:nvPr/>
+          </p:nvCxnSpPr>
+          <p:spPr>
+            <a:xfrm flipH="1">
+              <a:off x="29531679" y="16679240"/>
+              <a:ext cx="171974" cy="0"/>
+            </a:xfrm>
+            <a:prstGeom prst="line">
+              <a:avLst/>
+            </a:prstGeom>
+          </p:spPr>
+          <p:style>
+            <a:lnRef idx="1">
+              <a:schemeClr val="accent1"/>
+            </a:lnRef>
+            <a:fillRef idx="0">
+              <a:schemeClr val="accent1"/>
+            </a:fillRef>
+            <a:effectRef idx="0">
+              <a:schemeClr val="accent1"/>
+            </a:effectRef>
+            <a:fontRef idx="minor">
+              <a:schemeClr val="tx1"/>
+            </a:fontRef>
+          </p:style>
+        </p:cxnSp>
+        <p:sp>
+          <p:nvSpPr>
+            <p:cNvPr id="1434" name="TextBox 1433"/>
+            <p:cNvSpPr txBox="1"/>
+            <p:nvPr/>
+          </p:nvSpPr>
+          <p:spPr>
+            <a:xfrm>
+              <a:off x="28914833" y="16534497"/>
+              <a:ext cx="887241" cy="294021"/>
+            </a:xfrm>
+            <a:prstGeom prst="rect">
+              <a:avLst/>
+            </a:prstGeom>
+            <a:noFill/>
+          </p:spPr>
+          <p:txBody>
+            <a:bodyPr wrap="square" rtlCol="0">
+              <a:spAutoFit/>
+            </a:bodyPr>
+            <a:lstStyle/>
+            <a:p>
+              <a:pPr algn="ctr"/>
+              <a:r>
+                <a:rPr lang="en-US" altLang="zh-CN" sz="1000" dirty="0" err="1" smtClean="0"/>
+                <a:t>WB_out</a:t>
+              </a:r>
+              <a:endParaRPr lang="zh-CN" altLang="en-US" sz="1000" dirty="0"/>
+            </a:p>
+          </p:txBody>
+        </p:sp>
+        <p:sp>
+          <p:nvSpPr>
+            <p:cNvPr id="1435" name="TextBox 1434"/>
+            <p:cNvSpPr txBox="1"/>
+            <p:nvPr/>
+          </p:nvSpPr>
+          <p:spPr>
+            <a:xfrm>
+              <a:off x="28898780" y="16296489"/>
+              <a:ext cx="887241" cy="294021"/>
+            </a:xfrm>
+            <a:prstGeom prst="rect">
+              <a:avLst/>
+            </a:prstGeom>
+            <a:noFill/>
+          </p:spPr>
+          <p:txBody>
+            <a:bodyPr wrap="square" rtlCol="0">
+              <a:spAutoFit/>
+            </a:bodyPr>
+            <a:lstStyle/>
+            <a:p>
+              <a:pPr algn="ctr"/>
+              <a:r>
+                <a:rPr lang="en-US" altLang="zh-CN" sz="1000" dirty="0" err="1" smtClean="0"/>
+                <a:t>Mem_in</a:t>
+              </a:r>
+              <a:endParaRPr lang="zh-CN" altLang="en-US" sz="1000" dirty="0"/>
+            </a:p>
+          </p:txBody>
+        </p:sp>
+        <p:cxnSp>
+          <p:nvCxnSpPr>
+            <p:cNvPr id="1436" name="直接连接符 1435"/>
+            <p:cNvCxnSpPr/>
+            <p:nvPr/>
+          </p:nvCxnSpPr>
+          <p:spPr>
+            <a:xfrm flipH="1">
+              <a:off x="29543302" y="16425123"/>
+              <a:ext cx="171974" cy="0"/>
+            </a:xfrm>
+            <a:prstGeom prst="line">
+              <a:avLst/>
+            </a:prstGeom>
+          </p:spPr>
+          <p:style>
+            <a:lnRef idx="1">
+              <a:schemeClr val="accent1"/>
+            </a:lnRef>
+            <a:fillRef idx="0">
+              <a:schemeClr val="accent1"/>
+            </a:fillRef>
+            <a:effectRef idx="0">
+              <a:schemeClr val="accent1"/>
+            </a:effectRef>
+            <a:fontRef idx="minor">
+              <a:schemeClr val="tx1"/>
+            </a:fontRef>
+          </p:style>
+        </p:cxnSp>
+        <p:cxnSp>
+          <p:nvCxnSpPr>
+            <p:cNvPr id="1437" name="直接连接符 1436"/>
+            <p:cNvCxnSpPr/>
+            <p:nvPr/>
+          </p:nvCxnSpPr>
+          <p:spPr>
+            <a:xfrm flipH="1">
+              <a:off x="29945026" y="16672864"/>
+              <a:ext cx="171974" cy="0"/>
+            </a:xfrm>
+            <a:prstGeom prst="line">
+              <a:avLst/>
+            </a:prstGeom>
+          </p:spPr>
+          <p:style>
+            <a:lnRef idx="1">
+              <a:schemeClr val="accent1"/>
+            </a:lnRef>
+            <a:fillRef idx="0">
+              <a:schemeClr val="accent1"/>
+            </a:fillRef>
+            <a:effectRef idx="0">
+              <a:schemeClr val="accent1"/>
+            </a:effectRef>
+            <a:fontRef idx="minor">
+              <a:schemeClr val="tx1"/>
+            </a:fontRef>
+          </p:style>
+        </p:cxnSp>
+        <p:cxnSp>
+          <p:nvCxnSpPr>
+            <p:cNvPr id="1447" name="直接连接符 1446"/>
+            <p:cNvCxnSpPr/>
+            <p:nvPr/>
+          </p:nvCxnSpPr>
+          <p:spPr>
+            <a:xfrm flipH="1" flipV="1">
+              <a:off x="29045558" y="18025671"/>
+              <a:ext cx="706518" cy="1812"/>
+            </a:xfrm>
+            <a:prstGeom prst="line">
+              <a:avLst/>
+            </a:prstGeom>
+          </p:spPr>
+          <p:style>
+            <a:lnRef idx="1">
+              <a:schemeClr val="accent1"/>
+            </a:lnRef>
+            <a:fillRef idx="0">
+              <a:schemeClr val="accent1"/>
+            </a:fillRef>
+            <a:effectRef idx="0">
+              <a:schemeClr val="accent1"/>
+            </a:effectRef>
+            <a:fontRef idx="minor">
+              <a:schemeClr val="tx1"/>
+            </a:fontRef>
+          </p:style>
+        </p:cxnSp>
+        <p:cxnSp>
+          <p:nvCxnSpPr>
+            <p:cNvPr id="1450" name="直接连接符 1449"/>
+            <p:cNvCxnSpPr/>
+            <p:nvPr/>
+          </p:nvCxnSpPr>
+          <p:spPr>
+            <a:xfrm>
+              <a:off x="29051386" y="17608469"/>
+              <a:ext cx="0" cy="419014"/>
+            </a:xfrm>
+            <a:prstGeom prst="line">
+              <a:avLst/>
+            </a:prstGeom>
+          </p:spPr>
+          <p:style>
+            <a:lnRef idx="1">
+              <a:schemeClr val="accent1"/>
+            </a:lnRef>
+            <a:fillRef idx="0">
+              <a:schemeClr val="accent1"/>
+            </a:fillRef>
+            <a:effectRef idx="0">
+              <a:schemeClr val="accent1"/>
+            </a:effectRef>
+            <a:fontRef idx="minor">
+              <a:schemeClr val="tx1"/>
+            </a:fontRef>
+          </p:style>
+        </p:cxnSp>
+        <p:cxnSp>
+          <p:nvCxnSpPr>
+            <p:cNvPr id="1451" name="直接连接符 1450"/>
+            <p:cNvCxnSpPr/>
+            <p:nvPr/>
+          </p:nvCxnSpPr>
+          <p:spPr>
+            <a:xfrm>
+              <a:off x="27766123" y="17613650"/>
+              <a:ext cx="1285263" cy="0"/>
+            </a:xfrm>
+            <a:prstGeom prst="line">
+              <a:avLst/>
+            </a:prstGeom>
+          </p:spPr>
+          <p:style>
+            <a:lnRef idx="1">
+              <a:schemeClr val="accent1"/>
+            </a:lnRef>
+            <a:fillRef idx="0">
+              <a:schemeClr val="accent1"/>
+            </a:fillRef>
+            <a:effectRef idx="0">
+              <a:schemeClr val="accent1"/>
+            </a:effectRef>
+            <a:fontRef idx="minor">
+              <a:schemeClr val="tx1"/>
+            </a:fontRef>
+          </p:style>
+        </p:cxnSp>
+        <p:sp>
+          <p:nvSpPr>
+            <p:cNvPr id="1452" name="TextBox 1451"/>
+            <p:cNvSpPr txBox="1"/>
+            <p:nvPr/>
+          </p:nvSpPr>
+          <p:spPr>
+            <a:xfrm>
+              <a:off x="30047448" y="18847187"/>
+              <a:ext cx="1378301" cy="477785"/>
+            </a:xfrm>
+            <a:prstGeom prst="rect">
+              <a:avLst/>
+            </a:prstGeom>
+            <a:noFill/>
+          </p:spPr>
+          <p:txBody>
+            <a:bodyPr wrap="square" rtlCol="0">
+              <a:spAutoFit/>
+            </a:bodyPr>
+            <a:lstStyle/>
+            <a:p>
+              <a:pPr algn="ctr"/>
+              <a:r>
+                <a:rPr lang="en-US" altLang="zh-CN" sz="1000" dirty="0" err="1" smtClean="0"/>
+                <a:t>EX_rt_postForward</a:t>
+              </a:r>
+              <a:endParaRPr lang="zh-CN" altLang="en-US" sz="1000" dirty="0"/>
+            </a:p>
+          </p:txBody>
+        </p:sp>
+        <p:grpSp>
+          <p:nvGrpSpPr>
+            <p:cNvPr id="1405" name="组合 1404"/>
+            <p:cNvGrpSpPr/>
+            <p:nvPr/>
+          </p:nvGrpSpPr>
+          <p:grpSpPr>
+            <a:xfrm>
+              <a:off x="24848882" y="16840007"/>
+              <a:ext cx="3274369" cy="1825563"/>
+              <a:chOff x="2378156" y="3651870"/>
+              <a:chExt cx="2742046" cy="1528776"/>
+            </a:xfrm>
+          </p:grpSpPr>
+          <p:sp>
+            <p:nvSpPr>
+              <p:cNvPr id="1406" name="流程图: 手动操作 2"/>
+              <p:cNvSpPr/>
+              <p:nvPr/>
+            </p:nvSpPr>
+            <p:spPr>
+              <a:xfrm rot="16200000">
+                <a:off x="4428986" y="4186982"/>
+                <a:ext cx="595667" cy="194601"/>
+              </a:xfrm>
+              <a:custGeom>
+                <a:avLst/>
+                <a:gdLst>
+                  <a:gd name="connsiteX0" fmla="*/ 0 w 10000"/>
+                  <a:gd name="connsiteY0" fmla="*/ 0 h 10000"/>
+                  <a:gd name="connsiteX1" fmla="*/ 10000 w 10000"/>
+                  <a:gd name="connsiteY1" fmla="*/ 0 h 10000"/>
+                  <a:gd name="connsiteX2" fmla="*/ 8000 w 10000"/>
+                  <a:gd name="connsiteY2" fmla="*/ 10000 h 10000"/>
+                  <a:gd name="connsiteX3" fmla="*/ 2000 w 10000"/>
+                  <a:gd name="connsiteY3" fmla="*/ 10000 h 10000"/>
+                  <a:gd name="connsiteX4" fmla="*/ 0 w 10000"/>
+                  <a:gd name="connsiteY4" fmla="*/ 0 h 10000"/>
+                  <a:gd name="connsiteX0" fmla="*/ 0 w 10000"/>
+                  <a:gd name="connsiteY0" fmla="*/ 0 h 10178"/>
+                  <a:gd name="connsiteX1" fmla="*/ 10000 w 10000"/>
+                  <a:gd name="connsiteY1" fmla="*/ 0 h 10178"/>
+                  <a:gd name="connsiteX2" fmla="*/ 8691 w 10000"/>
+                  <a:gd name="connsiteY2" fmla="*/ 10178 h 10178"/>
+                  <a:gd name="connsiteX3" fmla="*/ 2000 w 10000"/>
+                  <a:gd name="connsiteY3" fmla="*/ 10000 h 10178"/>
+                  <a:gd name="connsiteX4" fmla="*/ 0 w 10000"/>
+                  <a:gd name="connsiteY4" fmla="*/ 0 h 10178"/>
+                  <a:gd name="connsiteX0" fmla="*/ 0 w 10000"/>
+                  <a:gd name="connsiteY0" fmla="*/ 0 h 10178"/>
+                  <a:gd name="connsiteX1" fmla="*/ 10000 w 10000"/>
+                  <a:gd name="connsiteY1" fmla="*/ 0 h 10178"/>
+                  <a:gd name="connsiteX2" fmla="*/ 8691 w 10000"/>
+                  <a:gd name="connsiteY2" fmla="*/ 10178 h 10178"/>
+                  <a:gd name="connsiteX3" fmla="*/ 2000 w 10000"/>
+                  <a:gd name="connsiteY3" fmla="*/ 10000 h 10178"/>
+                  <a:gd name="connsiteX4" fmla="*/ 1088 w 10000"/>
+                  <a:gd name="connsiteY4" fmla="*/ 9879 h 10178"/>
+                  <a:gd name="connsiteX5" fmla="*/ 0 w 10000"/>
+                  <a:gd name="connsiteY5" fmla="*/ 0 h 10178"/>
+                </a:gdLst>
+                <a:ahLst/>
+                <a:cxnLst>
+                  <a:cxn ang="0">
+                    <a:pos x="connsiteX0" y="connsiteY0"/>
+                  </a:cxn>
+                  <a:cxn ang="0">
+                    <a:pos x="connsiteX1" y="connsiteY1"/>
+                  </a:cxn>
+                  <a:cxn ang="0">
+                    <a:pos x="connsiteX2" y="connsiteY2"/>
+                  </a:cxn>
+                  <a:cxn ang="0">
+                    <a:pos x="connsiteX3" y="connsiteY3"/>
+                  </a:cxn>
+                  <a:cxn ang="0">
+                    <a:pos x="connsiteX4" y="connsiteY4"/>
+                  </a:cxn>
+                  <a:cxn ang="0">
+                    <a:pos x="connsiteX5" y="connsiteY5"/>
+                  </a:cxn>
+                </a:cxnLst>
+                <a:rect l="l" t="t" r="r" b="b"/>
+                <a:pathLst>
+                  <a:path w="10000" h="10178">
+                    <a:moveTo>
+                      <a:pt x="0" y="0"/>
+                    </a:moveTo>
+                    <a:lnTo>
+                      <a:pt x="10000" y="0"/>
+                    </a:lnTo>
+                    <a:lnTo>
+                      <a:pt x="8691" y="10178"/>
+                    </a:lnTo>
+                    <a:lnTo>
+                      <a:pt x="2000" y="10000"/>
+                    </a:lnTo>
+                    <a:cubicBezTo>
+                      <a:pt x="1975" y="9960"/>
+                      <a:pt x="1113" y="9919"/>
+                      <a:pt x="1088" y="9879"/>
+                    </a:cubicBezTo>
+                    <a:lnTo>
+                      <a:pt x="0" y="0"/>
+                    </a:lnTo>
+                    <a:close/>
+                  </a:path>
+                </a:pathLst>
+              </a:custGeom>
+              <a:noFill/>
+              <a:ln w="12700">
+                <a:solidFill>
+                  <a:schemeClr val="tx1"/>
+                </a:solidFill>
+              </a:ln>
+            </p:spPr>
+            <p:style>
+              <a:lnRef idx="2">
+                <a:schemeClr val="accent1">
+                  <a:shade val="50000"/>
+                </a:schemeClr>
+              </a:lnRef>
+              <a:fillRef idx="1">
+                <a:schemeClr val="accent1"/>
+              </a:fillRef>
+              <a:effectRef idx="0">
+                <a:schemeClr val="accent1"/>
+              </a:effectRef>
+              <a:fontRef idx="minor">
+                <a:schemeClr val="lt1"/>
+              </a:fontRef>
+            </p:style>
+            <p:txBody>
+              <a:bodyPr rtlCol="0" anchor="ctr"/>
+              <a:lstStyle/>
+              <a:p>
+                <a:pPr algn="ctr"/>
+                <a:endParaRPr lang="zh-CN" altLang="en-US" sz="18600"/>
+              </a:p>
+            </p:txBody>
+          </p:sp>
+          <p:cxnSp>
+            <p:nvCxnSpPr>
+              <p:cNvPr id="1407" name="直接连接符 1406"/>
+              <p:cNvCxnSpPr/>
+              <p:nvPr/>
+            </p:nvCxnSpPr>
+            <p:spPr>
+              <a:xfrm>
+                <a:off x="4743554" y="3886052"/>
+                <a:ext cx="0" cy="144016"/>
+              </a:xfrm>
+              <a:prstGeom prst="line">
+                <a:avLst/>
+              </a:prstGeom>
+            </p:spPr>
+            <p:style>
+              <a:lnRef idx="1">
+                <a:schemeClr val="accent1"/>
+              </a:lnRef>
+              <a:fillRef idx="0">
+                <a:schemeClr val="accent1"/>
+              </a:fillRef>
+              <a:effectRef idx="0">
+                <a:schemeClr val="accent1"/>
+              </a:effectRef>
+              <a:fontRef idx="minor">
+                <a:schemeClr val="tx1"/>
+              </a:fontRef>
+            </p:style>
+          </p:cxnSp>
+          <p:sp>
+            <p:nvSpPr>
+              <p:cNvPr id="1408" name="TextBox 1407"/>
+              <p:cNvSpPr txBox="1"/>
+              <p:nvPr/>
+            </p:nvSpPr>
+            <p:spPr>
+              <a:xfrm>
+                <a:off x="4377202" y="3651870"/>
+                <a:ext cx="743000" cy="246221"/>
+              </a:xfrm>
+              <a:prstGeom prst="rect">
+                <a:avLst/>
+              </a:prstGeom>
+              <a:noFill/>
+            </p:spPr>
+            <p:txBody>
+              <a:bodyPr wrap="square" rtlCol="0">
+                <a:spAutoFit/>
+              </a:bodyPr>
+              <a:lstStyle/>
+              <a:p>
+                <a:pPr algn="ctr"/>
+                <a:r>
+                  <a:rPr lang="en-US" altLang="zh-CN" sz="1000" dirty="0" err="1" smtClean="0"/>
+                  <a:t>EX_LUOp</a:t>
+                </a:r>
+                <a:endParaRPr lang="zh-CN" altLang="en-US" sz="1000" dirty="0"/>
+              </a:p>
+            </p:txBody>
+          </p:sp>
+          <p:cxnSp>
+            <p:nvCxnSpPr>
+              <p:cNvPr id="1409" name="直接连接符 1408"/>
+              <p:cNvCxnSpPr/>
+              <p:nvPr/>
+            </p:nvCxnSpPr>
+            <p:spPr>
+              <a:xfrm flipH="1">
+                <a:off x="4485499" y="4111407"/>
+                <a:ext cx="144016" cy="0"/>
+              </a:xfrm>
+              <a:prstGeom prst="line">
+                <a:avLst/>
+              </a:prstGeom>
+            </p:spPr>
+            <p:style>
+              <a:lnRef idx="1">
+                <a:schemeClr val="accent1"/>
+              </a:lnRef>
+              <a:fillRef idx="0">
+                <a:schemeClr val="accent1"/>
+              </a:fillRef>
+              <a:effectRef idx="0">
+                <a:schemeClr val="accent1"/>
+              </a:effectRef>
+              <a:fontRef idx="minor">
+                <a:schemeClr val="tx1"/>
+              </a:fontRef>
+            </p:style>
+          </p:cxnSp>
+          <p:sp>
+            <p:nvSpPr>
+              <p:cNvPr id="1410" name="TextBox 1409"/>
+              <p:cNvSpPr txBox="1"/>
+              <p:nvPr/>
+            </p:nvSpPr>
+            <p:spPr>
+              <a:xfrm>
+                <a:off x="3371134" y="4006632"/>
+                <a:ext cx="1173010" cy="246221"/>
+              </a:xfrm>
+              <a:prstGeom prst="rect">
+                <a:avLst/>
+              </a:prstGeom>
+              <a:noFill/>
+            </p:spPr>
+            <p:txBody>
+              <a:bodyPr wrap="square" rtlCol="0">
+                <a:spAutoFit/>
+              </a:bodyPr>
+              <a:lstStyle/>
+              <a:p>
+                <a:pPr algn="r"/>
+                <a:r>
+                  <a:rPr lang="en-US" altLang="zh-CN" sz="1000" dirty="0" smtClean="0"/>
+                  <a:t>{</a:t>
+                </a:r>
+                <a:r>
+                  <a:rPr lang="en-US" altLang="zh-CN" sz="1000" dirty="0" err="1" smtClean="0"/>
+                  <a:t>EX_imm</a:t>
+                </a:r>
+                <a:r>
+                  <a:rPr lang="en-US" altLang="zh-CN" sz="1000" dirty="0" smtClean="0"/>
+                  <a:t>, 16’b0}</a:t>
+                </a:r>
+                <a:endParaRPr lang="zh-CN" altLang="en-US" sz="1000" dirty="0"/>
+              </a:p>
+            </p:txBody>
+          </p:sp>
+          <p:sp>
+            <p:nvSpPr>
+              <p:cNvPr id="1411" name="TextBox 1410"/>
+              <p:cNvSpPr txBox="1"/>
+              <p:nvPr/>
+            </p:nvSpPr>
+            <p:spPr>
+              <a:xfrm>
+                <a:off x="4596090" y="4006632"/>
+                <a:ext cx="187332" cy="246221"/>
+              </a:xfrm>
+              <a:prstGeom prst="rect">
+                <a:avLst/>
+              </a:prstGeom>
+              <a:noFill/>
+            </p:spPr>
+            <p:txBody>
+              <a:bodyPr wrap="square" rtlCol="0">
+                <a:spAutoFit/>
+              </a:bodyPr>
+              <a:lstStyle/>
+              <a:p>
+                <a:pPr algn="ctr"/>
+                <a:r>
+                  <a:rPr lang="en-US" altLang="zh-CN" sz="1000" dirty="0"/>
+                  <a:t>1</a:t>
+                </a:r>
+                <a:endParaRPr lang="zh-CN" altLang="en-US" sz="1000" dirty="0"/>
+              </a:p>
+            </p:txBody>
+          </p:sp>
+          <p:sp>
+            <p:nvSpPr>
+              <p:cNvPr id="1412" name="TextBox 1411"/>
+              <p:cNvSpPr txBox="1"/>
+              <p:nvPr/>
+            </p:nvSpPr>
+            <p:spPr>
+              <a:xfrm>
+                <a:off x="4604688" y="4371950"/>
+                <a:ext cx="187332" cy="246221"/>
+              </a:xfrm>
+              <a:prstGeom prst="rect">
+                <a:avLst/>
+              </a:prstGeom>
+              <a:noFill/>
+            </p:spPr>
+            <p:txBody>
+              <a:bodyPr wrap="square" rtlCol="0">
+                <a:spAutoFit/>
+              </a:bodyPr>
+              <a:lstStyle/>
+              <a:p>
+                <a:pPr algn="ctr"/>
+                <a:r>
+                  <a:rPr lang="en-US" altLang="zh-CN" sz="1000" dirty="0" smtClean="0"/>
+                  <a:t>0</a:t>
+                </a:r>
+                <a:endParaRPr lang="zh-CN" altLang="en-US" sz="1000" dirty="0"/>
+              </a:p>
+            </p:txBody>
+          </p:sp>
+          <p:sp>
+            <p:nvSpPr>
+              <p:cNvPr id="1413" name="流程图: 手动操作 2"/>
+              <p:cNvSpPr/>
+              <p:nvPr/>
+            </p:nvSpPr>
+            <p:spPr>
+              <a:xfrm rot="16200000">
+                <a:off x="4084081" y="4428468"/>
+                <a:ext cx="595667" cy="194601"/>
+              </a:xfrm>
+              <a:custGeom>
+                <a:avLst/>
+                <a:gdLst>
+                  <a:gd name="connsiteX0" fmla="*/ 0 w 10000"/>
+                  <a:gd name="connsiteY0" fmla="*/ 0 h 10000"/>
+                  <a:gd name="connsiteX1" fmla="*/ 10000 w 10000"/>
+                  <a:gd name="connsiteY1" fmla="*/ 0 h 10000"/>
+                  <a:gd name="connsiteX2" fmla="*/ 8000 w 10000"/>
+                  <a:gd name="connsiteY2" fmla="*/ 10000 h 10000"/>
+                  <a:gd name="connsiteX3" fmla="*/ 2000 w 10000"/>
+                  <a:gd name="connsiteY3" fmla="*/ 10000 h 10000"/>
+                  <a:gd name="connsiteX4" fmla="*/ 0 w 10000"/>
+                  <a:gd name="connsiteY4" fmla="*/ 0 h 10000"/>
+                  <a:gd name="connsiteX0" fmla="*/ 0 w 10000"/>
+                  <a:gd name="connsiteY0" fmla="*/ 0 h 10178"/>
+                  <a:gd name="connsiteX1" fmla="*/ 10000 w 10000"/>
+                  <a:gd name="connsiteY1" fmla="*/ 0 h 10178"/>
+                  <a:gd name="connsiteX2" fmla="*/ 8691 w 10000"/>
+                  <a:gd name="connsiteY2" fmla="*/ 10178 h 10178"/>
+                  <a:gd name="connsiteX3" fmla="*/ 2000 w 10000"/>
+                  <a:gd name="connsiteY3" fmla="*/ 10000 h 10178"/>
+                  <a:gd name="connsiteX4" fmla="*/ 0 w 10000"/>
+                  <a:gd name="connsiteY4" fmla="*/ 0 h 10178"/>
+                  <a:gd name="connsiteX0" fmla="*/ 0 w 10000"/>
+                  <a:gd name="connsiteY0" fmla="*/ 0 h 10178"/>
+                  <a:gd name="connsiteX1" fmla="*/ 10000 w 10000"/>
+                  <a:gd name="connsiteY1" fmla="*/ 0 h 10178"/>
+                  <a:gd name="connsiteX2" fmla="*/ 8691 w 10000"/>
+                  <a:gd name="connsiteY2" fmla="*/ 10178 h 10178"/>
+                  <a:gd name="connsiteX3" fmla="*/ 2000 w 10000"/>
+                  <a:gd name="connsiteY3" fmla="*/ 10000 h 10178"/>
+                  <a:gd name="connsiteX4" fmla="*/ 1088 w 10000"/>
+                  <a:gd name="connsiteY4" fmla="*/ 9879 h 10178"/>
+                  <a:gd name="connsiteX5" fmla="*/ 0 w 10000"/>
+                  <a:gd name="connsiteY5" fmla="*/ 0 h 10178"/>
+                </a:gdLst>
+                <a:ahLst/>
+                <a:cxnLst>
+                  <a:cxn ang="0">
+                    <a:pos x="connsiteX0" y="connsiteY0"/>
+                  </a:cxn>
+                  <a:cxn ang="0">
+                    <a:pos x="connsiteX1" y="connsiteY1"/>
+                  </a:cxn>
+                  <a:cxn ang="0">
+                    <a:pos x="connsiteX2" y="connsiteY2"/>
+                  </a:cxn>
+                  <a:cxn ang="0">
+                    <a:pos x="connsiteX3" y="connsiteY3"/>
+                  </a:cxn>
+                  <a:cxn ang="0">
+                    <a:pos x="connsiteX4" y="connsiteY4"/>
+                  </a:cxn>
+                  <a:cxn ang="0">
+                    <a:pos x="connsiteX5" y="connsiteY5"/>
+                  </a:cxn>
+                </a:cxnLst>
+                <a:rect l="l" t="t" r="r" b="b"/>
+                <a:pathLst>
+                  <a:path w="10000" h="10178">
+                    <a:moveTo>
+                      <a:pt x="0" y="0"/>
+                    </a:moveTo>
+                    <a:lnTo>
+                      <a:pt x="10000" y="0"/>
+                    </a:lnTo>
+                    <a:lnTo>
+                      <a:pt x="8691" y="10178"/>
+                    </a:lnTo>
+                    <a:lnTo>
+                      <a:pt x="2000" y="10000"/>
+                    </a:lnTo>
+                    <a:cubicBezTo>
+                      <a:pt x="1975" y="9960"/>
+                      <a:pt x="1113" y="9919"/>
+                      <a:pt x="1088" y="9879"/>
+                    </a:cubicBezTo>
+                    <a:lnTo>
+                      <a:pt x="0" y="0"/>
+                    </a:lnTo>
+                    <a:close/>
+                  </a:path>
+                </a:pathLst>
+              </a:custGeom>
+              <a:noFill/>
+              <a:ln w="12700">
+                <a:solidFill>
+                  <a:schemeClr val="tx1"/>
+                </a:solidFill>
+              </a:ln>
+            </p:spPr>
+            <p:style>
+              <a:lnRef idx="2">
+                <a:schemeClr val="accent1">
+                  <a:shade val="50000"/>
+                </a:schemeClr>
+              </a:lnRef>
+              <a:fillRef idx="1">
+                <a:schemeClr val="accent1"/>
+              </a:fillRef>
+              <a:effectRef idx="0">
+                <a:schemeClr val="accent1"/>
+              </a:effectRef>
+              <a:fontRef idx="minor">
+                <a:schemeClr val="lt1"/>
+              </a:fontRef>
+            </p:style>
+            <p:txBody>
+              <a:bodyPr rtlCol="0" anchor="ctr"/>
+              <a:lstStyle/>
+              <a:p>
+                <a:pPr algn="ctr"/>
+                <a:endParaRPr lang="zh-CN" altLang="en-US" sz="18600"/>
+              </a:p>
+            </p:txBody>
+          </p:sp>
+          <p:cxnSp>
+            <p:nvCxnSpPr>
+              <p:cNvPr id="1414" name="直接连接符 1413"/>
+              <p:cNvCxnSpPr/>
+              <p:nvPr/>
+            </p:nvCxnSpPr>
+            <p:spPr>
+              <a:xfrm>
+                <a:off x="4398649" y="4790409"/>
+                <a:ext cx="0" cy="144016"/>
+              </a:xfrm>
+              <a:prstGeom prst="line">
+                <a:avLst/>
+              </a:prstGeom>
+            </p:spPr>
+            <p:style>
+              <a:lnRef idx="1">
+                <a:schemeClr val="accent1"/>
+              </a:lnRef>
+              <a:fillRef idx="0">
+                <a:schemeClr val="accent1"/>
+              </a:fillRef>
+              <a:effectRef idx="0">
+                <a:schemeClr val="accent1"/>
+              </a:effectRef>
+              <a:fontRef idx="minor">
+                <a:schemeClr val="tx1"/>
+              </a:fontRef>
+            </p:style>
+          </p:cxnSp>
+          <p:sp>
+            <p:nvSpPr>
+              <p:cNvPr id="1415" name="TextBox 1414"/>
+              <p:cNvSpPr txBox="1"/>
+              <p:nvPr/>
+            </p:nvSpPr>
+            <p:spPr>
+              <a:xfrm>
+                <a:off x="4045024" y="4934425"/>
+                <a:ext cx="743000" cy="246221"/>
+              </a:xfrm>
+              <a:prstGeom prst="rect">
+                <a:avLst/>
+              </a:prstGeom>
+              <a:noFill/>
+            </p:spPr>
+            <p:txBody>
+              <a:bodyPr wrap="square" rtlCol="0">
+                <a:spAutoFit/>
+              </a:bodyPr>
+              <a:lstStyle/>
+              <a:p>
+                <a:pPr algn="ctr"/>
+                <a:r>
+                  <a:rPr lang="en-US" altLang="zh-CN" sz="1000" dirty="0" err="1" smtClean="0"/>
+                  <a:t>EX_EXTOp</a:t>
+                </a:r>
+                <a:endParaRPr lang="zh-CN" altLang="en-US" sz="1000" dirty="0"/>
+              </a:p>
+            </p:txBody>
+          </p:sp>
+          <p:cxnSp>
+            <p:nvCxnSpPr>
+              <p:cNvPr id="1416" name="直接连接符 1415"/>
+              <p:cNvCxnSpPr/>
+              <p:nvPr/>
+            </p:nvCxnSpPr>
+            <p:spPr>
+              <a:xfrm flipH="1">
+                <a:off x="4140594" y="4423000"/>
+                <a:ext cx="144016" cy="0"/>
+              </a:xfrm>
+              <a:prstGeom prst="line">
+                <a:avLst/>
+              </a:prstGeom>
+            </p:spPr>
+            <p:style>
+              <a:lnRef idx="1">
+                <a:schemeClr val="accent1"/>
+              </a:lnRef>
+              <a:fillRef idx="0">
+                <a:schemeClr val="accent1"/>
+              </a:fillRef>
+              <a:effectRef idx="0">
+                <a:schemeClr val="accent1"/>
+              </a:effectRef>
+              <a:fontRef idx="minor">
+                <a:schemeClr val="tx1"/>
+              </a:fontRef>
+            </p:style>
+          </p:cxnSp>
+          <p:cxnSp>
+            <p:nvCxnSpPr>
+              <p:cNvPr id="1417" name="直接连接符 1416"/>
+              <p:cNvCxnSpPr/>
+              <p:nvPr/>
+            </p:nvCxnSpPr>
+            <p:spPr>
+              <a:xfrm flipH="1">
+                <a:off x="4140594" y="4633326"/>
+                <a:ext cx="144016" cy="0"/>
+              </a:xfrm>
+              <a:prstGeom prst="line">
+                <a:avLst/>
+              </a:prstGeom>
+            </p:spPr>
+            <p:style>
+              <a:lnRef idx="1">
+                <a:schemeClr val="accent1"/>
+              </a:lnRef>
+              <a:fillRef idx="0">
+                <a:schemeClr val="accent1"/>
+              </a:fillRef>
+              <a:effectRef idx="0">
+                <a:schemeClr val="accent1"/>
+              </a:effectRef>
+              <a:fontRef idx="minor">
+                <a:schemeClr val="tx1"/>
+              </a:fontRef>
+            </p:style>
+          </p:cxnSp>
+          <p:sp>
+            <p:nvSpPr>
+              <p:cNvPr id="1418" name="TextBox 1417"/>
+              <p:cNvSpPr txBox="1"/>
+              <p:nvPr/>
+            </p:nvSpPr>
+            <p:spPr>
+              <a:xfrm>
+                <a:off x="2378156" y="4318225"/>
+                <a:ext cx="1821083" cy="246221"/>
+              </a:xfrm>
+              <a:prstGeom prst="rect">
+                <a:avLst/>
+              </a:prstGeom>
+              <a:noFill/>
+            </p:spPr>
+            <p:txBody>
+              <a:bodyPr wrap="square" rtlCol="0">
+                <a:spAutoFit/>
+              </a:bodyPr>
+              <a:lstStyle/>
+              <a:p>
+                <a:pPr algn="r"/>
+                <a:r>
+                  <a:rPr lang="en-US" altLang="zh-CN" sz="1000" dirty="0"/>
+                  <a:t>{{</a:t>
+                </a:r>
+                <a:r>
+                  <a:rPr lang="en-US" altLang="zh-CN" sz="1000" dirty="0" smtClean="0"/>
+                  <a:t>16{</a:t>
+                </a:r>
+                <a:r>
+                  <a:rPr lang="en-US" altLang="zh-CN" sz="1000" dirty="0" err="1" smtClean="0"/>
+                  <a:t>EX_imm</a:t>
+                </a:r>
+                <a:r>
+                  <a:rPr lang="en-US" altLang="zh-CN" sz="1000" dirty="0" smtClean="0"/>
+                  <a:t>[15]}}, </a:t>
+                </a:r>
+                <a:r>
+                  <a:rPr lang="en-US" altLang="zh-CN" sz="1000" dirty="0" err="1" smtClean="0"/>
+                  <a:t>EX_imm</a:t>
+                </a:r>
+                <a:r>
+                  <a:rPr lang="en-US" altLang="zh-CN" sz="1000" dirty="0" smtClean="0"/>
+                  <a:t>}</a:t>
+                </a:r>
+                <a:endParaRPr lang="en-US" altLang="zh-CN" sz="1000" dirty="0"/>
+              </a:p>
+            </p:txBody>
+          </p:sp>
+          <p:sp>
+            <p:nvSpPr>
+              <p:cNvPr id="1419" name="TextBox 1418"/>
+              <p:cNvSpPr txBox="1"/>
+              <p:nvPr/>
+            </p:nvSpPr>
+            <p:spPr>
+              <a:xfrm>
+                <a:off x="2954221" y="4521069"/>
+                <a:ext cx="1253110" cy="246221"/>
+              </a:xfrm>
+              <a:prstGeom prst="rect">
+                <a:avLst/>
+              </a:prstGeom>
+              <a:noFill/>
+            </p:spPr>
+            <p:txBody>
+              <a:bodyPr wrap="square" rtlCol="0">
+                <a:spAutoFit/>
+              </a:bodyPr>
+              <a:lstStyle/>
+              <a:p>
+                <a:pPr algn="r"/>
+                <a:r>
+                  <a:rPr lang="en-US" altLang="zh-CN" sz="1000" dirty="0"/>
+                  <a:t>{</a:t>
+                </a:r>
+                <a:r>
+                  <a:rPr lang="en-US" altLang="zh-CN" sz="1000" dirty="0" smtClean="0"/>
+                  <a:t>16’b0, </a:t>
+                </a:r>
+                <a:r>
+                  <a:rPr lang="en-US" altLang="zh-CN" sz="1000" dirty="0" err="1" smtClean="0"/>
+                  <a:t>EX_imm</a:t>
+                </a:r>
+                <a:r>
+                  <a:rPr lang="en-US" altLang="zh-CN" sz="1000" dirty="0" smtClean="0"/>
+                  <a:t>}</a:t>
+                </a:r>
+                <a:endParaRPr lang="zh-CN" altLang="en-US" sz="1000" dirty="0"/>
+              </a:p>
+            </p:txBody>
+          </p:sp>
+          <p:cxnSp>
+            <p:nvCxnSpPr>
+              <p:cNvPr id="1420" name="直接连接符 1419"/>
+              <p:cNvCxnSpPr/>
+              <p:nvPr/>
+            </p:nvCxnSpPr>
+            <p:spPr>
+              <a:xfrm flipH="1">
+                <a:off x="4475342" y="4491334"/>
+                <a:ext cx="144016" cy="0"/>
+              </a:xfrm>
+              <a:prstGeom prst="line">
+                <a:avLst/>
+              </a:prstGeom>
+            </p:spPr>
+            <p:style>
+              <a:lnRef idx="1">
+                <a:schemeClr val="accent1"/>
+              </a:lnRef>
+              <a:fillRef idx="0">
+                <a:schemeClr val="accent1"/>
+              </a:fillRef>
+              <a:effectRef idx="0">
+                <a:schemeClr val="accent1"/>
+              </a:effectRef>
+              <a:fontRef idx="minor">
+                <a:schemeClr val="tx1"/>
+              </a:fontRef>
+            </p:style>
+          </p:cxnSp>
+          <p:sp>
+            <p:nvSpPr>
+              <p:cNvPr id="1421" name="TextBox 1420"/>
+              <p:cNvSpPr txBox="1"/>
+              <p:nvPr/>
+            </p:nvSpPr>
+            <p:spPr>
+              <a:xfrm>
+                <a:off x="4251185" y="4318225"/>
+                <a:ext cx="187332" cy="246221"/>
+              </a:xfrm>
+              <a:prstGeom prst="rect">
+                <a:avLst/>
+              </a:prstGeom>
+              <a:noFill/>
+            </p:spPr>
+            <p:txBody>
+              <a:bodyPr wrap="square" rtlCol="0">
+                <a:spAutoFit/>
+              </a:bodyPr>
+              <a:lstStyle/>
+              <a:p>
+                <a:pPr algn="ctr"/>
+                <a:r>
+                  <a:rPr lang="en-US" altLang="zh-CN" sz="1000" dirty="0"/>
+                  <a:t>1</a:t>
+                </a:r>
+                <a:endParaRPr lang="zh-CN" altLang="en-US" sz="1000" dirty="0"/>
+              </a:p>
+            </p:txBody>
+          </p:sp>
+          <p:sp>
+            <p:nvSpPr>
+              <p:cNvPr id="1422" name="TextBox 1421"/>
+              <p:cNvSpPr txBox="1"/>
+              <p:nvPr/>
+            </p:nvSpPr>
+            <p:spPr>
+              <a:xfrm>
+                <a:off x="4259783" y="4521069"/>
+                <a:ext cx="187332" cy="246221"/>
+              </a:xfrm>
+              <a:prstGeom prst="rect">
+                <a:avLst/>
+              </a:prstGeom>
+              <a:noFill/>
+            </p:spPr>
+            <p:txBody>
+              <a:bodyPr wrap="square" rtlCol="0">
+                <a:spAutoFit/>
+              </a:bodyPr>
+              <a:lstStyle/>
+              <a:p>
+                <a:pPr algn="ctr"/>
+                <a:r>
+                  <a:rPr lang="en-US" altLang="zh-CN" sz="1000" dirty="0" smtClean="0"/>
+                  <a:t>0</a:t>
+                </a:r>
+                <a:endParaRPr lang="zh-CN" altLang="en-US" sz="1000" dirty="0"/>
+              </a:p>
+            </p:txBody>
+          </p:sp>
+        </p:grpSp>
+        <p:grpSp>
+          <p:nvGrpSpPr>
+            <p:cNvPr id="3" name="组合 2"/>
+            <p:cNvGrpSpPr/>
+            <p:nvPr/>
+          </p:nvGrpSpPr>
+          <p:grpSpPr>
+            <a:xfrm>
+              <a:off x="27777549" y="18221742"/>
+              <a:ext cx="1426580" cy="1377700"/>
+              <a:chOff x="27834916" y="18796652"/>
+              <a:chExt cx="1426580" cy="1377700"/>
+            </a:xfrm>
+          </p:grpSpPr>
+          <p:sp>
+            <p:nvSpPr>
+              <p:cNvPr id="1438" name="流程图: 手动操作 2"/>
+              <p:cNvSpPr/>
+              <p:nvPr/>
+            </p:nvSpPr>
+            <p:spPr>
+              <a:xfrm rot="16200000">
+                <a:off x="28329083" y="19155775"/>
+                <a:ext cx="950625" cy="232379"/>
+              </a:xfrm>
+              <a:custGeom>
+                <a:avLst/>
+                <a:gdLst>
+                  <a:gd name="connsiteX0" fmla="*/ 0 w 10000"/>
+                  <a:gd name="connsiteY0" fmla="*/ 0 h 10000"/>
+                  <a:gd name="connsiteX1" fmla="*/ 10000 w 10000"/>
+                  <a:gd name="connsiteY1" fmla="*/ 0 h 10000"/>
+                  <a:gd name="connsiteX2" fmla="*/ 8000 w 10000"/>
+                  <a:gd name="connsiteY2" fmla="*/ 10000 h 10000"/>
+                  <a:gd name="connsiteX3" fmla="*/ 2000 w 10000"/>
+                  <a:gd name="connsiteY3" fmla="*/ 10000 h 10000"/>
+                  <a:gd name="connsiteX4" fmla="*/ 0 w 10000"/>
+                  <a:gd name="connsiteY4" fmla="*/ 0 h 10000"/>
+                  <a:gd name="connsiteX0" fmla="*/ 0 w 10000"/>
+                  <a:gd name="connsiteY0" fmla="*/ 0 h 10178"/>
+                  <a:gd name="connsiteX1" fmla="*/ 10000 w 10000"/>
+                  <a:gd name="connsiteY1" fmla="*/ 0 h 10178"/>
+                  <a:gd name="connsiteX2" fmla="*/ 8691 w 10000"/>
+                  <a:gd name="connsiteY2" fmla="*/ 10178 h 10178"/>
+                  <a:gd name="connsiteX3" fmla="*/ 2000 w 10000"/>
+                  <a:gd name="connsiteY3" fmla="*/ 10000 h 10178"/>
+                  <a:gd name="connsiteX4" fmla="*/ 0 w 10000"/>
+                  <a:gd name="connsiteY4" fmla="*/ 0 h 10178"/>
+                  <a:gd name="connsiteX0" fmla="*/ 0 w 10000"/>
+                  <a:gd name="connsiteY0" fmla="*/ 0 h 10178"/>
+                  <a:gd name="connsiteX1" fmla="*/ 10000 w 10000"/>
+                  <a:gd name="connsiteY1" fmla="*/ 0 h 10178"/>
+                  <a:gd name="connsiteX2" fmla="*/ 8691 w 10000"/>
+                  <a:gd name="connsiteY2" fmla="*/ 10178 h 10178"/>
+                  <a:gd name="connsiteX3" fmla="*/ 2000 w 10000"/>
+                  <a:gd name="connsiteY3" fmla="*/ 10000 h 10178"/>
+                  <a:gd name="connsiteX4" fmla="*/ 1088 w 10000"/>
+                  <a:gd name="connsiteY4" fmla="*/ 9879 h 10178"/>
+                  <a:gd name="connsiteX5" fmla="*/ 0 w 10000"/>
+                  <a:gd name="connsiteY5" fmla="*/ 0 h 10178"/>
+                </a:gdLst>
+                <a:ahLst/>
+                <a:cxnLst>
+                  <a:cxn ang="0">
+                    <a:pos x="connsiteX0" y="connsiteY0"/>
+                  </a:cxn>
+                  <a:cxn ang="0">
+                    <a:pos x="connsiteX1" y="connsiteY1"/>
+                  </a:cxn>
+                  <a:cxn ang="0">
+                    <a:pos x="connsiteX2" y="connsiteY2"/>
+                  </a:cxn>
+                  <a:cxn ang="0">
+                    <a:pos x="connsiteX3" y="connsiteY3"/>
+                  </a:cxn>
+                  <a:cxn ang="0">
+                    <a:pos x="connsiteX4" y="connsiteY4"/>
+                  </a:cxn>
+                  <a:cxn ang="0">
+                    <a:pos x="connsiteX5" y="connsiteY5"/>
+                  </a:cxn>
+                </a:cxnLst>
+                <a:rect l="l" t="t" r="r" b="b"/>
+                <a:pathLst>
+                  <a:path w="10000" h="10178">
+                    <a:moveTo>
+                      <a:pt x="0" y="0"/>
+                    </a:moveTo>
+                    <a:lnTo>
+                      <a:pt x="10000" y="0"/>
+                    </a:lnTo>
+                    <a:lnTo>
+                      <a:pt x="8691" y="10178"/>
+                    </a:lnTo>
+                    <a:lnTo>
+                      <a:pt x="2000" y="10000"/>
+                    </a:lnTo>
+                    <a:cubicBezTo>
+                      <a:pt x="1975" y="9960"/>
+                      <a:pt x="1113" y="9919"/>
+                      <a:pt x="1088" y="9879"/>
+                    </a:cubicBezTo>
+                    <a:lnTo>
+                      <a:pt x="0" y="0"/>
+                    </a:lnTo>
+                    <a:close/>
+                  </a:path>
+                </a:pathLst>
+              </a:custGeom>
+              <a:noFill/>
+              <a:ln w="12700">
+                <a:solidFill>
+                  <a:schemeClr val="tx1"/>
+                </a:solidFill>
+              </a:ln>
+            </p:spPr>
+            <p:style>
+              <a:lnRef idx="2">
+                <a:schemeClr val="accent1">
+                  <a:shade val="50000"/>
+                </a:schemeClr>
+              </a:lnRef>
+              <a:fillRef idx="1">
+                <a:schemeClr val="accent1"/>
+              </a:fillRef>
+              <a:effectRef idx="0">
+                <a:schemeClr val="accent1"/>
+              </a:effectRef>
+              <a:fontRef idx="minor">
+                <a:schemeClr val="lt1"/>
+              </a:fontRef>
+            </p:style>
+            <p:txBody>
+              <a:bodyPr rtlCol="0" anchor="ctr"/>
+              <a:lstStyle/>
+              <a:p>
+                <a:pPr algn="ctr"/>
+                <a:endParaRPr lang="zh-CN" altLang="en-US" sz="18600"/>
+              </a:p>
+            </p:txBody>
+          </p:sp>
+          <p:cxnSp>
+            <p:nvCxnSpPr>
+              <p:cNvPr id="1439" name="直接连接符 1438"/>
+              <p:cNvCxnSpPr/>
+              <p:nvPr/>
+            </p:nvCxnSpPr>
+            <p:spPr>
+              <a:xfrm>
+                <a:off x="28817876" y="19695717"/>
+                <a:ext cx="0" cy="171974"/>
+              </a:xfrm>
+              <a:prstGeom prst="line">
+                <a:avLst/>
+              </a:prstGeom>
+            </p:spPr>
+            <p:style>
+              <a:lnRef idx="1">
+                <a:schemeClr val="accent1"/>
+              </a:lnRef>
+              <a:fillRef idx="0">
+                <a:schemeClr val="accent1"/>
+              </a:fillRef>
+              <a:effectRef idx="0">
+                <a:schemeClr val="accent1"/>
+              </a:effectRef>
+              <a:fontRef idx="minor">
+                <a:schemeClr val="tx1"/>
+              </a:fontRef>
+            </p:style>
+          </p:cxnSp>
+          <p:sp>
+            <p:nvSpPr>
+              <p:cNvPr id="1440" name="TextBox 1439"/>
+              <p:cNvSpPr txBox="1"/>
+              <p:nvPr/>
+            </p:nvSpPr>
+            <p:spPr>
+              <a:xfrm>
+                <a:off x="28374255" y="19880331"/>
+                <a:ext cx="887241" cy="294021"/>
+              </a:xfrm>
+              <a:prstGeom prst="rect">
+                <a:avLst/>
+              </a:prstGeom>
+              <a:noFill/>
+            </p:spPr>
+            <p:txBody>
+              <a:bodyPr wrap="square" rtlCol="0">
+                <a:spAutoFit/>
+              </a:bodyPr>
+              <a:lstStyle/>
+              <a:p>
+                <a:pPr algn="ctr"/>
+                <a:r>
+                  <a:rPr lang="en-US" altLang="zh-CN" sz="1000" dirty="0" err="1" smtClean="0"/>
+                  <a:t>ForwardB</a:t>
+                </a:r>
+                <a:endParaRPr lang="zh-CN" altLang="en-US" sz="1000" dirty="0"/>
+              </a:p>
+            </p:txBody>
+          </p:sp>
+          <p:sp>
+            <p:nvSpPr>
+              <p:cNvPr id="1441" name="TextBox 1440"/>
+              <p:cNvSpPr txBox="1"/>
+              <p:nvPr/>
+            </p:nvSpPr>
+            <p:spPr>
+              <a:xfrm>
+                <a:off x="28666967" y="19417573"/>
+                <a:ext cx="223699" cy="294021"/>
+              </a:xfrm>
+              <a:prstGeom prst="rect">
+                <a:avLst/>
+              </a:prstGeom>
+              <a:noFill/>
+            </p:spPr>
+            <p:txBody>
+              <a:bodyPr wrap="square" rtlCol="0">
+                <a:spAutoFit/>
+              </a:bodyPr>
+              <a:lstStyle/>
+              <a:p>
+                <a:pPr algn="ctr"/>
+                <a:r>
+                  <a:rPr lang="en-US" altLang="zh-CN" sz="1000" dirty="0" smtClean="0"/>
+                  <a:t>2</a:t>
+                </a:r>
+                <a:endParaRPr lang="zh-CN" altLang="en-US" sz="1000" dirty="0"/>
+              </a:p>
+            </p:txBody>
+          </p:sp>
+          <p:sp>
+            <p:nvSpPr>
+              <p:cNvPr id="1442" name="TextBox 1441"/>
+              <p:cNvSpPr txBox="1"/>
+              <p:nvPr/>
+            </p:nvSpPr>
+            <p:spPr>
+              <a:xfrm>
+                <a:off x="28666177" y="19156424"/>
+                <a:ext cx="223699" cy="294021"/>
+              </a:xfrm>
+              <a:prstGeom prst="rect">
+                <a:avLst/>
+              </a:prstGeom>
+              <a:noFill/>
+            </p:spPr>
+            <p:txBody>
+              <a:bodyPr wrap="square" rtlCol="0">
+                <a:spAutoFit/>
+              </a:bodyPr>
+              <a:lstStyle/>
+              <a:p>
+                <a:pPr algn="ctr"/>
+                <a:r>
+                  <a:rPr lang="en-US" altLang="zh-CN" sz="1000" dirty="0" smtClean="0"/>
+                  <a:t>1</a:t>
+                </a:r>
+                <a:endParaRPr lang="zh-CN" altLang="en-US" sz="1000" dirty="0"/>
+              </a:p>
+            </p:txBody>
+          </p:sp>
+          <p:sp>
+            <p:nvSpPr>
+              <p:cNvPr id="1443" name="TextBox 1442"/>
+              <p:cNvSpPr txBox="1"/>
+              <p:nvPr/>
+            </p:nvSpPr>
+            <p:spPr>
+              <a:xfrm>
+                <a:off x="27840911" y="19130576"/>
+                <a:ext cx="887241" cy="294021"/>
+              </a:xfrm>
+              <a:prstGeom prst="rect">
+                <a:avLst/>
+              </a:prstGeom>
+              <a:noFill/>
+            </p:spPr>
+            <p:txBody>
+              <a:bodyPr wrap="square" rtlCol="0">
+                <a:spAutoFit/>
+              </a:bodyPr>
+              <a:lstStyle/>
+              <a:p>
+                <a:pPr algn="ctr"/>
+                <a:r>
+                  <a:rPr lang="en-US" altLang="zh-CN" sz="1000" dirty="0" err="1" smtClean="0"/>
+                  <a:t>WB_out</a:t>
+                </a:r>
+                <a:endParaRPr lang="zh-CN" altLang="en-US" sz="1000" dirty="0"/>
+              </a:p>
+            </p:txBody>
+          </p:sp>
+          <p:sp>
+            <p:nvSpPr>
+              <p:cNvPr id="1444" name="TextBox 1443"/>
+              <p:cNvSpPr txBox="1"/>
+              <p:nvPr/>
+            </p:nvSpPr>
+            <p:spPr>
+              <a:xfrm>
+                <a:off x="27858333" y="19410116"/>
+                <a:ext cx="887241" cy="294021"/>
+              </a:xfrm>
+              <a:prstGeom prst="rect">
+                <a:avLst/>
+              </a:prstGeom>
+              <a:noFill/>
+            </p:spPr>
+            <p:txBody>
+              <a:bodyPr wrap="square" rtlCol="0">
+                <a:spAutoFit/>
+              </a:bodyPr>
+              <a:lstStyle/>
+              <a:p>
+                <a:pPr algn="ctr"/>
+                <a:r>
+                  <a:rPr lang="en-US" altLang="zh-CN" sz="1000" dirty="0" err="1" smtClean="0"/>
+                  <a:t>Mem_in</a:t>
+                </a:r>
+                <a:endParaRPr lang="zh-CN" altLang="en-US" sz="1000" dirty="0"/>
+              </a:p>
+            </p:txBody>
+          </p:sp>
+          <p:cxnSp>
+            <p:nvCxnSpPr>
+              <p:cNvPr id="1445" name="直接连接符 1444"/>
+              <p:cNvCxnSpPr/>
+              <p:nvPr/>
+            </p:nvCxnSpPr>
+            <p:spPr>
+              <a:xfrm flipH="1">
+                <a:off x="28512909" y="19275772"/>
+                <a:ext cx="171974" cy="0"/>
+              </a:xfrm>
+              <a:prstGeom prst="line">
+                <a:avLst/>
+              </a:prstGeom>
+            </p:spPr>
+            <p:style>
+              <a:lnRef idx="1">
+                <a:schemeClr val="accent1"/>
+              </a:lnRef>
+              <a:fillRef idx="0">
+                <a:schemeClr val="accent1"/>
+              </a:fillRef>
+              <a:effectRef idx="0">
+                <a:schemeClr val="accent1"/>
+              </a:effectRef>
+              <a:fontRef idx="minor">
+                <a:schemeClr val="tx1"/>
+              </a:fontRef>
+            </p:style>
+          </p:cxnSp>
+          <p:cxnSp>
+            <p:nvCxnSpPr>
+              <p:cNvPr id="1446" name="直接连接符 1445"/>
+              <p:cNvCxnSpPr/>
+              <p:nvPr/>
+            </p:nvCxnSpPr>
+            <p:spPr>
+              <a:xfrm flipH="1">
+                <a:off x="28512909" y="19538557"/>
+                <a:ext cx="171974" cy="0"/>
+              </a:xfrm>
+              <a:prstGeom prst="line">
+                <a:avLst/>
+              </a:prstGeom>
+            </p:spPr>
+            <p:style>
+              <a:lnRef idx="1">
+                <a:schemeClr val="accent1"/>
+              </a:lnRef>
+              <a:fillRef idx="0">
+                <a:schemeClr val="accent1"/>
+              </a:fillRef>
+              <a:effectRef idx="0">
+                <a:schemeClr val="accent1"/>
+              </a:effectRef>
+              <a:fontRef idx="minor">
+                <a:schemeClr val="tx1"/>
+              </a:fontRef>
+            </p:style>
+          </p:cxnSp>
+          <p:sp>
+            <p:nvSpPr>
+              <p:cNvPr id="1448" name="TextBox 1447"/>
+              <p:cNvSpPr txBox="1"/>
+              <p:nvPr/>
+            </p:nvSpPr>
+            <p:spPr>
+              <a:xfrm>
+                <a:off x="28677947" y="18878824"/>
+                <a:ext cx="223699" cy="294021"/>
+              </a:xfrm>
+              <a:prstGeom prst="rect">
+                <a:avLst/>
+              </a:prstGeom>
+              <a:noFill/>
+            </p:spPr>
+            <p:txBody>
+              <a:bodyPr wrap="square" rtlCol="0">
+                <a:spAutoFit/>
+              </a:bodyPr>
+              <a:lstStyle/>
+              <a:p>
+                <a:pPr algn="ctr"/>
+                <a:r>
+                  <a:rPr lang="en-US" altLang="zh-CN" sz="1000" dirty="0" smtClean="0"/>
+                  <a:t>0</a:t>
+                </a:r>
+                <a:endParaRPr lang="zh-CN" altLang="en-US" sz="1000" dirty="0"/>
+              </a:p>
+            </p:txBody>
+          </p:sp>
+          <p:cxnSp>
+            <p:nvCxnSpPr>
+              <p:cNvPr id="793" name="直接连接符 792"/>
+              <p:cNvCxnSpPr/>
+              <p:nvPr/>
+            </p:nvCxnSpPr>
+            <p:spPr>
+              <a:xfrm flipH="1">
+                <a:off x="28527570" y="18978464"/>
+                <a:ext cx="171974" cy="0"/>
+              </a:xfrm>
+              <a:prstGeom prst="line">
+                <a:avLst/>
+              </a:prstGeom>
+            </p:spPr>
+            <p:style>
+              <a:lnRef idx="1">
+                <a:schemeClr val="accent1"/>
+              </a:lnRef>
+              <a:fillRef idx="0">
+                <a:schemeClr val="accent1"/>
+              </a:fillRef>
+              <a:effectRef idx="0">
+                <a:schemeClr val="accent1"/>
+              </a:effectRef>
+              <a:fontRef idx="minor">
+                <a:schemeClr val="tx1"/>
+              </a:fontRef>
+            </p:style>
+          </p:cxnSp>
+          <p:sp>
+            <p:nvSpPr>
+              <p:cNvPr id="794" name="TextBox 793"/>
+              <p:cNvSpPr txBox="1"/>
+              <p:nvPr/>
+            </p:nvSpPr>
+            <p:spPr>
+              <a:xfrm>
+                <a:off x="27834916" y="18846644"/>
+                <a:ext cx="887241" cy="246221"/>
+              </a:xfrm>
+              <a:prstGeom prst="rect">
+                <a:avLst/>
+              </a:prstGeom>
+              <a:noFill/>
+            </p:spPr>
+            <p:txBody>
+              <a:bodyPr wrap="square" rtlCol="0">
+                <a:spAutoFit/>
+              </a:bodyPr>
+              <a:lstStyle/>
+              <a:p>
+                <a:pPr algn="ctr"/>
+                <a:r>
+                  <a:rPr lang="en-US" altLang="zh-CN" sz="1000" dirty="0" err="1" smtClean="0"/>
+                  <a:t>EX_dataB</a:t>
+                </a:r>
+                <a:endParaRPr lang="zh-CN" altLang="en-US" sz="1000" dirty="0"/>
+              </a:p>
+            </p:txBody>
+          </p:sp>
+        </p:grpSp>
+        <p:cxnSp>
+          <p:nvCxnSpPr>
+            <p:cNvPr id="802" name="直接连接符 801"/>
+            <p:cNvCxnSpPr/>
+            <p:nvPr/>
+          </p:nvCxnSpPr>
+          <p:spPr>
+            <a:xfrm flipH="1">
+              <a:off x="29058717" y="18269352"/>
+              <a:ext cx="2" cy="710879"/>
+            </a:xfrm>
+            <a:prstGeom prst="line">
+              <a:avLst/>
+            </a:prstGeom>
+          </p:spPr>
+          <p:style>
+            <a:lnRef idx="1">
+              <a:schemeClr val="accent1"/>
+            </a:lnRef>
+            <a:fillRef idx="0">
+              <a:schemeClr val="accent1"/>
+            </a:fillRef>
+            <a:effectRef idx="0">
+              <a:schemeClr val="accent1"/>
+            </a:effectRef>
+            <a:fontRef idx="minor">
+              <a:schemeClr val="tx1"/>
+            </a:fontRef>
+          </p:style>
+        </p:cxnSp>
+        <p:cxnSp>
+          <p:nvCxnSpPr>
+            <p:cNvPr id="803" name="直接连接符 802"/>
+            <p:cNvCxnSpPr/>
+            <p:nvPr/>
+          </p:nvCxnSpPr>
+          <p:spPr>
+            <a:xfrm flipH="1" flipV="1">
+              <a:off x="28863218" y="18682264"/>
+              <a:ext cx="195501" cy="1521"/>
+            </a:xfrm>
+            <a:prstGeom prst="line">
+              <a:avLst/>
+            </a:prstGeom>
+          </p:spPr>
+          <p:style>
+            <a:lnRef idx="1">
+              <a:schemeClr val="accent1"/>
+            </a:lnRef>
+            <a:fillRef idx="0">
+              <a:schemeClr val="accent1"/>
+            </a:fillRef>
+            <a:effectRef idx="0">
+              <a:schemeClr val="accent1"/>
+            </a:effectRef>
+            <a:fontRef idx="minor">
+              <a:schemeClr val="tx1"/>
+            </a:fontRef>
+          </p:style>
+        </p:cxnSp>
+      </p:grpSp>
     </p:spTree>
     <p:extLst>
       <p:ext uri="{BB962C8B-B14F-4D97-AF65-F5344CB8AC3E}">

--- a/report/流水线datapath.pptx
+++ b/report/流水线datapath.pptx
@@ -26264,7 +26264,7 @@
             <p:spPr>
               <a:xfrm>
                 <a:off x="5232530" y="2936717"/>
-                <a:ext cx="187332" cy="246221"/>
+                <a:ext cx="187332" cy="206192"/>
               </a:xfrm>
               <a:prstGeom prst="rect">
                 <a:avLst/>
@@ -26280,7 +26280,7 @@
                 <a:pPr algn="ctr"/>
                 <a:r>
                   <a:rPr lang="en-US" altLang="zh-CN" sz="1000" dirty="0"/>
-                  <a:t>1</a:t>
+                  <a:t>0</a:t>
                 </a:r>
                 <a:endParaRPr lang="zh-CN" altLang="en-US" sz="1000" dirty="0"/>
               </a:p>
@@ -26558,7 +26558,7 @@
             <p:spPr>
               <a:xfrm>
                 <a:off x="5245106" y="2437112"/>
-                <a:ext cx="187332" cy="246221"/>
+                <a:ext cx="187332" cy="206192"/>
               </a:xfrm>
               <a:prstGeom prst="rect">
                 <a:avLst/>
@@ -26573,8 +26573,8 @@
               <a:p>
                 <a:pPr algn="ctr"/>
                 <a:r>
-                  <a:rPr lang="en-US" altLang="zh-CN" sz="1000" dirty="0"/>
-                  <a:t>0</a:t>
+                  <a:rPr lang="en-US" altLang="zh-CN" sz="1000" dirty="0" smtClean="0"/>
+                  <a:t>1</a:t>
                 </a:r>
                 <a:endParaRPr lang="zh-CN" altLang="en-US" sz="1000" dirty="0"/>
               </a:p>
@@ -26589,7 +26589,7 @@
             <p:spPr>
               <a:xfrm>
                 <a:off x="5232530" y="2629257"/>
-                <a:ext cx="187332" cy="246221"/>
+                <a:ext cx="187332" cy="206192"/>
               </a:xfrm>
               <a:prstGeom prst="rect">
                 <a:avLst/>
@@ -26604,8 +26604,8 @@
               <a:p>
                 <a:pPr algn="ctr"/>
                 <a:r>
-                  <a:rPr lang="en-US" altLang="zh-CN" sz="1000" dirty="0"/>
-                  <a:t>1</a:t>
+                  <a:rPr lang="en-US" altLang="zh-CN" sz="1000" dirty="0" smtClean="0"/>
+                  <a:t>0</a:t>
                 </a:r>
                 <a:endParaRPr lang="zh-CN" altLang="en-US" sz="1000" dirty="0"/>
               </a:p>
@@ -26839,7 +26839,7 @@
           <p:spPr>
             <a:xfrm>
               <a:off x="28802983" y="16742699"/>
-              <a:ext cx="223699" cy="294021"/>
+              <a:ext cx="223699" cy="246221"/>
             </a:xfrm>
             <a:prstGeom prst="rect">
               <a:avLst/>
@@ -26855,7 +26855,7 @@
               <a:pPr algn="ctr"/>
               <a:r>
                 <a:rPr lang="en-US" altLang="zh-CN" sz="1000" dirty="0"/>
-                <a:t>0</a:t>
+                <a:t>1</a:t>
               </a:r>
               <a:endParaRPr lang="zh-CN" altLang="en-US" sz="1000" dirty="0"/>
             </a:p>
